--- a/Diagrams/Diagrams.pptx
+++ b/Diagrams/Diagrams.pptx
@@ -247,7 +247,7 @@
           <a:p>
             <a:fld id="{4656F671-B0EE-4D7D-8F30-B0E0BEDB8B38}" type="datetimeFigureOut">
               <a:rPr lang="en-US" smtClean="0"/>
-              <a:t>5/17/2020</a:t>
+              <a:t>5/23/2020</a:t>
             </a:fld>
             <a:endParaRPr lang="en-US"/>
           </a:p>
@@ -417,7 +417,7 @@
           <a:p>
             <a:fld id="{4656F671-B0EE-4D7D-8F30-B0E0BEDB8B38}" type="datetimeFigureOut">
               <a:rPr lang="en-US" smtClean="0"/>
-              <a:t>5/17/2020</a:t>
+              <a:t>5/23/2020</a:t>
             </a:fld>
             <a:endParaRPr lang="en-US"/>
           </a:p>
@@ -597,7 +597,7 @@
           <a:p>
             <a:fld id="{4656F671-B0EE-4D7D-8F30-B0E0BEDB8B38}" type="datetimeFigureOut">
               <a:rPr lang="en-US" smtClean="0"/>
-              <a:t>5/17/2020</a:t>
+              <a:t>5/23/2020</a:t>
             </a:fld>
             <a:endParaRPr lang="en-US"/>
           </a:p>
@@ -767,7 +767,7 @@
           <a:p>
             <a:fld id="{4656F671-B0EE-4D7D-8F30-B0E0BEDB8B38}" type="datetimeFigureOut">
               <a:rPr lang="en-US" smtClean="0"/>
-              <a:t>5/17/2020</a:t>
+              <a:t>5/23/2020</a:t>
             </a:fld>
             <a:endParaRPr lang="en-US"/>
           </a:p>
@@ -1011,7 +1011,7 @@
           <a:p>
             <a:fld id="{4656F671-B0EE-4D7D-8F30-B0E0BEDB8B38}" type="datetimeFigureOut">
               <a:rPr lang="en-US" smtClean="0"/>
-              <a:t>5/17/2020</a:t>
+              <a:t>5/23/2020</a:t>
             </a:fld>
             <a:endParaRPr lang="en-US"/>
           </a:p>
@@ -1243,7 +1243,7 @@
           <a:p>
             <a:fld id="{4656F671-B0EE-4D7D-8F30-B0E0BEDB8B38}" type="datetimeFigureOut">
               <a:rPr lang="en-US" smtClean="0"/>
-              <a:t>5/17/2020</a:t>
+              <a:t>5/23/2020</a:t>
             </a:fld>
             <a:endParaRPr lang="en-US"/>
           </a:p>
@@ -1610,7 +1610,7 @@
           <a:p>
             <a:fld id="{4656F671-B0EE-4D7D-8F30-B0E0BEDB8B38}" type="datetimeFigureOut">
               <a:rPr lang="en-US" smtClean="0"/>
-              <a:t>5/17/2020</a:t>
+              <a:t>5/23/2020</a:t>
             </a:fld>
             <a:endParaRPr lang="en-US"/>
           </a:p>
@@ -1728,7 +1728,7 @@
           <a:p>
             <a:fld id="{4656F671-B0EE-4D7D-8F30-B0E0BEDB8B38}" type="datetimeFigureOut">
               <a:rPr lang="en-US" smtClean="0"/>
-              <a:t>5/17/2020</a:t>
+              <a:t>5/23/2020</a:t>
             </a:fld>
             <a:endParaRPr lang="en-US"/>
           </a:p>
@@ -1823,7 +1823,7 @@
           <a:p>
             <a:fld id="{4656F671-B0EE-4D7D-8F30-B0E0BEDB8B38}" type="datetimeFigureOut">
               <a:rPr lang="en-US" smtClean="0"/>
-              <a:t>5/17/2020</a:t>
+              <a:t>5/23/2020</a:t>
             </a:fld>
             <a:endParaRPr lang="en-US"/>
           </a:p>
@@ -2100,7 +2100,7 @@
           <a:p>
             <a:fld id="{4656F671-B0EE-4D7D-8F30-B0E0BEDB8B38}" type="datetimeFigureOut">
               <a:rPr lang="en-US" smtClean="0"/>
-              <a:t>5/17/2020</a:t>
+              <a:t>5/23/2020</a:t>
             </a:fld>
             <a:endParaRPr lang="en-US"/>
           </a:p>
@@ -2357,7 +2357,7 @@
           <a:p>
             <a:fld id="{4656F671-B0EE-4D7D-8F30-B0E0BEDB8B38}" type="datetimeFigureOut">
               <a:rPr lang="en-US" smtClean="0"/>
-              <a:t>5/17/2020</a:t>
+              <a:t>5/23/2020</a:t>
             </a:fld>
             <a:endParaRPr lang="en-US"/>
           </a:p>
@@ -2570,7 +2570,7 @@
           <a:p>
             <a:fld id="{4656F671-B0EE-4D7D-8F30-B0E0BEDB8B38}" type="datetimeFigureOut">
               <a:rPr lang="en-US" smtClean="0"/>
-              <a:t>5/17/2020</a:t>
+              <a:t>5/23/2020</a:t>
             </a:fld>
             <a:endParaRPr lang="en-US"/>
           </a:p>
@@ -2989,7 +2989,7 @@
         </p:nvSpPr>
         <p:spPr>
           <a:xfrm>
-            <a:off x="1001490" y="1550466"/>
+            <a:off x="2989040" y="1829866"/>
             <a:ext cx="525984" cy="525984"/>
           </a:xfrm>
           <a:prstGeom prst="ellipse">
@@ -3029,7 +3029,7 @@
                   <a:schemeClr val="tx1"/>
                 </a:solidFill>
               </a:rPr>
-              <a:t>Q0</a:t>
+              <a:t>Q1</a:t>
             </a:r>
           </a:p>
         </p:txBody>
@@ -3045,14 +3045,14 @@
           </p:cNvPr>
           <p:cNvCxnSpPr>
             <a:cxnSpLocks/>
-            <a:endCxn id="4" idx="2"/>
+            <a:endCxn id="20" idx="2"/>
           </p:cNvCxnSpPr>
           <p:nvPr/>
         </p:nvCxnSpPr>
         <p:spPr>
           <a:xfrm>
-            <a:off x="585788" y="1813458"/>
-            <a:ext cx="415702" cy="0"/>
+            <a:off x="723900" y="2092858"/>
+            <a:ext cx="273050" cy="0"/>
           </a:xfrm>
           <a:prstGeom prst="straightConnector1">
             <a:avLst/>
@@ -3132,7 +3132,7 @@
         </p:nvSpPr>
         <p:spPr>
           <a:xfrm>
-            <a:off x="2233390" y="1550466"/>
+            <a:off x="1046013" y="1829866"/>
             <a:ext cx="525984" cy="525984"/>
           </a:xfrm>
           <a:prstGeom prst="ellipse">
@@ -3167,18 +3167,13 @@
           <a:p>
             <a:pPr algn="ctr"/>
             <a:r>
-              <a:rPr lang="en-US" sz="1200" dirty="0" err="1">
+              <a:rPr lang="en-US" sz="1200" dirty="0">
                 <a:solidFill>
                   <a:schemeClr val="tx1"/>
                 </a:solidFill>
               </a:rPr>
-              <a:t>Qf</a:t>
-            </a:r>
-            <a:endParaRPr lang="en-US" sz="1200" dirty="0">
-              <a:solidFill>
-                <a:schemeClr val="tx1"/>
-              </a:solidFill>
-            </a:endParaRPr>
+              <a:t>Q0</a:t>
+            </a:r>
           </a:p>
         </p:txBody>
       </p:sp>
@@ -3196,7 +3191,7 @@
         </p:nvSpPr>
         <p:spPr>
           <a:xfrm>
-            <a:off x="2184327" y="1501403"/>
+            <a:off x="996950" y="1780803"/>
             <a:ext cx="624110" cy="624110"/>
           </a:xfrm>
           <a:prstGeom prst="ellipse">
@@ -3231,6 +3226,165 @@
           <a:p>
             <a:pPr algn="ctr"/>
             <a:endParaRPr lang="en-US"/>
+          </a:p>
+        </p:txBody>
+      </p:sp>
+      <p:cxnSp>
+        <p:nvCxnSpPr>
+          <p:cNvPr id="9" name="Connector: Curved 8">
+            <a:extLst>
+              <a:ext uri="{FF2B5EF4-FFF2-40B4-BE49-F238E27FC236}">
+                <a16:creationId xmlns:a16="http://schemas.microsoft.com/office/drawing/2014/main" id="{5C695DA5-65FB-4CB3-801F-749777B25EEC}"/>
+              </a:ext>
+            </a:extLst>
+          </p:cNvPr>
+          <p:cNvCxnSpPr>
+            <a:stCxn id="18" idx="7"/>
+            <a:endCxn id="4" idx="1"/>
+          </p:cNvCxnSpPr>
+          <p:nvPr/>
+        </p:nvCxnSpPr>
+        <p:spPr>
+          <a:xfrm rot="5400000" flipH="1" flipV="1">
+            <a:off x="2280518" y="1121345"/>
+            <a:ext cx="12700" cy="1571101"/>
+          </a:xfrm>
+          <a:prstGeom prst="curvedConnector3">
+            <a:avLst>
+              <a:gd name="adj1" fmla="val 2406528"/>
+            </a:avLst>
+          </a:prstGeom>
+          <a:ln>
+            <a:tailEnd type="triangle"/>
+          </a:ln>
+        </p:spPr>
+        <p:style>
+          <a:lnRef idx="1">
+            <a:schemeClr val="dk1"/>
+          </a:lnRef>
+          <a:fillRef idx="0">
+            <a:schemeClr val="dk1"/>
+          </a:fillRef>
+          <a:effectRef idx="0">
+            <a:schemeClr val="dk1"/>
+          </a:effectRef>
+          <a:fontRef idx="minor">
+            <a:schemeClr val="tx1"/>
+          </a:fontRef>
+        </p:style>
+      </p:cxnSp>
+      <p:cxnSp>
+        <p:nvCxnSpPr>
+          <p:cNvPr id="13" name="Connector: Curved 12">
+            <a:extLst>
+              <a:ext uri="{FF2B5EF4-FFF2-40B4-BE49-F238E27FC236}">
+                <a16:creationId xmlns:a16="http://schemas.microsoft.com/office/drawing/2014/main" id="{3E111245-A500-4F11-BAF6-71CF2D271DE2}"/>
+              </a:ext>
+            </a:extLst>
+          </p:cNvPr>
+          <p:cNvCxnSpPr>
+            <a:cxnSpLocks/>
+            <a:stCxn id="4" idx="3"/>
+            <a:endCxn id="20" idx="5"/>
+          </p:cNvCxnSpPr>
+          <p:nvPr/>
+        </p:nvCxnSpPr>
+        <p:spPr>
+          <a:xfrm rot="5400000">
+            <a:off x="2280519" y="1527963"/>
+            <a:ext cx="34693" cy="1536408"/>
+          </a:xfrm>
+          <a:prstGeom prst="curvedConnector3">
+            <a:avLst>
+              <a:gd name="adj1" fmla="val 1022373"/>
+            </a:avLst>
+          </a:prstGeom>
+          <a:ln>
+            <a:tailEnd type="triangle"/>
+          </a:ln>
+        </p:spPr>
+        <p:style>
+          <a:lnRef idx="1">
+            <a:schemeClr val="dk1"/>
+          </a:lnRef>
+          <a:fillRef idx="0">
+            <a:schemeClr val="dk1"/>
+          </a:fillRef>
+          <a:effectRef idx="0">
+            <a:schemeClr val="dk1"/>
+          </a:effectRef>
+          <a:fontRef idx="minor">
+            <a:schemeClr val="tx1"/>
+          </a:fontRef>
+        </p:style>
+      </p:cxnSp>
+      <p:sp>
+        <p:nvSpPr>
+          <p:cNvPr id="12" name="TextBox 11">
+            <a:extLst>
+              <a:ext uri="{FF2B5EF4-FFF2-40B4-BE49-F238E27FC236}">
+                <a16:creationId xmlns:a16="http://schemas.microsoft.com/office/drawing/2014/main" id="{B4B72E8F-62C1-4335-99D0-4112152E0657}"/>
+              </a:ext>
+            </a:extLst>
+          </p:cNvPr>
+          <p:cNvSpPr txBox="1"/>
+          <p:nvPr/>
+        </p:nvSpPr>
+        <p:spPr>
+          <a:xfrm>
+            <a:off x="2045231" y="1316105"/>
+            <a:ext cx="505267" cy="253916"/>
+          </a:xfrm>
+          <a:prstGeom prst="rect">
+            <a:avLst/>
+          </a:prstGeom>
+          <a:noFill/>
+        </p:spPr>
+        <p:txBody>
+          <a:bodyPr wrap="none" rtlCol="0">
+            <a:spAutoFit/>
+          </a:bodyPr>
+          <a:lstStyle/>
+          <a:p>
+            <a:r>
+              <a:rPr lang="en-US" sz="1050" dirty="0"/>
+              <a:t>a, b, c</a:t>
+            </a:r>
+          </a:p>
+        </p:txBody>
+      </p:sp>
+      <p:sp>
+        <p:nvSpPr>
+          <p:cNvPr id="19" name="TextBox 18">
+            <a:extLst>
+              <a:ext uri="{FF2B5EF4-FFF2-40B4-BE49-F238E27FC236}">
+                <a16:creationId xmlns:a16="http://schemas.microsoft.com/office/drawing/2014/main" id="{F1A12F7B-AC0F-4C0C-A046-4D5E7CDD605C}"/>
+              </a:ext>
+            </a:extLst>
+          </p:cNvPr>
+          <p:cNvSpPr txBox="1"/>
+          <p:nvPr/>
+        </p:nvSpPr>
+        <p:spPr>
+          <a:xfrm>
+            <a:off x="2045231" y="2679088"/>
+            <a:ext cx="505267" cy="253916"/>
+          </a:xfrm>
+          <a:prstGeom prst="rect">
+            <a:avLst/>
+          </a:prstGeom>
+          <a:noFill/>
+        </p:spPr>
+        <p:txBody>
+          <a:bodyPr wrap="none" rtlCol="0">
+            <a:spAutoFit/>
+          </a:bodyPr>
+          <a:lstStyle/>
+          <a:p>
+            <a:r>
+              <a:rPr lang="en-US" sz="1050" dirty="0"/>
+              <a:t>a, b, c</a:t>
+            </a:r>
           </a:p>
         </p:txBody>
       </p:sp>
@@ -3312,7 +3466,7 @@
         </p:nvSpPr>
         <p:spPr>
           <a:xfrm>
-            <a:off x="1001490" y="1550466"/>
+            <a:off x="818606" y="4140758"/>
             <a:ext cx="525984" cy="525984"/>
           </a:xfrm>
           <a:prstGeom prst="ellipse">
@@ -3347,12 +3501,12 @@
           <a:p>
             <a:pPr algn="ctr"/>
             <a:r>
-              <a:rPr lang="en-US" sz="1200" dirty="0">
+              <a:rPr lang="en-US" sz="800" dirty="0">
                 <a:solidFill>
                   <a:schemeClr val="tx1"/>
                 </a:solidFill>
               </a:rPr>
-              <a:t>Q0</a:t>
+              <a:t>Q00</a:t>
             </a:r>
           </a:p>
         </p:txBody>
@@ -3374,7 +3528,7 @@
         </p:nvCxnSpPr>
         <p:spPr>
           <a:xfrm>
-            <a:off x="585788" y="1813458"/>
+            <a:off x="402904" y="4403750"/>
             <a:ext cx="415702" cy="0"/>
           </a:xfrm>
           <a:prstGeom prst="straightConnector1">
@@ -3413,7 +3567,7 @@
         </p:nvSpPr>
         <p:spPr>
           <a:xfrm>
-            <a:off x="2233390" y="1550466"/>
+            <a:off x="3213800" y="7309507"/>
             <a:ext cx="525984" cy="525984"/>
           </a:xfrm>
           <a:prstGeom prst="ellipse">
@@ -3448,18 +3602,13 @@
           <a:p>
             <a:pPr algn="ctr"/>
             <a:r>
-              <a:rPr lang="en-US" sz="1200" dirty="0" err="1">
+              <a:rPr lang="en-US" sz="800" dirty="0">
                 <a:solidFill>
                   <a:schemeClr val="tx1"/>
                 </a:solidFill>
               </a:rPr>
-              <a:t>Qf</a:t>
-            </a:r>
-            <a:endParaRPr lang="en-US" sz="1200" dirty="0">
-              <a:solidFill>
-                <a:schemeClr val="tx1"/>
-              </a:solidFill>
-            </a:endParaRPr>
+              <a:t>Q02</a:t>
+            </a:r>
           </a:p>
         </p:txBody>
       </p:sp>
@@ -3477,7 +3626,7 @@
         </p:nvSpPr>
         <p:spPr>
           <a:xfrm>
-            <a:off x="2184327" y="1501403"/>
+            <a:off x="3164737" y="7260444"/>
             <a:ext cx="624110" cy="624110"/>
           </a:xfrm>
           <a:prstGeom prst="ellipse">
@@ -3512,6 +3661,2645 @@
           <a:p>
             <a:pPr algn="ctr"/>
             <a:endParaRPr lang="en-US"/>
+          </a:p>
+        </p:txBody>
+      </p:sp>
+      <p:sp>
+        <p:nvSpPr>
+          <p:cNvPr id="13" name="Oval 12">
+            <a:extLst>
+              <a:ext uri="{FF2B5EF4-FFF2-40B4-BE49-F238E27FC236}">
+                <a16:creationId xmlns:a16="http://schemas.microsoft.com/office/drawing/2014/main" id="{02E89DA2-5549-41A3-ADD0-4C7666DED9FF}"/>
+              </a:ext>
+            </a:extLst>
+          </p:cNvPr>
+          <p:cNvSpPr/>
+          <p:nvPr/>
+        </p:nvSpPr>
+        <p:spPr>
+          <a:xfrm>
+            <a:off x="2073928" y="3439322"/>
+            <a:ext cx="525984" cy="525984"/>
+          </a:xfrm>
+          <a:prstGeom prst="ellipse">
+            <a:avLst/>
+          </a:prstGeom>
+          <a:noFill/>
+          <a:ln w="28575">
+            <a:solidFill>
+              <a:schemeClr val="tx1"/>
+            </a:solidFill>
+          </a:ln>
+        </p:spPr>
+        <p:style>
+          <a:lnRef idx="2">
+            <a:schemeClr val="accent1">
+              <a:shade val="50000"/>
+            </a:schemeClr>
+          </a:lnRef>
+          <a:fillRef idx="1">
+            <a:schemeClr val="accent1"/>
+          </a:fillRef>
+          <a:effectRef idx="0">
+            <a:schemeClr val="accent1"/>
+          </a:effectRef>
+          <a:fontRef idx="minor">
+            <a:schemeClr val="lt1"/>
+          </a:fontRef>
+        </p:style>
+        <p:txBody>
+          <a:bodyPr rtlCol="0" anchor="ctr"/>
+          <a:lstStyle/>
+          <a:p>
+            <a:pPr algn="ctr"/>
+            <a:r>
+              <a:rPr lang="en-US" sz="800" dirty="0">
+                <a:solidFill>
+                  <a:schemeClr val="tx1"/>
+                </a:solidFill>
+              </a:rPr>
+              <a:t>Q10</a:t>
+            </a:r>
+          </a:p>
+        </p:txBody>
+      </p:sp>
+      <p:sp>
+        <p:nvSpPr>
+          <p:cNvPr id="14" name="Oval 13">
+            <a:extLst>
+              <a:ext uri="{FF2B5EF4-FFF2-40B4-BE49-F238E27FC236}">
+                <a16:creationId xmlns:a16="http://schemas.microsoft.com/office/drawing/2014/main" id="{0E2A17A8-CC77-46FF-B21B-57263DFA6CFA}"/>
+              </a:ext>
+            </a:extLst>
+          </p:cNvPr>
+          <p:cNvSpPr/>
+          <p:nvPr/>
+        </p:nvSpPr>
+        <p:spPr>
+          <a:xfrm>
+            <a:off x="2024865" y="3390259"/>
+            <a:ext cx="624110" cy="624110"/>
+          </a:xfrm>
+          <a:prstGeom prst="ellipse">
+            <a:avLst/>
+          </a:prstGeom>
+          <a:noFill/>
+          <a:ln>
+            <a:solidFill>
+              <a:schemeClr val="tx1"/>
+            </a:solidFill>
+          </a:ln>
+        </p:spPr>
+        <p:style>
+          <a:lnRef idx="2">
+            <a:schemeClr val="accent1">
+              <a:shade val="50000"/>
+            </a:schemeClr>
+          </a:lnRef>
+          <a:fillRef idx="1">
+            <a:schemeClr val="accent1"/>
+          </a:fillRef>
+          <a:effectRef idx="0">
+            <a:schemeClr val="accent1"/>
+          </a:effectRef>
+          <a:fontRef idx="minor">
+            <a:schemeClr val="lt1"/>
+          </a:fontRef>
+        </p:style>
+        <p:txBody>
+          <a:bodyPr rtlCol="0" anchor="ctr"/>
+          <a:lstStyle/>
+          <a:p>
+            <a:pPr algn="ctr"/>
+            <a:endParaRPr lang="en-US"/>
+          </a:p>
+        </p:txBody>
+      </p:sp>
+      <p:sp>
+        <p:nvSpPr>
+          <p:cNvPr id="15" name="Oval 14">
+            <a:extLst>
+              <a:ext uri="{FF2B5EF4-FFF2-40B4-BE49-F238E27FC236}">
+                <a16:creationId xmlns:a16="http://schemas.microsoft.com/office/drawing/2014/main" id="{CCBF43BE-9BB1-42B2-97B5-7BC36B7825FD}"/>
+              </a:ext>
+            </a:extLst>
+          </p:cNvPr>
+          <p:cNvSpPr/>
+          <p:nvPr/>
+        </p:nvSpPr>
+        <p:spPr>
+          <a:xfrm>
+            <a:off x="4568677" y="3488385"/>
+            <a:ext cx="525984" cy="525984"/>
+          </a:xfrm>
+          <a:prstGeom prst="ellipse">
+            <a:avLst/>
+          </a:prstGeom>
+          <a:noFill/>
+          <a:ln w="28575">
+            <a:solidFill>
+              <a:schemeClr val="tx1"/>
+            </a:solidFill>
+          </a:ln>
+        </p:spPr>
+        <p:style>
+          <a:lnRef idx="2">
+            <a:schemeClr val="accent1">
+              <a:shade val="50000"/>
+            </a:schemeClr>
+          </a:lnRef>
+          <a:fillRef idx="1">
+            <a:schemeClr val="accent1"/>
+          </a:fillRef>
+          <a:effectRef idx="0">
+            <a:schemeClr val="accent1"/>
+          </a:effectRef>
+          <a:fontRef idx="minor">
+            <a:schemeClr val="lt1"/>
+          </a:fontRef>
+        </p:style>
+        <p:txBody>
+          <a:bodyPr rtlCol="0" anchor="ctr"/>
+          <a:lstStyle/>
+          <a:p>
+            <a:pPr algn="ctr"/>
+            <a:r>
+              <a:rPr lang="en-US" sz="800" dirty="0">
+                <a:solidFill>
+                  <a:schemeClr val="tx1"/>
+                </a:solidFill>
+              </a:rPr>
+              <a:t>Q21</a:t>
+            </a:r>
+          </a:p>
+        </p:txBody>
+      </p:sp>
+      <p:sp>
+        <p:nvSpPr>
+          <p:cNvPr id="16" name="Oval 15">
+            <a:extLst>
+              <a:ext uri="{FF2B5EF4-FFF2-40B4-BE49-F238E27FC236}">
+                <a16:creationId xmlns:a16="http://schemas.microsoft.com/office/drawing/2014/main" id="{D898DB36-3291-451A-A3B6-97F57B077293}"/>
+              </a:ext>
+            </a:extLst>
+          </p:cNvPr>
+          <p:cNvSpPr/>
+          <p:nvPr/>
+        </p:nvSpPr>
+        <p:spPr>
+          <a:xfrm>
+            <a:off x="4519614" y="3439322"/>
+            <a:ext cx="624110" cy="624110"/>
+          </a:xfrm>
+          <a:prstGeom prst="ellipse">
+            <a:avLst/>
+          </a:prstGeom>
+          <a:noFill/>
+          <a:ln>
+            <a:solidFill>
+              <a:schemeClr val="tx1"/>
+            </a:solidFill>
+          </a:ln>
+        </p:spPr>
+        <p:style>
+          <a:lnRef idx="2">
+            <a:schemeClr val="accent1">
+              <a:shade val="50000"/>
+            </a:schemeClr>
+          </a:lnRef>
+          <a:fillRef idx="1">
+            <a:schemeClr val="accent1"/>
+          </a:fillRef>
+          <a:effectRef idx="0">
+            <a:schemeClr val="accent1"/>
+          </a:effectRef>
+          <a:fontRef idx="minor">
+            <a:schemeClr val="lt1"/>
+          </a:fontRef>
+        </p:style>
+        <p:txBody>
+          <a:bodyPr rtlCol="0" anchor="ctr"/>
+          <a:lstStyle/>
+          <a:p>
+            <a:pPr algn="ctr"/>
+            <a:endParaRPr lang="en-US"/>
+          </a:p>
+        </p:txBody>
+      </p:sp>
+      <p:sp>
+        <p:nvSpPr>
+          <p:cNvPr id="19" name="Oval 18">
+            <a:extLst>
+              <a:ext uri="{FF2B5EF4-FFF2-40B4-BE49-F238E27FC236}">
+                <a16:creationId xmlns:a16="http://schemas.microsoft.com/office/drawing/2014/main" id="{B1FF5FD8-F7CF-42A0-8455-0D52248AF465}"/>
+              </a:ext>
+            </a:extLst>
+          </p:cNvPr>
+          <p:cNvSpPr/>
+          <p:nvPr/>
+        </p:nvSpPr>
+        <p:spPr>
+          <a:xfrm>
+            <a:off x="2073928" y="4912057"/>
+            <a:ext cx="525984" cy="525984"/>
+          </a:xfrm>
+          <a:prstGeom prst="ellipse">
+            <a:avLst/>
+          </a:prstGeom>
+          <a:noFill/>
+          <a:ln w="28575">
+            <a:solidFill>
+              <a:schemeClr val="tx1"/>
+            </a:solidFill>
+          </a:ln>
+        </p:spPr>
+        <p:style>
+          <a:lnRef idx="2">
+            <a:schemeClr val="accent1">
+              <a:shade val="50000"/>
+            </a:schemeClr>
+          </a:lnRef>
+          <a:fillRef idx="1">
+            <a:schemeClr val="accent1"/>
+          </a:fillRef>
+          <a:effectRef idx="0">
+            <a:schemeClr val="accent1"/>
+          </a:effectRef>
+          <a:fontRef idx="minor">
+            <a:schemeClr val="lt1"/>
+          </a:fontRef>
+        </p:style>
+        <p:txBody>
+          <a:bodyPr rtlCol="0" anchor="ctr"/>
+          <a:lstStyle/>
+          <a:p>
+            <a:pPr algn="ctr"/>
+            <a:r>
+              <a:rPr lang="en-US" sz="800" dirty="0">
+                <a:solidFill>
+                  <a:schemeClr val="tx1"/>
+                </a:solidFill>
+              </a:rPr>
+              <a:t>Q01</a:t>
+            </a:r>
+          </a:p>
+        </p:txBody>
+      </p:sp>
+      <p:sp>
+        <p:nvSpPr>
+          <p:cNvPr id="21" name="Oval 20">
+            <a:extLst>
+              <a:ext uri="{FF2B5EF4-FFF2-40B4-BE49-F238E27FC236}">
+                <a16:creationId xmlns:a16="http://schemas.microsoft.com/office/drawing/2014/main" id="{A1AC6BBB-95AD-4BE8-B769-3C7E2596004C}"/>
+              </a:ext>
+            </a:extLst>
+          </p:cNvPr>
+          <p:cNvSpPr/>
+          <p:nvPr/>
+        </p:nvSpPr>
+        <p:spPr>
+          <a:xfrm>
+            <a:off x="3334002" y="1853047"/>
+            <a:ext cx="525984" cy="525984"/>
+          </a:xfrm>
+          <a:prstGeom prst="ellipse">
+            <a:avLst/>
+          </a:prstGeom>
+          <a:noFill/>
+          <a:ln w="28575">
+            <a:solidFill>
+              <a:schemeClr val="tx1"/>
+            </a:solidFill>
+          </a:ln>
+        </p:spPr>
+        <p:style>
+          <a:lnRef idx="2">
+            <a:schemeClr val="accent1">
+              <a:shade val="50000"/>
+            </a:schemeClr>
+          </a:lnRef>
+          <a:fillRef idx="1">
+            <a:schemeClr val="accent1"/>
+          </a:fillRef>
+          <a:effectRef idx="0">
+            <a:schemeClr val="accent1"/>
+          </a:effectRef>
+          <a:fontRef idx="minor">
+            <a:schemeClr val="lt1"/>
+          </a:fontRef>
+        </p:style>
+        <p:txBody>
+          <a:bodyPr rtlCol="0" anchor="ctr"/>
+          <a:lstStyle/>
+          <a:p>
+            <a:pPr algn="ctr"/>
+            <a:r>
+              <a:rPr lang="en-US" sz="800" dirty="0">
+                <a:solidFill>
+                  <a:schemeClr val="tx1"/>
+                </a:solidFill>
+              </a:rPr>
+              <a:t>Q20</a:t>
+            </a:r>
+          </a:p>
+        </p:txBody>
+      </p:sp>
+      <p:sp>
+        <p:nvSpPr>
+          <p:cNvPr id="22" name="Oval 21">
+            <a:extLst>
+              <a:ext uri="{FF2B5EF4-FFF2-40B4-BE49-F238E27FC236}">
+                <a16:creationId xmlns:a16="http://schemas.microsoft.com/office/drawing/2014/main" id="{0C9F59F0-6501-4098-B512-E1BF47C6700A}"/>
+              </a:ext>
+            </a:extLst>
+          </p:cNvPr>
+          <p:cNvSpPr/>
+          <p:nvPr/>
+        </p:nvSpPr>
+        <p:spPr>
+          <a:xfrm>
+            <a:off x="3164737" y="4140758"/>
+            <a:ext cx="525984" cy="525984"/>
+          </a:xfrm>
+          <a:prstGeom prst="ellipse">
+            <a:avLst/>
+          </a:prstGeom>
+          <a:noFill/>
+          <a:ln w="28575">
+            <a:solidFill>
+              <a:schemeClr val="tx1"/>
+            </a:solidFill>
+          </a:ln>
+        </p:spPr>
+        <p:style>
+          <a:lnRef idx="2">
+            <a:schemeClr val="accent1">
+              <a:shade val="50000"/>
+            </a:schemeClr>
+          </a:lnRef>
+          <a:fillRef idx="1">
+            <a:schemeClr val="accent1"/>
+          </a:fillRef>
+          <a:effectRef idx="0">
+            <a:schemeClr val="accent1"/>
+          </a:effectRef>
+          <a:fontRef idx="minor">
+            <a:schemeClr val="lt1"/>
+          </a:fontRef>
+        </p:style>
+        <p:txBody>
+          <a:bodyPr rtlCol="0" anchor="ctr"/>
+          <a:lstStyle/>
+          <a:p>
+            <a:pPr algn="ctr"/>
+            <a:r>
+              <a:rPr lang="en-US" sz="800" dirty="0">
+                <a:solidFill>
+                  <a:schemeClr val="tx1"/>
+                </a:solidFill>
+              </a:rPr>
+              <a:t>Q11</a:t>
+            </a:r>
+          </a:p>
+        </p:txBody>
+      </p:sp>
+      <p:sp>
+        <p:nvSpPr>
+          <p:cNvPr id="23" name="Oval 22">
+            <a:extLst>
+              <a:ext uri="{FF2B5EF4-FFF2-40B4-BE49-F238E27FC236}">
+                <a16:creationId xmlns:a16="http://schemas.microsoft.com/office/drawing/2014/main" id="{9079B93B-DBAE-4403-97F5-4177CA302B6D}"/>
+              </a:ext>
+            </a:extLst>
+          </p:cNvPr>
+          <p:cNvSpPr/>
+          <p:nvPr/>
+        </p:nvSpPr>
+        <p:spPr>
+          <a:xfrm>
+            <a:off x="4452158" y="4912057"/>
+            <a:ext cx="525984" cy="525984"/>
+          </a:xfrm>
+          <a:prstGeom prst="ellipse">
+            <a:avLst/>
+          </a:prstGeom>
+          <a:noFill/>
+          <a:ln w="28575">
+            <a:solidFill>
+              <a:schemeClr val="tx1"/>
+            </a:solidFill>
+          </a:ln>
+        </p:spPr>
+        <p:style>
+          <a:lnRef idx="2">
+            <a:schemeClr val="accent1">
+              <a:shade val="50000"/>
+            </a:schemeClr>
+          </a:lnRef>
+          <a:fillRef idx="1">
+            <a:schemeClr val="accent1"/>
+          </a:fillRef>
+          <a:effectRef idx="0">
+            <a:schemeClr val="accent1"/>
+          </a:effectRef>
+          <a:fontRef idx="minor">
+            <a:schemeClr val="lt1"/>
+          </a:fontRef>
+        </p:style>
+        <p:txBody>
+          <a:bodyPr rtlCol="0" anchor="ctr"/>
+          <a:lstStyle/>
+          <a:p>
+            <a:pPr algn="ctr"/>
+            <a:r>
+              <a:rPr lang="en-US" sz="800" dirty="0">
+                <a:solidFill>
+                  <a:schemeClr val="tx1"/>
+                </a:solidFill>
+              </a:rPr>
+              <a:t>Q12</a:t>
+            </a:r>
+          </a:p>
+        </p:txBody>
+      </p:sp>
+      <p:sp>
+        <p:nvSpPr>
+          <p:cNvPr id="24" name="Oval 23">
+            <a:extLst>
+              <a:ext uri="{FF2B5EF4-FFF2-40B4-BE49-F238E27FC236}">
+                <a16:creationId xmlns:a16="http://schemas.microsoft.com/office/drawing/2014/main" id="{2EA253C6-1DF0-44B1-A560-4EEB2F1984F7}"/>
+              </a:ext>
+            </a:extLst>
+          </p:cNvPr>
+          <p:cNvSpPr/>
+          <p:nvPr/>
+        </p:nvSpPr>
+        <p:spPr>
+          <a:xfrm>
+            <a:off x="5638516" y="4140758"/>
+            <a:ext cx="525984" cy="525984"/>
+          </a:xfrm>
+          <a:prstGeom prst="ellipse">
+            <a:avLst/>
+          </a:prstGeom>
+          <a:noFill/>
+          <a:ln w="28575">
+            <a:solidFill>
+              <a:schemeClr val="tx1"/>
+            </a:solidFill>
+          </a:ln>
+        </p:spPr>
+        <p:style>
+          <a:lnRef idx="2">
+            <a:schemeClr val="accent1">
+              <a:shade val="50000"/>
+            </a:schemeClr>
+          </a:lnRef>
+          <a:fillRef idx="1">
+            <a:schemeClr val="accent1"/>
+          </a:fillRef>
+          <a:effectRef idx="0">
+            <a:schemeClr val="accent1"/>
+          </a:effectRef>
+          <a:fontRef idx="minor">
+            <a:schemeClr val="lt1"/>
+          </a:fontRef>
+        </p:style>
+        <p:txBody>
+          <a:bodyPr rtlCol="0" anchor="ctr"/>
+          <a:lstStyle/>
+          <a:p>
+            <a:pPr algn="ctr"/>
+            <a:r>
+              <a:rPr lang="en-US" sz="800" dirty="0">
+                <a:solidFill>
+                  <a:schemeClr val="tx1"/>
+                </a:solidFill>
+              </a:rPr>
+              <a:t>Q22</a:t>
+            </a:r>
+          </a:p>
+        </p:txBody>
+      </p:sp>
+      <p:cxnSp>
+        <p:nvCxnSpPr>
+          <p:cNvPr id="25" name="Connector: Curved 24">
+            <a:extLst>
+              <a:ext uri="{FF2B5EF4-FFF2-40B4-BE49-F238E27FC236}">
+                <a16:creationId xmlns:a16="http://schemas.microsoft.com/office/drawing/2014/main" id="{8193E7FE-9B64-4DC8-822D-794C42728DEE}"/>
+              </a:ext>
+            </a:extLst>
+          </p:cNvPr>
+          <p:cNvCxnSpPr>
+            <a:cxnSpLocks/>
+            <a:stCxn id="3" idx="7"/>
+            <a:endCxn id="13" idx="2"/>
+          </p:cNvCxnSpPr>
+          <p:nvPr/>
+        </p:nvCxnSpPr>
+        <p:spPr>
+          <a:xfrm rot="5400000" flipH="1" flipV="1">
+            <a:off x="1413008" y="3556868"/>
+            <a:ext cx="515473" cy="806367"/>
+          </a:xfrm>
+          <a:prstGeom prst="curvedConnector2">
+            <a:avLst/>
+          </a:prstGeom>
+          <a:ln>
+            <a:tailEnd type="triangle"/>
+          </a:ln>
+        </p:spPr>
+        <p:style>
+          <a:lnRef idx="1">
+            <a:schemeClr val="dk1"/>
+          </a:lnRef>
+          <a:fillRef idx="0">
+            <a:schemeClr val="dk1"/>
+          </a:fillRef>
+          <a:effectRef idx="0">
+            <a:schemeClr val="dk1"/>
+          </a:effectRef>
+          <a:fontRef idx="minor">
+            <a:schemeClr val="tx1"/>
+          </a:fontRef>
+        </p:style>
+      </p:cxnSp>
+      <p:cxnSp>
+        <p:nvCxnSpPr>
+          <p:cNvPr id="28" name="Connector: Curved 27">
+            <a:extLst>
+              <a:ext uri="{FF2B5EF4-FFF2-40B4-BE49-F238E27FC236}">
+                <a16:creationId xmlns:a16="http://schemas.microsoft.com/office/drawing/2014/main" id="{BC906C3D-D11D-4CF9-9411-B19B2C61A1A1}"/>
+              </a:ext>
+            </a:extLst>
+          </p:cNvPr>
+          <p:cNvCxnSpPr>
+            <a:cxnSpLocks/>
+            <a:stCxn id="13" idx="0"/>
+            <a:endCxn id="21" idx="2"/>
+          </p:cNvCxnSpPr>
+          <p:nvPr/>
+        </p:nvCxnSpPr>
+        <p:spPr>
+          <a:xfrm rot="5400000" flipH="1" flipV="1">
+            <a:off x="2173820" y="2279140"/>
+            <a:ext cx="1323283" cy="997082"/>
+          </a:xfrm>
+          <a:prstGeom prst="curvedConnector2">
+            <a:avLst/>
+          </a:prstGeom>
+          <a:ln>
+            <a:tailEnd type="triangle"/>
+          </a:ln>
+        </p:spPr>
+        <p:style>
+          <a:lnRef idx="1">
+            <a:schemeClr val="dk1"/>
+          </a:lnRef>
+          <a:fillRef idx="0">
+            <a:schemeClr val="dk1"/>
+          </a:fillRef>
+          <a:effectRef idx="0">
+            <a:schemeClr val="dk1"/>
+          </a:effectRef>
+          <a:fontRef idx="minor">
+            <a:schemeClr val="tx1"/>
+          </a:fontRef>
+        </p:style>
+      </p:cxnSp>
+      <p:cxnSp>
+        <p:nvCxnSpPr>
+          <p:cNvPr id="31" name="Connector: Curved 30">
+            <a:extLst>
+              <a:ext uri="{FF2B5EF4-FFF2-40B4-BE49-F238E27FC236}">
+                <a16:creationId xmlns:a16="http://schemas.microsoft.com/office/drawing/2014/main" id="{2CDC61B2-1B4D-431B-BDFA-84991280F373}"/>
+              </a:ext>
+            </a:extLst>
+          </p:cNvPr>
+          <p:cNvCxnSpPr>
+            <a:cxnSpLocks/>
+            <a:stCxn id="21" idx="6"/>
+            <a:endCxn id="15" idx="0"/>
+          </p:cNvCxnSpPr>
+          <p:nvPr/>
+        </p:nvCxnSpPr>
+        <p:spPr>
+          <a:xfrm>
+            <a:off x="3859986" y="2116039"/>
+            <a:ext cx="971683" cy="1372346"/>
+          </a:xfrm>
+          <a:prstGeom prst="curvedConnector2">
+            <a:avLst/>
+          </a:prstGeom>
+          <a:ln>
+            <a:tailEnd type="triangle"/>
+          </a:ln>
+        </p:spPr>
+        <p:style>
+          <a:lnRef idx="1">
+            <a:schemeClr val="dk1"/>
+          </a:lnRef>
+          <a:fillRef idx="0">
+            <a:schemeClr val="dk1"/>
+          </a:fillRef>
+          <a:effectRef idx="0">
+            <a:schemeClr val="dk1"/>
+          </a:effectRef>
+          <a:fontRef idx="minor">
+            <a:schemeClr val="tx1"/>
+          </a:fontRef>
+        </p:style>
+      </p:cxnSp>
+      <p:cxnSp>
+        <p:nvCxnSpPr>
+          <p:cNvPr id="34" name="Connector: Curved 33">
+            <a:extLst>
+              <a:ext uri="{FF2B5EF4-FFF2-40B4-BE49-F238E27FC236}">
+                <a16:creationId xmlns:a16="http://schemas.microsoft.com/office/drawing/2014/main" id="{5287D7D5-9E48-4EE1-B4B2-3B750C498309}"/>
+              </a:ext>
+            </a:extLst>
+          </p:cNvPr>
+          <p:cNvCxnSpPr>
+            <a:cxnSpLocks/>
+            <a:stCxn id="15" idx="6"/>
+            <a:endCxn id="24" idx="0"/>
+          </p:cNvCxnSpPr>
+          <p:nvPr/>
+        </p:nvCxnSpPr>
+        <p:spPr>
+          <a:xfrm>
+            <a:off x="5094661" y="3751377"/>
+            <a:ext cx="806847" cy="389381"/>
+          </a:xfrm>
+          <a:prstGeom prst="curvedConnector2">
+            <a:avLst/>
+          </a:prstGeom>
+          <a:ln>
+            <a:tailEnd type="triangle"/>
+          </a:ln>
+        </p:spPr>
+        <p:style>
+          <a:lnRef idx="1">
+            <a:schemeClr val="dk1"/>
+          </a:lnRef>
+          <a:fillRef idx="0">
+            <a:schemeClr val="dk1"/>
+          </a:fillRef>
+          <a:effectRef idx="0">
+            <a:schemeClr val="dk1"/>
+          </a:effectRef>
+          <a:fontRef idx="minor">
+            <a:schemeClr val="tx1"/>
+          </a:fontRef>
+        </p:style>
+      </p:cxnSp>
+      <p:cxnSp>
+        <p:nvCxnSpPr>
+          <p:cNvPr id="37" name="Connector: Curved 36">
+            <a:extLst>
+              <a:ext uri="{FF2B5EF4-FFF2-40B4-BE49-F238E27FC236}">
+                <a16:creationId xmlns:a16="http://schemas.microsoft.com/office/drawing/2014/main" id="{82D2E0B8-ACB9-45C9-8AFC-0232509D91DF}"/>
+              </a:ext>
+            </a:extLst>
+          </p:cNvPr>
+          <p:cNvCxnSpPr>
+            <a:cxnSpLocks/>
+            <a:stCxn id="3" idx="5"/>
+            <a:endCxn id="19" idx="3"/>
+          </p:cNvCxnSpPr>
+          <p:nvPr/>
+        </p:nvCxnSpPr>
+        <p:spPr>
+          <a:xfrm rot="16200000" flipH="1">
+            <a:off x="1323610" y="4533664"/>
+            <a:ext cx="771299" cy="883396"/>
+          </a:xfrm>
+          <a:prstGeom prst="curvedConnector3">
+            <a:avLst>
+              <a:gd name="adj1" fmla="val 109987"/>
+            </a:avLst>
+          </a:prstGeom>
+          <a:ln>
+            <a:tailEnd type="triangle"/>
+          </a:ln>
+        </p:spPr>
+        <p:style>
+          <a:lnRef idx="1">
+            <a:schemeClr val="dk1"/>
+          </a:lnRef>
+          <a:fillRef idx="0">
+            <a:schemeClr val="dk1"/>
+          </a:fillRef>
+          <a:effectRef idx="0">
+            <a:schemeClr val="dk1"/>
+          </a:effectRef>
+          <a:fontRef idx="minor">
+            <a:schemeClr val="tx1"/>
+          </a:fontRef>
+        </p:style>
+      </p:cxnSp>
+      <p:cxnSp>
+        <p:nvCxnSpPr>
+          <p:cNvPr id="41" name="Connector: Curved 40">
+            <a:extLst>
+              <a:ext uri="{FF2B5EF4-FFF2-40B4-BE49-F238E27FC236}">
+                <a16:creationId xmlns:a16="http://schemas.microsoft.com/office/drawing/2014/main" id="{CC968C35-5641-43C4-A7E3-A2DE2BCDCD3F}"/>
+              </a:ext>
+            </a:extLst>
+          </p:cNvPr>
+          <p:cNvCxnSpPr>
+            <a:cxnSpLocks/>
+            <a:stCxn id="19" idx="5"/>
+            <a:endCxn id="5" idx="2"/>
+          </p:cNvCxnSpPr>
+          <p:nvPr/>
+        </p:nvCxnSpPr>
+        <p:spPr>
+          <a:xfrm rot="16200000" flipH="1">
+            <a:off x="1762598" y="6121296"/>
+            <a:ext cx="2211487" cy="690917"/>
+          </a:xfrm>
+          <a:prstGeom prst="curvedConnector2">
+            <a:avLst/>
+          </a:prstGeom>
+          <a:ln>
+            <a:tailEnd type="triangle"/>
+          </a:ln>
+        </p:spPr>
+        <p:style>
+          <a:lnRef idx="1">
+            <a:schemeClr val="dk1"/>
+          </a:lnRef>
+          <a:fillRef idx="0">
+            <a:schemeClr val="dk1"/>
+          </a:fillRef>
+          <a:effectRef idx="0">
+            <a:schemeClr val="dk1"/>
+          </a:effectRef>
+          <a:fontRef idx="minor">
+            <a:schemeClr val="tx1"/>
+          </a:fontRef>
+        </p:style>
+      </p:cxnSp>
+      <p:cxnSp>
+        <p:nvCxnSpPr>
+          <p:cNvPr id="45" name="Connector: Curved 44">
+            <a:extLst>
+              <a:ext uri="{FF2B5EF4-FFF2-40B4-BE49-F238E27FC236}">
+                <a16:creationId xmlns:a16="http://schemas.microsoft.com/office/drawing/2014/main" id="{773B8467-D8EB-4580-AFA7-1E843A94FEAF}"/>
+              </a:ext>
+            </a:extLst>
+          </p:cNvPr>
+          <p:cNvCxnSpPr>
+            <a:cxnSpLocks/>
+            <a:stCxn id="19" idx="7"/>
+            <a:endCxn id="22" idx="3"/>
+          </p:cNvCxnSpPr>
+          <p:nvPr/>
+        </p:nvCxnSpPr>
+        <p:spPr>
+          <a:xfrm rot="5400000" flipH="1" flipV="1">
+            <a:off x="2682638" y="4429959"/>
+            <a:ext cx="399373" cy="718883"/>
+          </a:xfrm>
+          <a:prstGeom prst="curvedConnector3">
+            <a:avLst>
+              <a:gd name="adj1" fmla="val 50000"/>
+            </a:avLst>
+          </a:prstGeom>
+          <a:ln>
+            <a:tailEnd type="triangle"/>
+          </a:ln>
+        </p:spPr>
+        <p:style>
+          <a:lnRef idx="1">
+            <a:schemeClr val="dk1"/>
+          </a:lnRef>
+          <a:fillRef idx="0">
+            <a:schemeClr val="dk1"/>
+          </a:fillRef>
+          <a:effectRef idx="0">
+            <a:schemeClr val="dk1"/>
+          </a:effectRef>
+          <a:fontRef idx="minor">
+            <a:schemeClr val="tx1"/>
+          </a:fontRef>
+        </p:style>
+      </p:cxnSp>
+      <p:cxnSp>
+        <p:nvCxnSpPr>
+          <p:cNvPr id="49" name="Connector: Curved 48">
+            <a:extLst>
+              <a:ext uri="{FF2B5EF4-FFF2-40B4-BE49-F238E27FC236}">
+                <a16:creationId xmlns:a16="http://schemas.microsoft.com/office/drawing/2014/main" id="{10337823-7797-4B7C-A451-343F473DD2BF}"/>
+              </a:ext>
+            </a:extLst>
+          </p:cNvPr>
+          <p:cNvCxnSpPr>
+            <a:cxnSpLocks/>
+            <a:stCxn id="14" idx="5"/>
+            <a:endCxn id="22" idx="1"/>
+          </p:cNvCxnSpPr>
+          <p:nvPr/>
+        </p:nvCxnSpPr>
+        <p:spPr>
+          <a:xfrm rot="16200000" flipH="1">
+            <a:off x="2752263" y="3728283"/>
+            <a:ext cx="294817" cy="684190"/>
+          </a:xfrm>
+          <a:prstGeom prst="curvedConnector3">
+            <a:avLst>
+              <a:gd name="adj1" fmla="val 50000"/>
+            </a:avLst>
+          </a:prstGeom>
+          <a:ln>
+            <a:tailEnd type="triangle"/>
+          </a:ln>
+        </p:spPr>
+        <p:style>
+          <a:lnRef idx="1">
+            <a:schemeClr val="dk1"/>
+          </a:lnRef>
+          <a:fillRef idx="0">
+            <a:schemeClr val="dk1"/>
+          </a:fillRef>
+          <a:effectRef idx="0">
+            <a:schemeClr val="dk1"/>
+          </a:effectRef>
+          <a:fontRef idx="minor">
+            <a:schemeClr val="tx1"/>
+          </a:fontRef>
+        </p:style>
+      </p:cxnSp>
+      <p:cxnSp>
+        <p:nvCxnSpPr>
+          <p:cNvPr id="52" name="Connector: Curved 51">
+            <a:extLst>
+              <a:ext uri="{FF2B5EF4-FFF2-40B4-BE49-F238E27FC236}">
+                <a16:creationId xmlns:a16="http://schemas.microsoft.com/office/drawing/2014/main" id="{7FBA2FFF-F895-4487-830D-70BC1E0A21AC}"/>
+              </a:ext>
+            </a:extLst>
+          </p:cNvPr>
+          <p:cNvCxnSpPr>
+            <a:cxnSpLocks/>
+            <a:stCxn id="22" idx="7"/>
+            <a:endCxn id="16" idx="3"/>
+          </p:cNvCxnSpPr>
+          <p:nvPr/>
+        </p:nvCxnSpPr>
+        <p:spPr>
+          <a:xfrm rot="5400000" flipH="1" flipV="1">
+            <a:off x="3989475" y="3596250"/>
+            <a:ext cx="245754" cy="997321"/>
+          </a:xfrm>
+          <a:prstGeom prst="curvedConnector3">
+            <a:avLst>
+              <a:gd name="adj1" fmla="val 50000"/>
+            </a:avLst>
+          </a:prstGeom>
+          <a:ln>
+            <a:tailEnd type="triangle"/>
+          </a:ln>
+        </p:spPr>
+        <p:style>
+          <a:lnRef idx="1">
+            <a:schemeClr val="dk1"/>
+          </a:lnRef>
+          <a:fillRef idx="0">
+            <a:schemeClr val="dk1"/>
+          </a:fillRef>
+          <a:effectRef idx="0">
+            <a:schemeClr val="dk1"/>
+          </a:effectRef>
+          <a:fontRef idx="minor">
+            <a:schemeClr val="tx1"/>
+          </a:fontRef>
+        </p:style>
+      </p:cxnSp>
+      <p:cxnSp>
+        <p:nvCxnSpPr>
+          <p:cNvPr id="55" name="Connector: Curved 54">
+            <a:extLst>
+              <a:ext uri="{FF2B5EF4-FFF2-40B4-BE49-F238E27FC236}">
+                <a16:creationId xmlns:a16="http://schemas.microsoft.com/office/drawing/2014/main" id="{F65C9299-ADD4-4804-B9C9-389325F0BA57}"/>
+              </a:ext>
+            </a:extLst>
+          </p:cNvPr>
+          <p:cNvCxnSpPr>
+            <a:cxnSpLocks/>
+            <a:stCxn id="22" idx="5"/>
+            <a:endCxn id="23" idx="2"/>
+          </p:cNvCxnSpPr>
+          <p:nvPr/>
+        </p:nvCxnSpPr>
+        <p:spPr>
+          <a:xfrm rot="16200000" flipH="1">
+            <a:off x="3740257" y="4463148"/>
+            <a:ext cx="585336" cy="838466"/>
+          </a:xfrm>
+          <a:prstGeom prst="curvedConnector2">
+            <a:avLst/>
+          </a:prstGeom>
+          <a:ln>
+            <a:tailEnd type="triangle"/>
+          </a:ln>
+        </p:spPr>
+        <p:style>
+          <a:lnRef idx="1">
+            <a:schemeClr val="dk1"/>
+          </a:lnRef>
+          <a:fillRef idx="0">
+            <a:schemeClr val="dk1"/>
+          </a:fillRef>
+          <a:effectRef idx="0">
+            <a:schemeClr val="dk1"/>
+          </a:effectRef>
+          <a:fontRef idx="minor">
+            <a:schemeClr val="tx1"/>
+          </a:fontRef>
+        </p:style>
+      </p:cxnSp>
+      <p:cxnSp>
+        <p:nvCxnSpPr>
+          <p:cNvPr id="58" name="Connector: Curved 57">
+            <a:extLst>
+              <a:ext uri="{FF2B5EF4-FFF2-40B4-BE49-F238E27FC236}">
+                <a16:creationId xmlns:a16="http://schemas.microsoft.com/office/drawing/2014/main" id="{485B65D8-B765-4EC2-A3DE-E18FE2425B1E}"/>
+              </a:ext>
+            </a:extLst>
+          </p:cNvPr>
+          <p:cNvCxnSpPr>
+            <a:cxnSpLocks/>
+            <a:stCxn id="6" idx="6"/>
+            <a:endCxn id="23" idx="4"/>
+          </p:cNvCxnSpPr>
+          <p:nvPr/>
+        </p:nvCxnSpPr>
+        <p:spPr>
+          <a:xfrm flipV="1">
+            <a:off x="3788847" y="5438041"/>
+            <a:ext cx="926303" cy="2134458"/>
+          </a:xfrm>
+          <a:prstGeom prst="curvedConnector2">
+            <a:avLst/>
+          </a:prstGeom>
+          <a:ln>
+            <a:tailEnd type="triangle"/>
+          </a:ln>
+        </p:spPr>
+        <p:style>
+          <a:lnRef idx="1">
+            <a:schemeClr val="dk1"/>
+          </a:lnRef>
+          <a:fillRef idx="0">
+            <a:schemeClr val="dk1"/>
+          </a:fillRef>
+          <a:effectRef idx="0">
+            <a:schemeClr val="dk1"/>
+          </a:effectRef>
+          <a:fontRef idx="minor">
+            <a:schemeClr val="tx1"/>
+          </a:fontRef>
+        </p:style>
+      </p:cxnSp>
+      <p:cxnSp>
+        <p:nvCxnSpPr>
+          <p:cNvPr id="61" name="Connector: Curved 60">
+            <a:extLst>
+              <a:ext uri="{FF2B5EF4-FFF2-40B4-BE49-F238E27FC236}">
+                <a16:creationId xmlns:a16="http://schemas.microsoft.com/office/drawing/2014/main" id="{86E635FE-451A-4182-B8FD-7EBF9FD5110D}"/>
+              </a:ext>
+            </a:extLst>
+          </p:cNvPr>
+          <p:cNvCxnSpPr>
+            <a:cxnSpLocks/>
+            <a:stCxn id="23" idx="6"/>
+            <a:endCxn id="24" idx="4"/>
+          </p:cNvCxnSpPr>
+          <p:nvPr/>
+        </p:nvCxnSpPr>
+        <p:spPr>
+          <a:xfrm flipV="1">
+            <a:off x="4978142" y="4666742"/>
+            <a:ext cx="923366" cy="508307"/>
+          </a:xfrm>
+          <a:prstGeom prst="curvedConnector2">
+            <a:avLst/>
+          </a:prstGeom>
+          <a:ln>
+            <a:tailEnd type="triangle"/>
+          </a:ln>
+        </p:spPr>
+        <p:style>
+          <a:lnRef idx="1">
+            <a:schemeClr val="dk1"/>
+          </a:lnRef>
+          <a:fillRef idx="0">
+            <a:schemeClr val="dk1"/>
+          </a:fillRef>
+          <a:effectRef idx="0">
+            <a:schemeClr val="dk1"/>
+          </a:effectRef>
+          <a:fontRef idx="minor">
+            <a:schemeClr val="tx1"/>
+          </a:fontRef>
+        </p:style>
+      </p:cxnSp>
+      <p:cxnSp>
+        <p:nvCxnSpPr>
+          <p:cNvPr id="64" name="Connector: Curved 63">
+            <a:extLst>
+              <a:ext uri="{FF2B5EF4-FFF2-40B4-BE49-F238E27FC236}">
+                <a16:creationId xmlns:a16="http://schemas.microsoft.com/office/drawing/2014/main" id="{3FF571F5-5F5E-43F3-8E5B-1E7AA228725E}"/>
+              </a:ext>
+            </a:extLst>
+          </p:cNvPr>
+          <p:cNvCxnSpPr>
+            <a:cxnSpLocks/>
+            <a:stCxn id="24" idx="7"/>
+            <a:endCxn id="21" idx="7"/>
+          </p:cNvCxnSpPr>
+          <p:nvPr/>
+        </p:nvCxnSpPr>
+        <p:spPr>
+          <a:xfrm rot="16200000" flipV="1">
+            <a:off x="3791359" y="1921675"/>
+            <a:ext cx="2287711" cy="2304514"/>
+          </a:xfrm>
+          <a:prstGeom prst="curvedConnector3">
+            <a:avLst>
+              <a:gd name="adj1" fmla="val 113360"/>
+            </a:avLst>
+          </a:prstGeom>
+          <a:ln>
+            <a:tailEnd type="triangle"/>
+          </a:ln>
+        </p:spPr>
+        <p:style>
+          <a:lnRef idx="1">
+            <a:schemeClr val="dk1"/>
+          </a:lnRef>
+          <a:fillRef idx="0">
+            <a:schemeClr val="dk1"/>
+          </a:fillRef>
+          <a:effectRef idx="0">
+            <a:schemeClr val="dk1"/>
+          </a:effectRef>
+          <a:fontRef idx="minor">
+            <a:schemeClr val="tx1"/>
+          </a:fontRef>
+        </p:style>
+      </p:cxnSp>
+      <p:cxnSp>
+        <p:nvCxnSpPr>
+          <p:cNvPr id="70" name="Connector: Curved 69">
+            <a:extLst>
+              <a:ext uri="{FF2B5EF4-FFF2-40B4-BE49-F238E27FC236}">
+                <a16:creationId xmlns:a16="http://schemas.microsoft.com/office/drawing/2014/main" id="{69675C29-85BE-47A5-8123-789D744BBCD9}"/>
+              </a:ext>
+            </a:extLst>
+          </p:cNvPr>
+          <p:cNvCxnSpPr>
+            <a:cxnSpLocks/>
+            <a:stCxn id="24" idx="5"/>
+            <a:endCxn id="6" idx="5"/>
+          </p:cNvCxnSpPr>
+          <p:nvPr/>
+        </p:nvCxnSpPr>
+        <p:spPr>
+          <a:xfrm rot="5400000">
+            <a:off x="3290739" y="4996423"/>
+            <a:ext cx="3203442" cy="2390023"/>
+          </a:xfrm>
+          <a:prstGeom prst="curvedConnector3">
+            <a:avLst>
+              <a:gd name="adj1" fmla="val 109989"/>
+            </a:avLst>
+          </a:prstGeom>
+          <a:ln>
+            <a:tailEnd type="triangle"/>
+          </a:ln>
+        </p:spPr>
+        <p:style>
+          <a:lnRef idx="1">
+            <a:schemeClr val="dk1"/>
+          </a:lnRef>
+          <a:fillRef idx="0">
+            <a:schemeClr val="dk1"/>
+          </a:fillRef>
+          <a:effectRef idx="0">
+            <a:schemeClr val="dk1"/>
+          </a:effectRef>
+          <a:fontRef idx="minor">
+            <a:schemeClr val="tx1"/>
+          </a:fontRef>
+        </p:style>
+      </p:cxnSp>
+      <p:cxnSp>
+        <p:nvCxnSpPr>
+          <p:cNvPr id="74" name="Connector: Curved 73">
+            <a:extLst>
+              <a:ext uri="{FF2B5EF4-FFF2-40B4-BE49-F238E27FC236}">
+                <a16:creationId xmlns:a16="http://schemas.microsoft.com/office/drawing/2014/main" id="{F429703E-95B1-4F1A-AC57-5A3F2344C258}"/>
+              </a:ext>
+            </a:extLst>
+          </p:cNvPr>
+          <p:cNvCxnSpPr>
+            <a:cxnSpLocks/>
+            <a:stCxn id="23" idx="0"/>
+            <a:endCxn id="14" idx="6"/>
+          </p:cNvCxnSpPr>
+          <p:nvPr/>
+        </p:nvCxnSpPr>
+        <p:spPr>
+          <a:xfrm rot="16200000" flipV="1">
+            <a:off x="3077192" y="3274098"/>
+            <a:ext cx="1209743" cy="2066175"/>
+          </a:xfrm>
+          <a:prstGeom prst="curvedConnector2">
+            <a:avLst/>
+          </a:prstGeom>
+          <a:ln>
+            <a:tailEnd type="triangle"/>
+          </a:ln>
+        </p:spPr>
+        <p:style>
+          <a:lnRef idx="1">
+            <a:schemeClr val="dk1"/>
+          </a:lnRef>
+          <a:fillRef idx="0">
+            <a:schemeClr val="dk1"/>
+          </a:fillRef>
+          <a:effectRef idx="0">
+            <a:schemeClr val="dk1"/>
+          </a:effectRef>
+          <a:fontRef idx="minor">
+            <a:schemeClr val="tx1"/>
+          </a:fontRef>
+        </p:style>
+      </p:cxnSp>
+      <p:cxnSp>
+        <p:nvCxnSpPr>
+          <p:cNvPr id="77" name="Connector: Curved 76">
+            <a:extLst>
+              <a:ext uri="{FF2B5EF4-FFF2-40B4-BE49-F238E27FC236}">
+                <a16:creationId xmlns:a16="http://schemas.microsoft.com/office/drawing/2014/main" id="{E9E3709B-5082-427A-BFC7-51D7F2F14692}"/>
+              </a:ext>
+            </a:extLst>
+          </p:cNvPr>
+          <p:cNvCxnSpPr>
+            <a:cxnSpLocks/>
+            <a:stCxn id="16" idx="4"/>
+            <a:endCxn id="19" idx="6"/>
+          </p:cNvCxnSpPr>
+          <p:nvPr/>
+        </p:nvCxnSpPr>
+        <p:spPr>
+          <a:xfrm rot="5400000">
+            <a:off x="3159983" y="3503362"/>
+            <a:ext cx="1111617" cy="2231757"/>
+          </a:xfrm>
+          <a:prstGeom prst="curvedConnector2">
+            <a:avLst/>
+          </a:prstGeom>
+          <a:ln>
+            <a:tailEnd type="triangle"/>
+          </a:ln>
+        </p:spPr>
+        <p:style>
+          <a:lnRef idx="1">
+            <a:schemeClr val="dk1"/>
+          </a:lnRef>
+          <a:fillRef idx="0">
+            <a:schemeClr val="dk1"/>
+          </a:fillRef>
+          <a:effectRef idx="0">
+            <a:schemeClr val="dk1"/>
+          </a:effectRef>
+          <a:fontRef idx="minor">
+            <a:schemeClr val="tx1"/>
+          </a:fontRef>
+        </p:style>
+      </p:cxnSp>
+      <p:sp>
+        <p:nvSpPr>
+          <p:cNvPr id="81" name="Rectangle 80">
+            <a:extLst>
+              <a:ext uri="{FF2B5EF4-FFF2-40B4-BE49-F238E27FC236}">
+                <a16:creationId xmlns:a16="http://schemas.microsoft.com/office/drawing/2014/main" id="{7ADD211B-026D-4EE9-8C41-CBEDA8ADEFB4}"/>
+              </a:ext>
+            </a:extLst>
+          </p:cNvPr>
+          <p:cNvSpPr/>
+          <p:nvPr/>
+        </p:nvSpPr>
+        <p:spPr>
+          <a:xfrm>
+            <a:off x="1375744" y="3579202"/>
+            <a:ext cx="245580" cy="246221"/>
+          </a:xfrm>
+          <a:prstGeom prst="rect">
+            <a:avLst/>
+          </a:prstGeom>
+        </p:spPr>
+        <p:txBody>
+          <a:bodyPr wrap="none">
+            <a:spAutoFit/>
+          </a:bodyPr>
+          <a:lstStyle/>
+          <a:p>
+            <a:r>
+              <a:rPr lang="en-US" sz="1000" dirty="0"/>
+              <a:t>a</a:t>
+            </a:r>
+          </a:p>
+        </p:txBody>
+      </p:sp>
+      <p:sp>
+        <p:nvSpPr>
+          <p:cNvPr id="82" name="Rectangle 81">
+            <a:extLst>
+              <a:ext uri="{FF2B5EF4-FFF2-40B4-BE49-F238E27FC236}">
+                <a16:creationId xmlns:a16="http://schemas.microsoft.com/office/drawing/2014/main" id="{E99C4F35-C33B-4888-B32C-9CF8C7AB4B60}"/>
+              </a:ext>
+            </a:extLst>
+          </p:cNvPr>
+          <p:cNvSpPr/>
+          <p:nvPr/>
+        </p:nvSpPr>
+        <p:spPr>
+          <a:xfrm>
+            <a:off x="2877132" y="2379031"/>
+            <a:ext cx="245580" cy="246221"/>
+          </a:xfrm>
+          <a:prstGeom prst="rect">
+            <a:avLst/>
+          </a:prstGeom>
+        </p:spPr>
+        <p:txBody>
+          <a:bodyPr wrap="none">
+            <a:spAutoFit/>
+          </a:bodyPr>
+          <a:lstStyle/>
+          <a:p>
+            <a:r>
+              <a:rPr lang="en-US" sz="1000" dirty="0"/>
+              <a:t>a</a:t>
+            </a:r>
+          </a:p>
+        </p:txBody>
+      </p:sp>
+      <p:sp>
+        <p:nvSpPr>
+          <p:cNvPr id="83" name="Rectangle 82">
+            <a:extLst>
+              <a:ext uri="{FF2B5EF4-FFF2-40B4-BE49-F238E27FC236}">
+                <a16:creationId xmlns:a16="http://schemas.microsoft.com/office/drawing/2014/main" id="{2A34A288-DEF9-418C-93FF-8D43C18EE41E}"/>
+              </a:ext>
+            </a:extLst>
+          </p:cNvPr>
+          <p:cNvSpPr/>
+          <p:nvPr/>
+        </p:nvSpPr>
+        <p:spPr>
+          <a:xfrm>
+            <a:off x="2636744" y="4535986"/>
+            <a:ext cx="245580" cy="246221"/>
+          </a:xfrm>
+          <a:prstGeom prst="rect">
+            <a:avLst/>
+          </a:prstGeom>
+        </p:spPr>
+        <p:txBody>
+          <a:bodyPr wrap="none">
+            <a:spAutoFit/>
+          </a:bodyPr>
+          <a:lstStyle/>
+          <a:p>
+            <a:r>
+              <a:rPr lang="en-US" sz="1000" dirty="0"/>
+              <a:t>a</a:t>
+            </a:r>
+          </a:p>
+        </p:txBody>
+      </p:sp>
+      <p:sp>
+        <p:nvSpPr>
+          <p:cNvPr id="84" name="Rectangle 83">
+            <a:extLst>
+              <a:ext uri="{FF2B5EF4-FFF2-40B4-BE49-F238E27FC236}">
+                <a16:creationId xmlns:a16="http://schemas.microsoft.com/office/drawing/2014/main" id="{FF5C5C28-BAE7-4D25-90A8-8CA59EA1E608}"/>
+              </a:ext>
+            </a:extLst>
+          </p:cNvPr>
+          <p:cNvSpPr/>
+          <p:nvPr/>
+        </p:nvSpPr>
+        <p:spPr>
+          <a:xfrm>
+            <a:off x="4250481" y="3870090"/>
+            <a:ext cx="245580" cy="246221"/>
+          </a:xfrm>
+          <a:prstGeom prst="rect">
+            <a:avLst/>
+          </a:prstGeom>
+        </p:spPr>
+        <p:txBody>
+          <a:bodyPr wrap="none">
+            <a:spAutoFit/>
+          </a:bodyPr>
+          <a:lstStyle/>
+          <a:p>
+            <a:r>
+              <a:rPr lang="en-US" sz="1000" dirty="0"/>
+              <a:t>a</a:t>
+            </a:r>
+          </a:p>
+        </p:txBody>
+      </p:sp>
+      <p:sp>
+        <p:nvSpPr>
+          <p:cNvPr id="85" name="Rectangle 84">
+            <a:extLst>
+              <a:ext uri="{FF2B5EF4-FFF2-40B4-BE49-F238E27FC236}">
+                <a16:creationId xmlns:a16="http://schemas.microsoft.com/office/drawing/2014/main" id="{C1C39808-5FB5-46CE-A1F5-B0E4E3396608}"/>
+              </a:ext>
+            </a:extLst>
+          </p:cNvPr>
+          <p:cNvSpPr/>
+          <p:nvPr/>
+        </p:nvSpPr>
+        <p:spPr>
+          <a:xfrm>
+            <a:off x="5316355" y="4858058"/>
+            <a:ext cx="245580" cy="246221"/>
+          </a:xfrm>
+          <a:prstGeom prst="rect">
+            <a:avLst/>
+          </a:prstGeom>
+        </p:spPr>
+        <p:txBody>
+          <a:bodyPr wrap="none">
+            <a:spAutoFit/>
+          </a:bodyPr>
+          <a:lstStyle/>
+          <a:p>
+            <a:r>
+              <a:rPr lang="en-US" sz="1000" dirty="0"/>
+              <a:t>a</a:t>
+            </a:r>
+          </a:p>
+        </p:txBody>
+      </p:sp>
+      <p:sp>
+        <p:nvSpPr>
+          <p:cNvPr id="86" name="Rectangle 85">
+            <a:extLst>
+              <a:ext uri="{FF2B5EF4-FFF2-40B4-BE49-F238E27FC236}">
+                <a16:creationId xmlns:a16="http://schemas.microsoft.com/office/drawing/2014/main" id="{85329920-09B1-4562-937F-A47F939502A6}"/>
+              </a:ext>
+            </a:extLst>
+          </p:cNvPr>
+          <p:cNvSpPr/>
+          <p:nvPr/>
+        </p:nvSpPr>
+        <p:spPr>
+          <a:xfrm>
+            <a:off x="4399423" y="5625495"/>
+            <a:ext cx="245580" cy="246221"/>
+          </a:xfrm>
+          <a:prstGeom prst="rect">
+            <a:avLst/>
+          </a:prstGeom>
+        </p:spPr>
+        <p:txBody>
+          <a:bodyPr wrap="none">
+            <a:spAutoFit/>
+          </a:bodyPr>
+          <a:lstStyle/>
+          <a:p>
+            <a:r>
+              <a:rPr lang="en-US" sz="1000" dirty="0"/>
+              <a:t>a</a:t>
+            </a:r>
+          </a:p>
+        </p:txBody>
+      </p:sp>
+      <p:cxnSp>
+        <p:nvCxnSpPr>
+          <p:cNvPr id="87" name="Connector: Curved 86">
+            <a:extLst>
+              <a:ext uri="{FF2B5EF4-FFF2-40B4-BE49-F238E27FC236}">
+                <a16:creationId xmlns:a16="http://schemas.microsoft.com/office/drawing/2014/main" id="{35E0BDDF-9EB0-4013-B776-7F509323E4F8}"/>
+              </a:ext>
+            </a:extLst>
+          </p:cNvPr>
+          <p:cNvCxnSpPr>
+            <a:cxnSpLocks/>
+            <a:stCxn id="6" idx="4"/>
+            <a:endCxn id="3" idx="4"/>
+          </p:cNvCxnSpPr>
+          <p:nvPr/>
+        </p:nvCxnSpPr>
+        <p:spPr>
+          <a:xfrm rot="5400000" flipH="1">
+            <a:off x="670289" y="5078051"/>
+            <a:ext cx="3217812" cy="2395194"/>
+          </a:xfrm>
+          <a:prstGeom prst="curvedConnector3">
+            <a:avLst>
+              <a:gd name="adj1" fmla="val -7104"/>
+            </a:avLst>
+          </a:prstGeom>
+          <a:ln>
+            <a:tailEnd type="triangle"/>
+          </a:ln>
+        </p:spPr>
+        <p:style>
+          <a:lnRef idx="1">
+            <a:schemeClr val="dk1"/>
+          </a:lnRef>
+          <a:fillRef idx="0">
+            <a:schemeClr val="dk1"/>
+          </a:fillRef>
+          <a:effectRef idx="0">
+            <a:schemeClr val="dk1"/>
+          </a:effectRef>
+          <a:fontRef idx="minor">
+            <a:schemeClr val="tx1"/>
+          </a:fontRef>
+        </p:style>
+      </p:cxnSp>
+      <p:cxnSp>
+        <p:nvCxnSpPr>
+          <p:cNvPr id="90" name="Connector: Curved 89">
+            <a:extLst>
+              <a:ext uri="{FF2B5EF4-FFF2-40B4-BE49-F238E27FC236}">
+                <a16:creationId xmlns:a16="http://schemas.microsoft.com/office/drawing/2014/main" id="{0B9B5C70-3DCF-4069-A117-A55C2A1A1A7C}"/>
+              </a:ext>
+            </a:extLst>
+          </p:cNvPr>
+          <p:cNvCxnSpPr>
+            <a:cxnSpLocks/>
+            <a:stCxn id="21" idx="1"/>
+            <a:endCxn id="3" idx="0"/>
+          </p:cNvCxnSpPr>
+          <p:nvPr/>
+        </p:nvCxnSpPr>
+        <p:spPr>
+          <a:xfrm rot="16200000" flipH="1" flipV="1">
+            <a:off x="1140974" y="1870700"/>
+            <a:ext cx="2210682" cy="2329433"/>
+          </a:xfrm>
+          <a:prstGeom prst="curvedConnector3">
+            <a:avLst>
+              <a:gd name="adj1" fmla="val -13825"/>
+            </a:avLst>
+          </a:prstGeom>
+          <a:ln>
+            <a:tailEnd type="triangle"/>
+          </a:ln>
+        </p:spPr>
+        <p:style>
+          <a:lnRef idx="1">
+            <a:schemeClr val="dk1"/>
+          </a:lnRef>
+          <a:fillRef idx="0">
+            <a:schemeClr val="dk1"/>
+          </a:fillRef>
+          <a:effectRef idx="0">
+            <a:schemeClr val="dk1"/>
+          </a:effectRef>
+          <a:fontRef idx="minor">
+            <a:schemeClr val="tx1"/>
+          </a:fontRef>
+        </p:style>
+      </p:cxnSp>
+      <p:sp>
+        <p:nvSpPr>
+          <p:cNvPr id="94" name="Rectangle 93">
+            <a:extLst>
+              <a:ext uri="{FF2B5EF4-FFF2-40B4-BE49-F238E27FC236}">
+                <a16:creationId xmlns:a16="http://schemas.microsoft.com/office/drawing/2014/main" id="{7B719886-855C-4EA2-A24A-E42AEBD9611B}"/>
+              </a:ext>
+            </a:extLst>
+          </p:cNvPr>
+          <p:cNvSpPr/>
+          <p:nvPr/>
+        </p:nvSpPr>
+        <p:spPr>
+          <a:xfrm>
+            <a:off x="2459317" y="1416975"/>
+            <a:ext cx="196517" cy="246221"/>
+          </a:xfrm>
+          <a:prstGeom prst="rect">
+            <a:avLst/>
+          </a:prstGeom>
+        </p:spPr>
+        <p:txBody>
+          <a:bodyPr wrap="square">
+            <a:spAutoFit/>
+          </a:bodyPr>
+          <a:lstStyle/>
+          <a:p>
+            <a:r>
+              <a:rPr lang="en-US" sz="1000" dirty="0"/>
+              <a:t>a</a:t>
+            </a:r>
+          </a:p>
+        </p:txBody>
+      </p:sp>
+      <p:sp>
+        <p:nvSpPr>
+          <p:cNvPr id="95" name="Rectangle 94">
+            <a:extLst>
+              <a:ext uri="{FF2B5EF4-FFF2-40B4-BE49-F238E27FC236}">
+                <a16:creationId xmlns:a16="http://schemas.microsoft.com/office/drawing/2014/main" id="{49A1DDA4-1200-45C6-B594-A92B1484D00B}"/>
+              </a:ext>
+            </a:extLst>
+          </p:cNvPr>
+          <p:cNvSpPr/>
+          <p:nvPr/>
+        </p:nvSpPr>
+        <p:spPr>
+          <a:xfrm>
+            <a:off x="1590192" y="5438040"/>
+            <a:ext cx="251992" cy="246221"/>
+          </a:xfrm>
+          <a:prstGeom prst="rect">
+            <a:avLst/>
+          </a:prstGeom>
+        </p:spPr>
+        <p:txBody>
+          <a:bodyPr wrap="none">
+            <a:spAutoFit/>
+          </a:bodyPr>
+          <a:lstStyle/>
+          <a:p>
+            <a:r>
+              <a:rPr lang="en-US" sz="1000" dirty="0"/>
+              <a:t>b</a:t>
+            </a:r>
+          </a:p>
+        </p:txBody>
+      </p:sp>
+      <p:sp>
+        <p:nvSpPr>
+          <p:cNvPr id="96" name="Rectangle 95">
+            <a:extLst>
+              <a:ext uri="{FF2B5EF4-FFF2-40B4-BE49-F238E27FC236}">
+                <a16:creationId xmlns:a16="http://schemas.microsoft.com/office/drawing/2014/main" id="{4A801C88-D92C-4896-9202-AC3F4070CEEF}"/>
+              </a:ext>
+            </a:extLst>
+          </p:cNvPr>
+          <p:cNvSpPr/>
+          <p:nvPr/>
+        </p:nvSpPr>
+        <p:spPr>
+          <a:xfrm>
+            <a:off x="1418752" y="6802946"/>
+            <a:ext cx="251992" cy="246221"/>
+          </a:xfrm>
+          <a:prstGeom prst="rect">
+            <a:avLst/>
+          </a:prstGeom>
+        </p:spPr>
+        <p:txBody>
+          <a:bodyPr wrap="none">
+            <a:spAutoFit/>
+          </a:bodyPr>
+          <a:lstStyle/>
+          <a:p>
+            <a:r>
+              <a:rPr lang="en-US" sz="1000" dirty="0"/>
+              <a:t>b</a:t>
+            </a:r>
+          </a:p>
+        </p:txBody>
+      </p:sp>
+      <p:sp>
+        <p:nvSpPr>
+          <p:cNvPr id="97" name="Rectangle 96">
+            <a:extLst>
+              <a:ext uri="{FF2B5EF4-FFF2-40B4-BE49-F238E27FC236}">
+                <a16:creationId xmlns:a16="http://schemas.microsoft.com/office/drawing/2014/main" id="{1B8D6438-7C89-4EE6-B763-A7A2F521A606}"/>
+              </a:ext>
+            </a:extLst>
+          </p:cNvPr>
+          <p:cNvSpPr/>
+          <p:nvPr/>
+        </p:nvSpPr>
+        <p:spPr>
+          <a:xfrm>
+            <a:off x="2491323" y="5826017"/>
+            <a:ext cx="251992" cy="246221"/>
+          </a:xfrm>
+          <a:prstGeom prst="rect">
+            <a:avLst/>
+          </a:prstGeom>
+        </p:spPr>
+        <p:txBody>
+          <a:bodyPr wrap="none">
+            <a:spAutoFit/>
+          </a:bodyPr>
+          <a:lstStyle/>
+          <a:p>
+            <a:r>
+              <a:rPr lang="en-US" sz="1000" dirty="0"/>
+              <a:t>b</a:t>
+            </a:r>
+          </a:p>
+        </p:txBody>
+      </p:sp>
+      <p:sp>
+        <p:nvSpPr>
+          <p:cNvPr id="98" name="Rectangle 97">
+            <a:extLst>
+              <a:ext uri="{FF2B5EF4-FFF2-40B4-BE49-F238E27FC236}">
+                <a16:creationId xmlns:a16="http://schemas.microsoft.com/office/drawing/2014/main" id="{2DD7BA5C-7DCF-432C-B7D5-5B10076E6B6F}"/>
+              </a:ext>
+            </a:extLst>
+          </p:cNvPr>
+          <p:cNvSpPr/>
+          <p:nvPr/>
+        </p:nvSpPr>
+        <p:spPr>
+          <a:xfrm>
+            <a:off x="2633358" y="4034417"/>
+            <a:ext cx="251992" cy="246221"/>
+          </a:xfrm>
+          <a:prstGeom prst="rect">
+            <a:avLst/>
+          </a:prstGeom>
+        </p:spPr>
+        <p:txBody>
+          <a:bodyPr wrap="none">
+            <a:spAutoFit/>
+          </a:bodyPr>
+          <a:lstStyle/>
+          <a:p>
+            <a:r>
+              <a:rPr lang="en-US" sz="1000" dirty="0"/>
+              <a:t>b</a:t>
+            </a:r>
+          </a:p>
+        </p:txBody>
+      </p:sp>
+      <p:sp>
+        <p:nvSpPr>
+          <p:cNvPr id="99" name="Rectangle 98">
+            <a:extLst>
+              <a:ext uri="{FF2B5EF4-FFF2-40B4-BE49-F238E27FC236}">
+                <a16:creationId xmlns:a16="http://schemas.microsoft.com/office/drawing/2014/main" id="{933B6BA4-5033-42D0-B656-23B8D9981EDC}"/>
+              </a:ext>
+            </a:extLst>
+          </p:cNvPr>
+          <p:cNvSpPr/>
+          <p:nvPr/>
+        </p:nvSpPr>
+        <p:spPr>
+          <a:xfrm>
+            <a:off x="5357429" y="3576242"/>
+            <a:ext cx="251992" cy="246221"/>
+          </a:xfrm>
+          <a:prstGeom prst="rect">
+            <a:avLst/>
+          </a:prstGeom>
+        </p:spPr>
+        <p:txBody>
+          <a:bodyPr wrap="none">
+            <a:spAutoFit/>
+          </a:bodyPr>
+          <a:lstStyle/>
+          <a:p>
+            <a:r>
+              <a:rPr lang="en-US" sz="1000" dirty="0"/>
+              <a:t>b</a:t>
+            </a:r>
+          </a:p>
+        </p:txBody>
+      </p:sp>
+      <p:sp>
+        <p:nvSpPr>
+          <p:cNvPr id="100" name="Rectangle 99">
+            <a:extLst>
+              <a:ext uri="{FF2B5EF4-FFF2-40B4-BE49-F238E27FC236}">
+                <a16:creationId xmlns:a16="http://schemas.microsoft.com/office/drawing/2014/main" id="{1EE54E28-E5EE-43B2-8DE7-3742DBDB0F10}"/>
+              </a:ext>
+            </a:extLst>
+          </p:cNvPr>
+          <p:cNvSpPr/>
+          <p:nvPr/>
+        </p:nvSpPr>
+        <p:spPr>
+          <a:xfrm>
+            <a:off x="4852146" y="1596287"/>
+            <a:ext cx="251992" cy="246221"/>
+          </a:xfrm>
+          <a:prstGeom prst="rect">
+            <a:avLst/>
+          </a:prstGeom>
+        </p:spPr>
+        <p:txBody>
+          <a:bodyPr wrap="none">
+            <a:spAutoFit/>
+          </a:bodyPr>
+          <a:lstStyle/>
+          <a:p>
+            <a:r>
+              <a:rPr lang="en-US" sz="1000" dirty="0"/>
+              <a:t>b</a:t>
+            </a:r>
+          </a:p>
+        </p:txBody>
+      </p:sp>
+      <p:sp>
+        <p:nvSpPr>
+          <p:cNvPr id="101" name="Rectangle 100">
+            <a:extLst>
+              <a:ext uri="{FF2B5EF4-FFF2-40B4-BE49-F238E27FC236}">
+                <a16:creationId xmlns:a16="http://schemas.microsoft.com/office/drawing/2014/main" id="{9E1108F9-153C-4BF1-8332-759111B09222}"/>
+              </a:ext>
+            </a:extLst>
+          </p:cNvPr>
+          <p:cNvSpPr/>
+          <p:nvPr/>
+        </p:nvSpPr>
+        <p:spPr>
+          <a:xfrm>
+            <a:off x="4105208" y="2009978"/>
+            <a:ext cx="251992" cy="246221"/>
+          </a:xfrm>
+          <a:prstGeom prst="rect">
+            <a:avLst/>
+          </a:prstGeom>
+        </p:spPr>
+        <p:txBody>
+          <a:bodyPr wrap="none">
+            <a:spAutoFit/>
+          </a:bodyPr>
+          <a:lstStyle/>
+          <a:p>
+            <a:r>
+              <a:rPr lang="en-US" sz="1000" dirty="0"/>
+              <a:t>b</a:t>
+            </a:r>
+          </a:p>
+        </p:txBody>
+      </p:sp>
+      <p:sp>
+        <p:nvSpPr>
+          <p:cNvPr id="102" name="Rectangle 101">
+            <a:extLst>
+              <a:ext uri="{FF2B5EF4-FFF2-40B4-BE49-F238E27FC236}">
+                <a16:creationId xmlns:a16="http://schemas.microsoft.com/office/drawing/2014/main" id="{A6988097-04F6-44FD-B3F0-7BC9E01195C9}"/>
+              </a:ext>
+            </a:extLst>
+          </p:cNvPr>
+          <p:cNvSpPr/>
+          <p:nvPr/>
+        </p:nvSpPr>
+        <p:spPr>
+          <a:xfrm>
+            <a:off x="3647880" y="4622800"/>
+            <a:ext cx="251992" cy="246221"/>
+          </a:xfrm>
+          <a:prstGeom prst="rect">
+            <a:avLst/>
+          </a:prstGeom>
+        </p:spPr>
+        <p:txBody>
+          <a:bodyPr wrap="none">
+            <a:spAutoFit/>
+          </a:bodyPr>
+          <a:lstStyle/>
+          <a:p>
+            <a:r>
+              <a:rPr lang="en-US" sz="1000" dirty="0"/>
+              <a:t>b</a:t>
+            </a:r>
+          </a:p>
+        </p:txBody>
+      </p:sp>
+      <p:sp>
+        <p:nvSpPr>
+          <p:cNvPr id="103" name="Rectangle 102">
+            <a:extLst>
+              <a:ext uri="{FF2B5EF4-FFF2-40B4-BE49-F238E27FC236}">
+                <a16:creationId xmlns:a16="http://schemas.microsoft.com/office/drawing/2014/main" id="{9824FAB6-3E39-4C69-BC40-CBD99ADF2236}"/>
+              </a:ext>
+            </a:extLst>
+          </p:cNvPr>
+          <p:cNvSpPr/>
+          <p:nvPr/>
+        </p:nvSpPr>
+        <p:spPr>
+          <a:xfrm>
+            <a:off x="3280283" y="3576286"/>
+            <a:ext cx="251992" cy="246221"/>
+          </a:xfrm>
+          <a:prstGeom prst="rect">
+            <a:avLst/>
+          </a:prstGeom>
+        </p:spPr>
+        <p:txBody>
+          <a:bodyPr wrap="none">
+            <a:spAutoFit/>
+          </a:bodyPr>
+          <a:lstStyle/>
+          <a:p>
+            <a:r>
+              <a:rPr lang="en-US" sz="1000" dirty="0"/>
+              <a:t>b</a:t>
+            </a:r>
+          </a:p>
+        </p:txBody>
+      </p:sp>
+      <p:sp>
+        <p:nvSpPr>
+          <p:cNvPr id="104" name="Rectangle 103">
+            <a:extLst>
+              <a:ext uri="{FF2B5EF4-FFF2-40B4-BE49-F238E27FC236}">
+                <a16:creationId xmlns:a16="http://schemas.microsoft.com/office/drawing/2014/main" id="{4AD204FF-996D-4FBE-BF57-9FC631B99871}"/>
+              </a:ext>
+            </a:extLst>
+          </p:cNvPr>
+          <p:cNvSpPr/>
+          <p:nvPr/>
+        </p:nvSpPr>
+        <p:spPr>
+          <a:xfrm>
+            <a:off x="5498084" y="6926056"/>
+            <a:ext cx="245580" cy="246221"/>
+          </a:xfrm>
+          <a:prstGeom prst="rect">
+            <a:avLst/>
+          </a:prstGeom>
+        </p:spPr>
+        <p:txBody>
+          <a:bodyPr wrap="none">
+            <a:spAutoFit/>
+          </a:bodyPr>
+          <a:lstStyle/>
+          <a:p>
+            <a:r>
+              <a:rPr lang="en-US" sz="1000" dirty="0"/>
+              <a:t>a</a:t>
+            </a:r>
+          </a:p>
+        </p:txBody>
+      </p:sp>
+      <p:sp>
+        <p:nvSpPr>
+          <p:cNvPr id="105" name="Rectangle 104">
+            <a:extLst>
+              <a:ext uri="{FF2B5EF4-FFF2-40B4-BE49-F238E27FC236}">
+                <a16:creationId xmlns:a16="http://schemas.microsoft.com/office/drawing/2014/main" id="{AFBFC22A-9846-4CFC-B7F1-D66D48464155}"/>
+              </a:ext>
+            </a:extLst>
+          </p:cNvPr>
+          <p:cNvSpPr/>
+          <p:nvPr/>
+        </p:nvSpPr>
+        <p:spPr>
+          <a:xfrm>
+            <a:off x="3252056" y="5015703"/>
+            <a:ext cx="245580" cy="246221"/>
+          </a:xfrm>
+          <a:prstGeom prst="rect">
+            <a:avLst/>
+          </a:prstGeom>
+        </p:spPr>
+        <p:txBody>
+          <a:bodyPr wrap="none">
+            <a:spAutoFit/>
+          </a:bodyPr>
+          <a:lstStyle/>
+          <a:p>
+            <a:r>
+              <a:rPr lang="en-US" sz="1000" dirty="0"/>
+              <a:t>a</a:t>
+            </a:r>
+          </a:p>
+        </p:txBody>
+      </p:sp>
+      <p:cxnSp>
+        <p:nvCxnSpPr>
+          <p:cNvPr id="131" name="Connector: Curved 130">
+            <a:extLst>
+              <a:ext uri="{FF2B5EF4-FFF2-40B4-BE49-F238E27FC236}">
+                <a16:creationId xmlns:a16="http://schemas.microsoft.com/office/drawing/2014/main" id="{45B3ACF2-25A4-450E-8E96-14298BF8D513}"/>
+              </a:ext>
+            </a:extLst>
+          </p:cNvPr>
+          <p:cNvCxnSpPr>
+            <a:cxnSpLocks/>
+            <a:stCxn id="22" idx="0"/>
+            <a:endCxn id="22" idx="2"/>
+          </p:cNvCxnSpPr>
+          <p:nvPr/>
+        </p:nvCxnSpPr>
+        <p:spPr>
+          <a:xfrm rot="16200000" flipH="1" flipV="1">
+            <a:off x="3164737" y="4140758"/>
+            <a:ext cx="262992" cy="262992"/>
+          </a:xfrm>
+          <a:prstGeom prst="curvedConnector4">
+            <a:avLst>
+              <a:gd name="adj1" fmla="val -86923"/>
+              <a:gd name="adj2" fmla="val 186923"/>
+            </a:avLst>
+          </a:prstGeom>
+          <a:ln>
+            <a:tailEnd type="triangle"/>
+          </a:ln>
+        </p:spPr>
+        <p:style>
+          <a:lnRef idx="1">
+            <a:schemeClr val="dk1"/>
+          </a:lnRef>
+          <a:fillRef idx="0">
+            <a:schemeClr val="dk1"/>
+          </a:fillRef>
+          <a:effectRef idx="0">
+            <a:schemeClr val="dk1"/>
+          </a:effectRef>
+          <a:fontRef idx="minor">
+            <a:schemeClr val="tx1"/>
+          </a:fontRef>
+        </p:style>
+      </p:cxnSp>
+      <p:cxnSp>
+        <p:nvCxnSpPr>
+          <p:cNvPr id="134" name="Connector: Curved 133">
+            <a:extLst>
+              <a:ext uri="{FF2B5EF4-FFF2-40B4-BE49-F238E27FC236}">
+                <a16:creationId xmlns:a16="http://schemas.microsoft.com/office/drawing/2014/main" id="{90717647-778F-48B4-BC77-8A8336E56B1E}"/>
+              </a:ext>
+            </a:extLst>
+          </p:cNvPr>
+          <p:cNvCxnSpPr>
+            <a:cxnSpLocks/>
+            <a:stCxn id="19" idx="0"/>
+            <a:endCxn id="19" idx="2"/>
+          </p:cNvCxnSpPr>
+          <p:nvPr/>
+        </p:nvCxnSpPr>
+        <p:spPr>
+          <a:xfrm rot="16200000" flipH="1" flipV="1">
+            <a:off x="2073928" y="4912057"/>
+            <a:ext cx="262992" cy="262992"/>
+          </a:xfrm>
+          <a:prstGeom prst="curvedConnector4">
+            <a:avLst>
+              <a:gd name="adj1" fmla="val -86923"/>
+              <a:gd name="adj2" fmla="val 186923"/>
+            </a:avLst>
+          </a:prstGeom>
+          <a:ln>
+            <a:tailEnd type="triangle"/>
+          </a:ln>
+        </p:spPr>
+        <p:style>
+          <a:lnRef idx="1">
+            <a:schemeClr val="dk1"/>
+          </a:lnRef>
+          <a:fillRef idx="0">
+            <a:schemeClr val="dk1"/>
+          </a:fillRef>
+          <a:effectRef idx="0">
+            <a:schemeClr val="dk1"/>
+          </a:effectRef>
+          <a:fontRef idx="minor">
+            <a:schemeClr val="tx1"/>
+          </a:fontRef>
+        </p:style>
+      </p:cxnSp>
+      <p:cxnSp>
+        <p:nvCxnSpPr>
+          <p:cNvPr id="137" name="Connector: Curved 136">
+            <a:extLst>
+              <a:ext uri="{FF2B5EF4-FFF2-40B4-BE49-F238E27FC236}">
+                <a16:creationId xmlns:a16="http://schemas.microsoft.com/office/drawing/2014/main" id="{29FCCA17-0C09-4AF0-A781-AE8D4CB7B71F}"/>
+              </a:ext>
+            </a:extLst>
+          </p:cNvPr>
+          <p:cNvCxnSpPr>
+            <a:cxnSpLocks/>
+            <a:stCxn id="3" idx="1"/>
+            <a:endCxn id="3" idx="3"/>
+          </p:cNvCxnSpPr>
+          <p:nvPr/>
+        </p:nvCxnSpPr>
+        <p:spPr>
+          <a:xfrm rot="16200000" flipH="1">
+            <a:off x="709672" y="4403750"/>
+            <a:ext cx="371926" cy="12700"/>
+          </a:xfrm>
+          <a:prstGeom prst="curvedConnector5">
+            <a:avLst>
+              <a:gd name="adj1" fmla="val -61464"/>
+              <a:gd name="adj2" fmla="val -5130969"/>
+              <a:gd name="adj3" fmla="val 161464"/>
+            </a:avLst>
+          </a:prstGeom>
+          <a:ln>
+            <a:tailEnd type="triangle"/>
+          </a:ln>
+        </p:spPr>
+        <p:style>
+          <a:lnRef idx="1">
+            <a:schemeClr val="dk1"/>
+          </a:lnRef>
+          <a:fillRef idx="0">
+            <a:schemeClr val="dk1"/>
+          </a:fillRef>
+          <a:effectRef idx="0">
+            <a:schemeClr val="dk1"/>
+          </a:effectRef>
+          <a:fontRef idx="minor">
+            <a:schemeClr val="tx1"/>
+          </a:fontRef>
+        </p:style>
+      </p:cxnSp>
+      <p:cxnSp>
+        <p:nvCxnSpPr>
+          <p:cNvPr id="142" name="Connector: Curved 141">
+            <a:extLst>
+              <a:ext uri="{FF2B5EF4-FFF2-40B4-BE49-F238E27FC236}">
+                <a16:creationId xmlns:a16="http://schemas.microsoft.com/office/drawing/2014/main" id="{0FFE93BB-0BFA-43E3-847F-96101EB102FE}"/>
+              </a:ext>
+            </a:extLst>
+          </p:cNvPr>
+          <p:cNvCxnSpPr>
+            <a:cxnSpLocks/>
+            <a:stCxn id="13" idx="0"/>
+            <a:endCxn id="13" idx="2"/>
+          </p:cNvCxnSpPr>
+          <p:nvPr/>
+        </p:nvCxnSpPr>
+        <p:spPr>
+          <a:xfrm rot="16200000" flipH="1" flipV="1">
+            <a:off x="2073928" y="3439322"/>
+            <a:ext cx="262992" cy="262992"/>
+          </a:xfrm>
+          <a:prstGeom prst="curvedConnector4">
+            <a:avLst>
+              <a:gd name="adj1" fmla="val -86923"/>
+              <a:gd name="adj2" fmla="val 186923"/>
+            </a:avLst>
+          </a:prstGeom>
+          <a:ln>
+            <a:tailEnd type="triangle"/>
+          </a:ln>
+        </p:spPr>
+        <p:style>
+          <a:lnRef idx="1">
+            <a:schemeClr val="dk1"/>
+          </a:lnRef>
+          <a:fillRef idx="0">
+            <a:schemeClr val="dk1"/>
+          </a:fillRef>
+          <a:effectRef idx="0">
+            <a:schemeClr val="dk1"/>
+          </a:effectRef>
+          <a:fontRef idx="minor">
+            <a:schemeClr val="tx1"/>
+          </a:fontRef>
+        </p:style>
+      </p:cxnSp>
+      <p:cxnSp>
+        <p:nvCxnSpPr>
+          <p:cNvPr id="147" name="Connector: Curved 146">
+            <a:extLst>
+              <a:ext uri="{FF2B5EF4-FFF2-40B4-BE49-F238E27FC236}">
+                <a16:creationId xmlns:a16="http://schemas.microsoft.com/office/drawing/2014/main" id="{2C71D3AF-4179-429D-A59D-FB81F7E15E95}"/>
+              </a:ext>
+            </a:extLst>
+          </p:cNvPr>
+          <p:cNvCxnSpPr>
+            <a:cxnSpLocks/>
+            <a:stCxn id="16" idx="1"/>
+            <a:endCxn id="16" idx="2"/>
+          </p:cNvCxnSpPr>
+          <p:nvPr/>
+        </p:nvCxnSpPr>
+        <p:spPr>
+          <a:xfrm rot="16200000" flipH="1" flipV="1">
+            <a:off x="4454986" y="3595349"/>
+            <a:ext cx="220656" cy="91399"/>
+          </a:xfrm>
+          <a:prstGeom prst="curvedConnector4">
+            <a:avLst>
+              <a:gd name="adj1" fmla="val -145022"/>
+              <a:gd name="adj2" fmla="val 350112"/>
+            </a:avLst>
+          </a:prstGeom>
+          <a:ln>
+            <a:tailEnd type="triangle"/>
+          </a:ln>
+        </p:spPr>
+        <p:style>
+          <a:lnRef idx="1">
+            <a:schemeClr val="dk1"/>
+          </a:lnRef>
+          <a:fillRef idx="0">
+            <a:schemeClr val="dk1"/>
+          </a:fillRef>
+          <a:effectRef idx="0">
+            <a:schemeClr val="dk1"/>
+          </a:effectRef>
+          <a:fontRef idx="minor">
+            <a:schemeClr val="tx1"/>
+          </a:fontRef>
+        </p:style>
+      </p:cxnSp>
+      <p:cxnSp>
+        <p:nvCxnSpPr>
+          <p:cNvPr id="151" name="Connector: Curved 150">
+            <a:extLst>
+              <a:ext uri="{FF2B5EF4-FFF2-40B4-BE49-F238E27FC236}">
+                <a16:creationId xmlns:a16="http://schemas.microsoft.com/office/drawing/2014/main" id="{A1368E85-DE96-4554-B4DF-C7FDCFB7801B}"/>
+              </a:ext>
+            </a:extLst>
+          </p:cNvPr>
+          <p:cNvCxnSpPr>
+            <a:cxnSpLocks/>
+            <a:stCxn id="24" idx="1"/>
+            <a:endCxn id="24" idx="3"/>
+          </p:cNvCxnSpPr>
+          <p:nvPr/>
+        </p:nvCxnSpPr>
+        <p:spPr>
+          <a:xfrm rot="16200000" flipH="1">
+            <a:off x="5529582" y="4403750"/>
+            <a:ext cx="371926" cy="12700"/>
+          </a:xfrm>
+          <a:prstGeom prst="curvedConnector5">
+            <a:avLst>
+              <a:gd name="adj1" fmla="val -23049"/>
+              <a:gd name="adj2" fmla="val -4493472"/>
+              <a:gd name="adj3" fmla="val 110244"/>
+            </a:avLst>
+          </a:prstGeom>
+          <a:ln>
+            <a:tailEnd type="triangle"/>
+          </a:ln>
+        </p:spPr>
+        <p:style>
+          <a:lnRef idx="1">
+            <a:schemeClr val="dk1"/>
+          </a:lnRef>
+          <a:fillRef idx="0">
+            <a:schemeClr val="dk1"/>
+          </a:fillRef>
+          <a:effectRef idx="0">
+            <a:schemeClr val="dk1"/>
+          </a:effectRef>
+          <a:fontRef idx="minor">
+            <a:schemeClr val="tx1"/>
+          </a:fontRef>
+        </p:style>
+      </p:cxnSp>
+      <p:cxnSp>
+        <p:nvCxnSpPr>
+          <p:cNvPr id="157" name="Connector: Curved 156">
+            <a:extLst>
+              <a:ext uri="{FF2B5EF4-FFF2-40B4-BE49-F238E27FC236}">
+                <a16:creationId xmlns:a16="http://schemas.microsoft.com/office/drawing/2014/main" id="{D5CCC359-9211-47E6-976A-4BFCCDCF5025}"/>
+              </a:ext>
+            </a:extLst>
+          </p:cNvPr>
+          <p:cNvCxnSpPr>
+            <a:cxnSpLocks/>
+            <a:stCxn id="23" idx="6"/>
+            <a:endCxn id="23" idx="4"/>
+          </p:cNvCxnSpPr>
+          <p:nvPr/>
+        </p:nvCxnSpPr>
+        <p:spPr>
+          <a:xfrm flipH="1">
+            <a:off x="4715150" y="5175049"/>
+            <a:ext cx="262992" cy="262992"/>
+          </a:xfrm>
+          <a:prstGeom prst="curvedConnector4">
+            <a:avLst>
+              <a:gd name="adj1" fmla="val -86923"/>
+              <a:gd name="adj2" fmla="val 186923"/>
+            </a:avLst>
+          </a:prstGeom>
+          <a:ln>
+            <a:tailEnd type="triangle"/>
+          </a:ln>
+        </p:spPr>
+        <p:style>
+          <a:lnRef idx="1">
+            <a:schemeClr val="dk1"/>
+          </a:lnRef>
+          <a:fillRef idx="0">
+            <a:schemeClr val="dk1"/>
+          </a:fillRef>
+          <a:effectRef idx="0">
+            <a:schemeClr val="dk1"/>
+          </a:effectRef>
+          <a:fontRef idx="minor">
+            <a:schemeClr val="tx1"/>
+          </a:fontRef>
+        </p:style>
+      </p:cxnSp>
+      <p:cxnSp>
+        <p:nvCxnSpPr>
+          <p:cNvPr id="160" name="Connector: Curved 159">
+            <a:extLst>
+              <a:ext uri="{FF2B5EF4-FFF2-40B4-BE49-F238E27FC236}">
+                <a16:creationId xmlns:a16="http://schemas.microsoft.com/office/drawing/2014/main" id="{9D926B8D-0BFE-4228-8669-F3668F5D263A}"/>
+              </a:ext>
+            </a:extLst>
+          </p:cNvPr>
+          <p:cNvCxnSpPr>
+            <a:cxnSpLocks/>
+            <a:stCxn id="6" idx="7"/>
+            <a:endCxn id="6" idx="1"/>
+          </p:cNvCxnSpPr>
+          <p:nvPr/>
+        </p:nvCxnSpPr>
+        <p:spPr>
+          <a:xfrm rot="16200000" flipV="1">
+            <a:off x="3476792" y="7131187"/>
+            <a:ext cx="12700" cy="441312"/>
+          </a:xfrm>
+          <a:prstGeom prst="curvedConnector3">
+            <a:avLst>
+              <a:gd name="adj1" fmla="val 2519677"/>
+            </a:avLst>
+          </a:prstGeom>
+          <a:ln>
+            <a:tailEnd type="triangle"/>
+          </a:ln>
+        </p:spPr>
+        <p:style>
+          <a:lnRef idx="1">
+            <a:schemeClr val="dk1"/>
+          </a:lnRef>
+          <a:fillRef idx="0">
+            <a:schemeClr val="dk1"/>
+          </a:fillRef>
+          <a:effectRef idx="0">
+            <a:schemeClr val="dk1"/>
+          </a:effectRef>
+          <a:fontRef idx="minor">
+            <a:schemeClr val="tx1"/>
+          </a:fontRef>
+        </p:style>
+      </p:cxnSp>
+      <p:cxnSp>
+        <p:nvCxnSpPr>
+          <p:cNvPr id="163" name="Connector: Curved 162">
+            <a:extLst>
+              <a:ext uri="{FF2B5EF4-FFF2-40B4-BE49-F238E27FC236}">
+                <a16:creationId xmlns:a16="http://schemas.microsoft.com/office/drawing/2014/main" id="{B24A20C9-815A-487B-8E79-445690056DAB}"/>
+              </a:ext>
+            </a:extLst>
+          </p:cNvPr>
+          <p:cNvCxnSpPr>
+            <a:cxnSpLocks/>
+            <a:stCxn id="21" idx="5"/>
+            <a:endCxn id="21" idx="3"/>
+          </p:cNvCxnSpPr>
+          <p:nvPr/>
+        </p:nvCxnSpPr>
+        <p:spPr>
+          <a:xfrm rot="5400000">
+            <a:off x="3596994" y="2116039"/>
+            <a:ext cx="12700" cy="371926"/>
+          </a:xfrm>
+          <a:prstGeom prst="curvedConnector3">
+            <a:avLst>
+              <a:gd name="adj1" fmla="val 2406528"/>
+            </a:avLst>
+          </a:prstGeom>
+          <a:ln>
+            <a:tailEnd type="triangle"/>
+          </a:ln>
+        </p:spPr>
+        <p:style>
+          <a:lnRef idx="1">
+            <a:schemeClr val="dk1"/>
+          </a:lnRef>
+          <a:fillRef idx="0">
+            <a:schemeClr val="dk1"/>
+          </a:fillRef>
+          <a:effectRef idx="0">
+            <a:schemeClr val="dk1"/>
+          </a:effectRef>
+          <a:fontRef idx="minor">
+            <a:schemeClr val="tx1"/>
+          </a:fontRef>
+        </p:style>
+      </p:cxnSp>
+      <p:sp>
+        <p:nvSpPr>
+          <p:cNvPr id="166" name="Rectangle 165">
+            <a:extLst>
+              <a:ext uri="{FF2B5EF4-FFF2-40B4-BE49-F238E27FC236}">
+                <a16:creationId xmlns:a16="http://schemas.microsoft.com/office/drawing/2014/main" id="{2EBF8037-EEED-4448-AA21-28378D6A8731}"/>
+              </a:ext>
+            </a:extLst>
+          </p:cNvPr>
+          <p:cNvSpPr/>
+          <p:nvPr/>
+        </p:nvSpPr>
+        <p:spPr>
+          <a:xfrm>
+            <a:off x="5155731" y="5485754"/>
+            <a:ext cx="245580" cy="246221"/>
+          </a:xfrm>
+          <a:prstGeom prst="rect">
+            <a:avLst/>
+          </a:prstGeom>
+        </p:spPr>
+        <p:txBody>
+          <a:bodyPr wrap="none">
+            <a:spAutoFit/>
+          </a:bodyPr>
+          <a:lstStyle/>
+          <a:p>
+            <a:r>
+              <a:rPr lang="en-US" sz="1000" dirty="0"/>
+              <a:t>c</a:t>
+            </a:r>
+          </a:p>
+        </p:txBody>
+      </p:sp>
+      <p:sp>
+        <p:nvSpPr>
+          <p:cNvPr id="167" name="Rectangle 166">
+            <a:extLst>
+              <a:ext uri="{FF2B5EF4-FFF2-40B4-BE49-F238E27FC236}">
+                <a16:creationId xmlns:a16="http://schemas.microsoft.com/office/drawing/2014/main" id="{CAF80886-54AE-4524-B180-70C503C850F7}"/>
+              </a:ext>
+            </a:extLst>
+          </p:cNvPr>
+          <p:cNvSpPr/>
+          <p:nvPr/>
+        </p:nvSpPr>
+        <p:spPr>
+          <a:xfrm>
+            <a:off x="1759384" y="4499689"/>
+            <a:ext cx="245580" cy="246221"/>
+          </a:xfrm>
+          <a:prstGeom prst="rect">
+            <a:avLst/>
+          </a:prstGeom>
+        </p:spPr>
+        <p:txBody>
+          <a:bodyPr wrap="none">
+            <a:spAutoFit/>
+          </a:bodyPr>
+          <a:lstStyle/>
+          <a:p>
+            <a:r>
+              <a:rPr lang="en-US" sz="1000" dirty="0"/>
+              <a:t>c</a:t>
+            </a:r>
+          </a:p>
+        </p:txBody>
+      </p:sp>
+      <p:sp>
+        <p:nvSpPr>
+          <p:cNvPr id="168" name="Rectangle 167">
+            <a:extLst>
+              <a:ext uri="{FF2B5EF4-FFF2-40B4-BE49-F238E27FC236}">
+                <a16:creationId xmlns:a16="http://schemas.microsoft.com/office/drawing/2014/main" id="{0A86525A-2678-437C-8917-A52958D5EFFE}"/>
+              </a:ext>
+            </a:extLst>
+          </p:cNvPr>
+          <p:cNvSpPr/>
+          <p:nvPr/>
+        </p:nvSpPr>
+        <p:spPr>
+          <a:xfrm>
+            <a:off x="330912" y="4043658"/>
+            <a:ext cx="245580" cy="246221"/>
+          </a:xfrm>
+          <a:prstGeom prst="rect">
+            <a:avLst/>
+          </a:prstGeom>
+        </p:spPr>
+        <p:txBody>
+          <a:bodyPr wrap="none">
+            <a:spAutoFit/>
+          </a:bodyPr>
+          <a:lstStyle/>
+          <a:p>
+            <a:r>
+              <a:rPr lang="en-US" sz="1000" dirty="0"/>
+              <a:t>c</a:t>
+            </a:r>
+          </a:p>
+        </p:txBody>
+      </p:sp>
+      <p:sp>
+        <p:nvSpPr>
+          <p:cNvPr id="169" name="Rectangle 168">
+            <a:extLst>
+              <a:ext uri="{FF2B5EF4-FFF2-40B4-BE49-F238E27FC236}">
+                <a16:creationId xmlns:a16="http://schemas.microsoft.com/office/drawing/2014/main" id="{FBF2131C-175B-4870-9AEE-6960EAA9A7C6}"/>
+              </a:ext>
+            </a:extLst>
+          </p:cNvPr>
+          <p:cNvSpPr/>
+          <p:nvPr/>
+        </p:nvSpPr>
+        <p:spPr>
+          <a:xfrm>
+            <a:off x="1719415" y="3024667"/>
+            <a:ext cx="245580" cy="246221"/>
+          </a:xfrm>
+          <a:prstGeom prst="rect">
+            <a:avLst/>
+          </a:prstGeom>
+        </p:spPr>
+        <p:txBody>
+          <a:bodyPr wrap="none">
+            <a:spAutoFit/>
+          </a:bodyPr>
+          <a:lstStyle/>
+          <a:p>
+            <a:r>
+              <a:rPr lang="en-US" sz="1000" dirty="0"/>
+              <a:t>c</a:t>
+            </a:r>
+          </a:p>
+        </p:txBody>
+      </p:sp>
+      <p:sp>
+        <p:nvSpPr>
+          <p:cNvPr id="170" name="Rectangle 169">
+            <a:extLst>
+              <a:ext uri="{FF2B5EF4-FFF2-40B4-BE49-F238E27FC236}">
+                <a16:creationId xmlns:a16="http://schemas.microsoft.com/office/drawing/2014/main" id="{E39917CD-6ADE-4661-A255-726AFA873CC2}"/>
+              </a:ext>
+            </a:extLst>
+          </p:cNvPr>
+          <p:cNvSpPr/>
+          <p:nvPr/>
+        </p:nvSpPr>
+        <p:spPr>
+          <a:xfrm>
+            <a:off x="3523268" y="2571343"/>
+            <a:ext cx="245580" cy="246221"/>
+          </a:xfrm>
+          <a:prstGeom prst="rect">
+            <a:avLst/>
+          </a:prstGeom>
+        </p:spPr>
+        <p:txBody>
+          <a:bodyPr wrap="none">
+            <a:spAutoFit/>
+          </a:bodyPr>
+          <a:lstStyle/>
+          <a:p>
+            <a:r>
+              <a:rPr lang="en-US" sz="1000" dirty="0"/>
+              <a:t>c</a:t>
+            </a:r>
+          </a:p>
+        </p:txBody>
+      </p:sp>
+      <p:sp>
+        <p:nvSpPr>
+          <p:cNvPr id="171" name="Rectangle 170">
+            <a:extLst>
+              <a:ext uri="{FF2B5EF4-FFF2-40B4-BE49-F238E27FC236}">
+                <a16:creationId xmlns:a16="http://schemas.microsoft.com/office/drawing/2014/main" id="{20905D85-CE4E-410B-856D-3CBF6ECEC2BB}"/>
+              </a:ext>
+            </a:extLst>
+          </p:cNvPr>
+          <p:cNvSpPr/>
+          <p:nvPr/>
+        </p:nvSpPr>
+        <p:spPr>
+          <a:xfrm>
+            <a:off x="2851915" y="3783980"/>
+            <a:ext cx="245580" cy="246221"/>
+          </a:xfrm>
+          <a:prstGeom prst="rect">
+            <a:avLst/>
+          </a:prstGeom>
+        </p:spPr>
+        <p:txBody>
+          <a:bodyPr wrap="none">
+            <a:spAutoFit/>
+          </a:bodyPr>
+          <a:lstStyle/>
+          <a:p>
+            <a:r>
+              <a:rPr lang="en-US" sz="1000" dirty="0"/>
+              <a:t>c</a:t>
+            </a:r>
+          </a:p>
+        </p:txBody>
+      </p:sp>
+      <p:sp>
+        <p:nvSpPr>
+          <p:cNvPr id="172" name="Rectangle 171">
+            <a:extLst>
+              <a:ext uri="{FF2B5EF4-FFF2-40B4-BE49-F238E27FC236}">
+                <a16:creationId xmlns:a16="http://schemas.microsoft.com/office/drawing/2014/main" id="{D9E576DE-634C-4F7C-A7E9-3B4BA2A82E87}"/>
+              </a:ext>
+            </a:extLst>
+          </p:cNvPr>
+          <p:cNvSpPr/>
+          <p:nvPr/>
+        </p:nvSpPr>
+        <p:spPr>
+          <a:xfrm>
+            <a:off x="4152818" y="3119054"/>
+            <a:ext cx="245580" cy="246221"/>
+          </a:xfrm>
+          <a:prstGeom prst="rect">
+            <a:avLst/>
+          </a:prstGeom>
+        </p:spPr>
+        <p:txBody>
+          <a:bodyPr wrap="none">
+            <a:spAutoFit/>
+          </a:bodyPr>
+          <a:lstStyle/>
+          <a:p>
+            <a:r>
+              <a:rPr lang="en-US" sz="1000" dirty="0"/>
+              <a:t>c</a:t>
+            </a:r>
+          </a:p>
+        </p:txBody>
+      </p:sp>
+      <p:sp>
+        <p:nvSpPr>
+          <p:cNvPr id="173" name="Rectangle 172">
+            <a:extLst>
+              <a:ext uri="{FF2B5EF4-FFF2-40B4-BE49-F238E27FC236}">
+                <a16:creationId xmlns:a16="http://schemas.microsoft.com/office/drawing/2014/main" id="{16545FD8-911B-43B9-8FBD-A2C53A1CD5ED}"/>
+              </a:ext>
+            </a:extLst>
+          </p:cNvPr>
+          <p:cNvSpPr/>
+          <p:nvPr/>
+        </p:nvSpPr>
+        <p:spPr>
+          <a:xfrm>
+            <a:off x="5136216" y="4253254"/>
+            <a:ext cx="245580" cy="246221"/>
+          </a:xfrm>
+          <a:prstGeom prst="rect">
+            <a:avLst/>
+          </a:prstGeom>
+        </p:spPr>
+        <p:txBody>
+          <a:bodyPr wrap="none">
+            <a:spAutoFit/>
+          </a:bodyPr>
+          <a:lstStyle/>
+          <a:p>
+            <a:r>
+              <a:rPr lang="en-US" sz="1000" dirty="0"/>
+              <a:t>c</a:t>
+            </a:r>
+          </a:p>
+        </p:txBody>
+      </p:sp>
+      <p:sp>
+        <p:nvSpPr>
+          <p:cNvPr id="175" name="Rectangle 174">
+            <a:extLst>
+              <a:ext uri="{FF2B5EF4-FFF2-40B4-BE49-F238E27FC236}">
+                <a16:creationId xmlns:a16="http://schemas.microsoft.com/office/drawing/2014/main" id="{7D951149-C460-4389-AE9B-C9331E8692FB}"/>
+              </a:ext>
+            </a:extLst>
+          </p:cNvPr>
+          <p:cNvSpPr/>
+          <p:nvPr/>
+        </p:nvSpPr>
+        <p:spPr>
+          <a:xfrm>
+            <a:off x="3307839" y="6738754"/>
+            <a:ext cx="245580" cy="246221"/>
+          </a:xfrm>
+          <a:prstGeom prst="rect">
+            <a:avLst/>
+          </a:prstGeom>
+        </p:spPr>
+        <p:txBody>
+          <a:bodyPr wrap="none">
+            <a:spAutoFit/>
+          </a:bodyPr>
+          <a:lstStyle/>
+          <a:p>
+            <a:r>
+              <a:rPr lang="en-US" sz="1000" dirty="0"/>
+              <a:t>c</a:t>
+            </a:r>
           </a:p>
         </p:txBody>
       </p:sp>
@@ -3574,7 +6362,7 @@
           <a:p>
             <a:r>
               <a:rPr lang="en-US" dirty="0"/>
-              <a:t>𝐿 = { 𝑤𝑐𝑤^𝑟 | 𝑤 ∊ {𝑎, 𝑏}^∗ } </a:t>
+              <a:t>𝐿 = { 𝑤𝑐𝑤^𝑟 | 𝑤 ∊ {𝑎, 𝑏, c}^∗ } </a:t>
             </a:r>
           </a:p>
         </p:txBody>
@@ -3593,7 +6381,7 @@
         </p:nvSpPr>
         <p:spPr>
           <a:xfrm>
-            <a:off x="1001490" y="1550466"/>
+            <a:off x="1291050" y="1786686"/>
             <a:ext cx="525984" cy="525984"/>
           </a:xfrm>
           <a:prstGeom prst="ellipse">
@@ -3655,7 +6443,7 @@
         </p:nvCxnSpPr>
         <p:spPr>
           <a:xfrm>
-            <a:off x="585788" y="1813458"/>
+            <a:off x="875348" y="2049678"/>
             <a:ext cx="415702" cy="0"/>
           </a:xfrm>
           <a:prstGeom prst="straightConnector1">
@@ -3694,7 +6482,7 @@
         </p:nvSpPr>
         <p:spPr>
           <a:xfrm>
-            <a:off x="2233390" y="1550466"/>
+            <a:off x="4940135" y="1786686"/>
             <a:ext cx="525984" cy="525984"/>
           </a:xfrm>
           <a:prstGeom prst="ellipse">
@@ -3758,7 +6546,7 @@
         </p:nvSpPr>
         <p:spPr>
           <a:xfrm>
-            <a:off x="2184327" y="1501403"/>
+            <a:off x="4891072" y="1737623"/>
             <a:ext cx="624110" cy="624110"/>
           </a:xfrm>
           <a:prstGeom prst="ellipse">
@@ -3796,6 +6584,573 @@
           </a:p>
         </p:txBody>
       </p:sp>
+      <p:sp>
+        <p:nvSpPr>
+          <p:cNvPr id="7" name="Oval 6">
+            <a:extLst>
+              <a:ext uri="{FF2B5EF4-FFF2-40B4-BE49-F238E27FC236}">
+                <a16:creationId xmlns:a16="http://schemas.microsoft.com/office/drawing/2014/main" id="{35EBD42F-9F16-422E-84C4-66BF2659CFFD}"/>
+              </a:ext>
+            </a:extLst>
+          </p:cNvPr>
+          <p:cNvSpPr/>
+          <p:nvPr/>
+        </p:nvSpPr>
+        <p:spPr>
+          <a:xfrm>
+            <a:off x="3166008" y="1782876"/>
+            <a:ext cx="525984" cy="525984"/>
+          </a:xfrm>
+          <a:prstGeom prst="ellipse">
+            <a:avLst/>
+          </a:prstGeom>
+          <a:noFill/>
+          <a:ln w="28575">
+            <a:solidFill>
+              <a:schemeClr val="tx1"/>
+            </a:solidFill>
+          </a:ln>
+        </p:spPr>
+        <p:style>
+          <a:lnRef idx="2">
+            <a:schemeClr val="accent1">
+              <a:shade val="50000"/>
+            </a:schemeClr>
+          </a:lnRef>
+          <a:fillRef idx="1">
+            <a:schemeClr val="accent1"/>
+          </a:fillRef>
+          <a:effectRef idx="0">
+            <a:schemeClr val="accent1"/>
+          </a:effectRef>
+          <a:fontRef idx="minor">
+            <a:schemeClr val="lt1"/>
+          </a:fontRef>
+        </p:style>
+        <p:txBody>
+          <a:bodyPr rtlCol="0" anchor="ctr"/>
+          <a:lstStyle/>
+          <a:p>
+            <a:pPr algn="ctr"/>
+            <a:r>
+              <a:rPr lang="en-US" sz="1200" dirty="0">
+                <a:solidFill>
+                  <a:schemeClr val="tx1"/>
+                </a:solidFill>
+              </a:rPr>
+              <a:t>Q1</a:t>
+            </a:r>
+          </a:p>
+        </p:txBody>
+      </p:sp>
+      <p:cxnSp>
+        <p:nvCxnSpPr>
+          <p:cNvPr id="8" name="Straight Arrow Connector 7">
+            <a:extLst>
+              <a:ext uri="{FF2B5EF4-FFF2-40B4-BE49-F238E27FC236}">
+                <a16:creationId xmlns:a16="http://schemas.microsoft.com/office/drawing/2014/main" id="{F53867EC-E228-4A72-A6BC-683493FDC59F}"/>
+              </a:ext>
+            </a:extLst>
+          </p:cNvPr>
+          <p:cNvCxnSpPr>
+            <a:cxnSpLocks/>
+            <a:stCxn id="3" idx="6"/>
+            <a:endCxn id="7" idx="2"/>
+          </p:cNvCxnSpPr>
+          <p:nvPr/>
+        </p:nvCxnSpPr>
+        <p:spPr>
+          <a:xfrm flipV="1">
+            <a:off x="1817034" y="2045868"/>
+            <a:ext cx="1348974" cy="3810"/>
+          </a:xfrm>
+          <a:prstGeom prst="straightConnector1">
+            <a:avLst/>
+          </a:prstGeom>
+          <a:ln>
+            <a:tailEnd type="triangle"/>
+          </a:ln>
+        </p:spPr>
+        <p:style>
+          <a:lnRef idx="1">
+            <a:schemeClr val="dk1"/>
+          </a:lnRef>
+          <a:fillRef idx="0">
+            <a:schemeClr val="dk1"/>
+          </a:fillRef>
+          <a:effectRef idx="0">
+            <a:schemeClr val="dk1"/>
+          </a:effectRef>
+          <a:fontRef idx="minor">
+            <a:schemeClr val="tx1"/>
+          </a:fontRef>
+        </p:style>
+      </p:cxnSp>
+      <p:cxnSp>
+        <p:nvCxnSpPr>
+          <p:cNvPr id="10" name="Straight Arrow Connector 9">
+            <a:extLst>
+              <a:ext uri="{FF2B5EF4-FFF2-40B4-BE49-F238E27FC236}">
+                <a16:creationId xmlns:a16="http://schemas.microsoft.com/office/drawing/2014/main" id="{4182E2BC-F020-4354-BE64-4AF3F50E789C}"/>
+              </a:ext>
+            </a:extLst>
+          </p:cNvPr>
+          <p:cNvCxnSpPr>
+            <a:cxnSpLocks/>
+            <a:stCxn id="7" idx="6"/>
+            <a:endCxn id="5" idx="2"/>
+          </p:cNvCxnSpPr>
+          <p:nvPr/>
+        </p:nvCxnSpPr>
+        <p:spPr>
+          <a:xfrm>
+            <a:off x="3691992" y="2045868"/>
+            <a:ext cx="1248143" cy="3810"/>
+          </a:xfrm>
+          <a:prstGeom prst="straightConnector1">
+            <a:avLst/>
+          </a:prstGeom>
+          <a:ln>
+            <a:tailEnd type="triangle"/>
+          </a:ln>
+        </p:spPr>
+        <p:style>
+          <a:lnRef idx="1">
+            <a:schemeClr val="dk1"/>
+          </a:lnRef>
+          <a:fillRef idx="0">
+            <a:schemeClr val="dk1"/>
+          </a:fillRef>
+          <a:effectRef idx="0">
+            <a:schemeClr val="dk1"/>
+          </a:effectRef>
+          <a:fontRef idx="minor">
+            <a:schemeClr val="tx1"/>
+          </a:fontRef>
+        </p:style>
+      </p:cxnSp>
+      <p:sp>
+        <p:nvSpPr>
+          <p:cNvPr id="15" name="Rectangle 14">
+            <a:extLst>
+              <a:ext uri="{FF2B5EF4-FFF2-40B4-BE49-F238E27FC236}">
+                <a16:creationId xmlns:a16="http://schemas.microsoft.com/office/drawing/2014/main" id="{833DD130-7046-41BF-A288-09CCCDC300E5}"/>
+              </a:ext>
+            </a:extLst>
+          </p:cNvPr>
+          <p:cNvSpPr/>
+          <p:nvPr/>
+        </p:nvSpPr>
+        <p:spPr>
+          <a:xfrm>
+            <a:off x="3891136" y="1753042"/>
+            <a:ext cx="679994" cy="276999"/>
+          </a:xfrm>
+          <a:prstGeom prst="rect">
+            <a:avLst/>
+          </a:prstGeom>
+        </p:spPr>
+        <p:txBody>
+          <a:bodyPr wrap="none">
+            <a:spAutoFit/>
+          </a:bodyPr>
+          <a:lstStyle/>
+          <a:p>
+            <a:r>
+              <a:rPr lang="el-GR" sz="1200" dirty="0"/>
+              <a:t>λ</a:t>
+            </a:r>
+            <a:r>
+              <a:rPr lang="en-US" sz="1200" dirty="0"/>
+              <a:t>, $ -&gt; $</a:t>
+            </a:r>
+            <a:endParaRPr lang="en-US" sz="700" dirty="0"/>
+          </a:p>
+        </p:txBody>
+      </p:sp>
+      <p:sp>
+        <p:nvSpPr>
+          <p:cNvPr id="16" name="Rectangle 15">
+            <a:extLst>
+              <a:ext uri="{FF2B5EF4-FFF2-40B4-BE49-F238E27FC236}">
+                <a16:creationId xmlns:a16="http://schemas.microsoft.com/office/drawing/2014/main" id="{3137A65B-FBDE-4D57-8180-C04F640B6C9A}"/>
+              </a:ext>
+            </a:extLst>
+          </p:cNvPr>
+          <p:cNvSpPr/>
+          <p:nvPr/>
+        </p:nvSpPr>
+        <p:spPr>
+          <a:xfrm>
+            <a:off x="2105521" y="1753042"/>
+            <a:ext cx="679994" cy="276999"/>
+          </a:xfrm>
+          <a:prstGeom prst="rect">
+            <a:avLst/>
+          </a:prstGeom>
+        </p:spPr>
+        <p:txBody>
+          <a:bodyPr wrap="none">
+            <a:spAutoFit/>
+          </a:bodyPr>
+          <a:lstStyle/>
+          <a:p>
+            <a:r>
+              <a:rPr lang="en-US" sz="1200" dirty="0"/>
+              <a:t>c, </a:t>
+            </a:r>
+            <a:r>
+              <a:rPr lang="el-GR" sz="1200" dirty="0"/>
+              <a:t>λ</a:t>
+            </a:r>
+            <a:r>
+              <a:rPr lang="en-US" sz="1200" dirty="0"/>
+              <a:t> -&gt; </a:t>
+            </a:r>
+            <a:r>
+              <a:rPr lang="el-GR" sz="1200" dirty="0"/>
+              <a:t>λ</a:t>
+            </a:r>
+            <a:endParaRPr lang="en-US" sz="700" dirty="0"/>
+          </a:p>
+        </p:txBody>
+      </p:sp>
+      <p:sp>
+        <p:nvSpPr>
+          <p:cNvPr id="17" name="Rectangle 16">
+            <a:extLst>
+              <a:ext uri="{FF2B5EF4-FFF2-40B4-BE49-F238E27FC236}">
+                <a16:creationId xmlns:a16="http://schemas.microsoft.com/office/drawing/2014/main" id="{90D273F7-DAE2-4DD2-9D85-22B5C8F7DE0A}"/>
+              </a:ext>
+            </a:extLst>
+          </p:cNvPr>
+          <p:cNvSpPr/>
+          <p:nvPr/>
+        </p:nvSpPr>
+        <p:spPr>
+          <a:xfrm>
+            <a:off x="1291050" y="3528813"/>
+            <a:ext cx="679994" cy="276999"/>
+          </a:xfrm>
+          <a:prstGeom prst="rect">
+            <a:avLst/>
+          </a:prstGeom>
+        </p:spPr>
+        <p:txBody>
+          <a:bodyPr wrap="none">
+            <a:spAutoFit/>
+          </a:bodyPr>
+          <a:lstStyle/>
+          <a:p>
+            <a:r>
+              <a:rPr lang="en-US" sz="1200" dirty="0"/>
+              <a:t>c, </a:t>
+            </a:r>
+            <a:r>
+              <a:rPr lang="el-GR" sz="1200" dirty="0"/>
+              <a:t>λ</a:t>
+            </a:r>
+            <a:r>
+              <a:rPr lang="en-US" sz="1200" dirty="0"/>
+              <a:t> -&gt; c</a:t>
+            </a:r>
+            <a:endParaRPr lang="en-US" sz="700" dirty="0"/>
+          </a:p>
+        </p:txBody>
+      </p:sp>
+      <p:sp>
+        <p:nvSpPr>
+          <p:cNvPr id="18" name="Rectangle 17">
+            <a:extLst>
+              <a:ext uri="{FF2B5EF4-FFF2-40B4-BE49-F238E27FC236}">
+                <a16:creationId xmlns:a16="http://schemas.microsoft.com/office/drawing/2014/main" id="{748EFE0D-2688-4E2E-B34D-065B0E97CC91}"/>
+              </a:ext>
+            </a:extLst>
+          </p:cNvPr>
+          <p:cNvSpPr/>
+          <p:nvPr/>
+        </p:nvSpPr>
+        <p:spPr>
+          <a:xfrm>
+            <a:off x="1291050" y="3228511"/>
+            <a:ext cx="679994" cy="276999"/>
+          </a:xfrm>
+          <a:prstGeom prst="rect">
+            <a:avLst/>
+          </a:prstGeom>
+        </p:spPr>
+        <p:txBody>
+          <a:bodyPr wrap="none">
+            <a:spAutoFit/>
+          </a:bodyPr>
+          <a:lstStyle/>
+          <a:p>
+            <a:r>
+              <a:rPr lang="en-US" sz="1200" dirty="0"/>
+              <a:t>b, </a:t>
+            </a:r>
+            <a:r>
+              <a:rPr lang="el-GR" sz="1200" dirty="0"/>
+              <a:t>λ</a:t>
+            </a:r>
+            <a:r>
+              <a:rPr lang="en-US" sz="1200" dirty="0"/>
+              <a:t> -&gt; b</a:t>
+            </a:r>
+            <a:endParaRPr lang="en-US" sz="700" dirty="0"/>
+          </a:p>
+        </p:txBody>
+      </p:sp>
+      <p:sp>
+        <p:nvSpPr>
+          <p:cNvPr id="19" name="Rectangle 18">
+            <a:extLst>
+              <a:ext uri="{FF2B5EF4-FFF2-40B4-BE49-F238E27FC236}">
+                <a16:creationId xmlns:a16="http://schemas.microsoft.com/office/drawing/2014/main" id="{A0EE193B-4117-4C87-9019-E0B91B710A26}"/>
+              </a:ext>
+            </a:extLst>
+          </p:cNvPr>
+          <p:cNvSpPr/>
+          <p:nvPr/>
+        </p:nvSpPr>
+        <p:spPr>
+          <a:xfrm>
+            <a:off x="1291050" y="2927900"/>
+            <a:ext cx="679994" cy="276999"/>
+          </a:xfrm>
+          <a:prstGeom prst="rect">
+            <a:avLst/>
+          </a:prstGeom>
+        </p:spPr>
+        <p:txBody>
+          <a:bodyPr wrap="none">
+            <a:spAutoFit/>
+          </a:bodyPr>
+          <a:lstStyle/>
+          <a:p>
+            <a:r>
+              <a:rPr lang="en-US" sz="1200" dirty="0"/>
+              <a:t>a, </a:t>
+            </a:r>
+            <a:r>
+              <a:rPr lang="el-GR" sz="1200" dirty="0"/>
+              <a:t>λ</a:t>
+            </a:r>
+            <a:r>
+              <a:rPr lang="en-US" sz="1200" dirty="0"/>
+              <a:t> -&gt; a</a:t>
+            </a:r>
+            <a:endParaRPr lang="en-US" sz="700" dirty="0"/>
+          </a:p>
+        </p:txBody>
+      </p:sp>
+      <p:sp>
+        <p:nvSpPr>
+          <p:cNvPr id="20" name="Rectangle 19">
+            <a:extLst>
+              <a:ext uri="{FF2B5EF4-FFF2-40B4-BE49-F238E27FC236}">
+                <a16:creationId xmlns:a16="http://schemas.microsoft.com/office/drawing/2014/main" id="{DBA1483A-AE50-4B3D-B59B-0BF4C3BB1604}"/>
+              </a:ext>
+            </a:extLst>
+          </p:cNvPr>
+          <p:cNvSpPr/>
+          <p:nvPr/>
+        </p:nvSpPr>
+        <p:spPr>
+          <a:xfrm>
+            <a:off x="3164738" y="2927900"/>
+            <a:ext cx="679994" cy="276999"/>
+          </a:xfrm>
+          <a:prstGeom prst="rect">
+            <a:avLst/>
+          </a:prstGeom>
+        </p:spPr>
+        <p:txBody>
+          <a:bodyPr wrap="none">
+            <a:spAutoFit/>
+          </a:bodyPr>
+          <a:lstStyle/>
+          <a:p>
+            <a:r>
+              <a:rPr lang="en-US" sz="1200" dirty="0"/>
+              <a:t>a, a -&gt; </a:t>
+            </a:r>
+            <a:r>
+              <a:rPr lang="el-GR" sz="1200" dirty="0"/>
+              <a:t>λ</a:t>
+            </a:r>
+            <a:endParaRPr lang="en-US" sz="700" dirty="0"/>
+          </a:p>
+        </p:txBody>
+      </p:sp>
+      <p:sp>
+        <p:nvSpPr>
+          <p:cNvPr id="21" name="Rectangle 20">
+            <a:extLst>
+              <a:ext uri="{FF2B5EF4-FFF2-40B4-BE49-F238E27FC236}">
+                <a16:creationId xmlns:a16="http://schemas.microsoft.com/office/drawing/2014/main" id="{391B5B5C-49A3-4D10-A720-402DEB879A8E}"/>
+              </a:ext>
+            </a:extLst>
+          </p:cNvPr>
+          <p:cNvSpPr/>
+          <p:nvPr/>
+        </p:nvSpPr>
+        <p:spPr>
+          <a:xfrm>
+            <a:off x="3164738" y="3198745"/>
+            <a:ext cx="679994" cy="276999"/>
+          </a:xfrm>
+          <a:prstGeom prst="rect">
+            <a:avLst/>
+          </a:prstGeom>
+        </p:spPr>
+        <p:txBody>
+          <a:bodyPr wrap="none">
+            <a:spAutoFit/>
+          </a:bodyPr>
+          <a:lstStyle/>
+          <a:p>
+            <a:r>
+              <a:rPr lang="en-US" sz="1200" dirty="0"/>
+              <a:t>b, b -&gt; </a:t>
+            </a:r>
+            <a:r>
+              <a:rPr lang="el-GR" sz="1200" dirty="0"/>
+              <a:t>λ</a:t>
+            </a:r>
+            <a:endParaRPr lang="en-US" sz="700" dirty="0"/>
+          </a:p>
+        </p:txBody>
+      </p:sp>
+      <p:sp>
+        <p:nvSpPr>
+          <p:cNvPr id="22" name="Rectangle 21">
+            <a:extLst>
+              <a:ext uri="{FF2B5EF4-FFF2-40B4-BE49-F238E27FC236}">
+                <a16:creationId xmlns:a16="http://schemas.microsoft.com/office/drawing/2014/main" id="{DC2EB35D-9CF0-4526-8380-8BB4D804A7C5}"/>
+              </a:ext>
+            </a:extLst>
+          </p:cNvPr>
+          <p:cNvSpPr/>
+          <p:nvPr/>
+        </p:nvSpPr>
+        <p:spPr>
+          <a:xfrm>
+            <a:off x="3164738" y="3461882"/>
+            <a:ext cx="679994" cy="276999"/>
+          </a:xfrm>
+          <a:prstGeom prst="rect">
+            <a:avLst/>
+          </a:prstGeom>
+        </p:spPr>
+        <p:txBody>
+          <a:bodyPr wrap="none">
+            <a:spAutoFit/>
+          </a:bodyPr>
+          <a:lstStyle/>
+          <a:p>
+            <a:r>
+              <a:rPr lang="en-US" sz="1200" dirty="0"/>
+              <a:t>c, c -&gt; </a:t>
+            </a:r>
+            <a:r>
+              <a:rPr lang="el-GR" sz="1200" dirty="0"/>
+              <a:t>λ</a:t>
+            </a:r>
+            <a:endParaRPr lang="en-US" sz="700" dirty="0"/>
+          </a:p>
+        </p:txBody>
+      </p:sp>
+      <p:cxnSp>
+        <p:nvCxnSpPr>
+          <p:cNvPr id="24" name="Connector: Curved 23">
+            <a:extLst>
+              <a:ext uri="{FF2B5EF4-FFF2-40B4-BE49-F238E27FC236}">
+                <a16:creationId xmlns:a16="http://schemas.microsoft.com/office/drawing/2014/main" id="{273EA901-DE68-4CDD-90C7-BBF0495927C4}"/>
+              </a:ext>
+            </a:extLst>
+          </p:cNvPr>
+          <p:cNvCxnSpPr>
+            <a:cxnSpLocks/>
+            <a:stCxn id="3" idx="3"/>
+            <a:endCxn id="3" idx="5"/>
+          </p:cNvCxnSpPr>
+          <p:nvPr/>
+        </p:nvCxnSpPr>
+        <p:spPr>
+          <a:xfrm rot="16200000" flipH="1">
+            <a:off x="1554042" y="2049678"/>
+            <a:ext cx="12700" cy="371926"/>
+          </a:xfrm>
+          <a:prstGeom prst="curvedConnector3">
+            <a:avLst>
+              <a:gd name="adj1" fmla="val 4866528"/>
+            </a:avLst>
+          </a:prstGeom>
+          <a:ln>
+            <a:tailEnd type="triangle"/>
+          </a:ln>
+        </p:spPr>
+        <p:style>
+          <a:lnRef idx="1">
+            <a:schemeClr val="dk1"/>
+          </a:lnRef>
+          <a:fillRef idx="0">
+            <a:schemeClr val="dk1"/>
+          </a:fillRef>
+          <a:effectRef idx="0">
+            <a:schemeClr val="dk1"/>
+          </a:effectRef>
+          <a:fontRef idx="minor">
+            <a:schemeClr val="tx1"/>
+          </a:fontRef>
+        </p:style>
+      </p:cxnSp>
+      <p:cxnSp>
+        <p:nvCxnSpPr>
+          <p:cNvPr id="31" name="Connector: Curved 30">
+            <a:extLst>
+              <a:ext uri="{FF2B5EF4-FFF2-40B4-BE49-F238E27FC236}">
+                <a16:creationId xmlns:a16="http://schemas.microsoft.com/office/drawing/2014/main" id="{AB38CF26-33AB-48EE-B14D-E2DB40D3929C}"/>
+              </a:ext>
+            </a:extLst>
+          </p:cNvPr>
+          <p:cNvCxnSpPr>
+            <a:cxnSpLocks/>
+            <a:stCxn id="7" idx="3"/>
+            <a:endCxn id="7" idx="5"/>
+          </p:cNvCxnSpPr>
+          <p:nvPr/>
+        </p:nvCxnSpPr>
+        <p:spPr>
+          <a:xfrm rot="16200000" flipH="1">
+            <a:off x="3429000" y="2045868"/>
+            <a:ext cx="12700" cy="371926"/>
+          </a:xfrm>
+          <a:prstGeom prst="curvedConnector3">
+            <a:avLst>
+              <a:gd name="adj1" fmla="val 4986528"/>
+            </a:avLst>
+          </a:prstGeom>
+          <a:ln>
+            <a:tailEnd type="triangle"/>
+          </a:ln>
+        </p:spPr>
+        <p:style>
+          <a:lnRef idx="1">
+            <a:schemeClr val="dk1"/>
+          </a:lnRef>
+          <a:fillRef idx="0">
+            <a:schemeClr val="dk1"/>
+          </a:fillRef>
+          <a:effectRef idx="0">
+            <a:schemeClr val="dk1"/>
+          </a:effectRef>
+          <a:fontRef idx="minor">
+            <a:schemeClr val="tx1"/>
+          </a:fontRef>
+        </p:style>
+      </p:cxnSp>
     </p:spTree>
     <p:extLst>
       <p:ext uri="{BB962C8B-B14F-4D97-AF65-F5344CB8AC3E}">
@@ -3874,7 +7229,7 @@
         </p:nvSpPr>
         <p:spPr>
           <a:xfrm>
-            <a:off x="1001490" y="1550466"/>
+            <a:off x="593155" y="3087399"/>
             <a:ext cx="525984" cy="525984"/>
           </a:xfrm>
           <a:prstGeom prst="ellipse">
@@ -3936,7 +7291,7 @@
         </p:nvCxnSpPr>
         <p:spPr>
           <a:xfrm>
-            <a:off x="585788" y="1813458"/>
+            <a:off x="177453" y="3350391"/>
             <a:ext cx="415702" cy="0"/>
           </a:xfrm>
           <a:prstGeom prst="straightConnector1">
@@ -3975,7 +7330,7 @@
         </p:nvSpPr>
         <p:spPr>
           <a:xfrm>
-            <a:off x="2233390" y="1550466"/>
+            <a:off x="6010526" y="3087736"/>
             <a:ext cx="525984" cy="525984"/>
           </a:xfrm>
           <a:prstGeom prst="ellipse">
@@ -4039,7 +7394,7 @@
         </p:nvSpPr>
         <p:spPr>
           <a:xfrm>
-            <a:off x="2184327" y="1501403"/>
+            <a:off x="5961463" y="3038673"/>
             <a:ext cx="624110" cy="624110"/>
           </a:xfrm>
           <a:prstGeom prst="ellipse">
@@ -4074,6 +7429,1004 @@
           <a:p>
             <a:pPr algn="ctr"/>
             <a:endParaRPr lang="en-US"/>
+          </a:p>
+        </p:txBody>
+      </p:sp>
+      <p:sp>
+        <p:nvSpPr>
+          <p:cNvPr id="11" name="Oval 10">
+            <a:extLst>
+              <a:ext uri="{FF2B5EF4-FFF2-40B4-BE49-F238E27FC236}">
+                <a16:creationId xmlns:a16="http://schemas.microsoft.com/office/drawing/2014/main" id="{5FDEF291-2B32-4741-B3E8-D44B1E0EF79E}"/>
+              </a:ext>
+            </a:extLst>
+          </p:cNvPr>
+          <p:cNvSpPr/>
+          <p:nvPr/>
+        </p:nvSpPr>
+        <p:spPr>
+          <a:xfrm>
+            <a:off x="1734542" y="3085896"/>
+            <a:ext cx="525984" cy="525984"/>
+          </a:xfrm>
+          <a:prstGeom prst="ellipse">
+            <a:avLst/>
+          </a:prstGeom>
+          <a:noFill/>
+          <a:ln w="28575">
+            <a:solidFill>
+              <a:schemeClr val="tx1"/>
+            </a:solidFill>
+          </a:ln>
+        </p:spPr>
+        <p:style>
+          <a:lnRef idx="2">
+            <a:schemeClr val="accent1">
+              <a:shade val="50000"/>
+            </a:schemeClr>
+          </a:lnRef>
+          <a:fillRef idx="1">
+            <a:schemeClr val="accent1"/>
+          </a:fillRef>
+          <a:effectRef idx="0">
+            <a:schemeClr val="accent1"/>
+          </a:effectRef>
+          <a:fontRef idx="minor">
+            <a:schemeClr val="lt1"/>
+          </a:fontRef>
+        </p:style>
+        <p:txBody>
+          <a:bodyPr rtlCol="0" anchor="ctr"/>
+          <a:lstStyle/>
+          <a:p>
+            <a:pPr algn="ctr"/>
+            <a:r>
+              <a:rPr lang="en-US" sz="1200" dirty="0">
+                <a:solidFill>
+                  <a:schemeClr val="tx1"/>
+                </a:solidFill>
+              </a:rPr>
+              <a:t>Q1</a:t>
+            </a:r>
+          </a:p>
+        </p:txBody>
+      </p:sp>
+      <p:cxnSp>
+        <p:nvCxnSpPr>
+          <p:cNvPr id="12" name="Straight Arrow Connector 11">
+            <a:extLst>
+              <a:ext uri="{FF2B5EF4-FFF2-40B4-BE49-F238E27FC236}">
+                <a16:creationId xmlns:a16="http://schemas.microsoft.com/office/drawing/2014/main" id="{86888925-9EC9-4653-A949-717354CB913F}"/>
+              </a:ext>
+            </a:extLst>
+          </p:cNvPr>
+          <p:cNvCxnSpPr>
+            <a:cxnSpLocks/>
+            <a:stCxn id="3" idx="6"/>
+            <a:endCxn id="11" idx="2"/>
+          </p:cNvCxnSpPr>
+          <p:nvPr/>
+        </p:nvCxnSpPr>
+        <p:spPr>
+          <a:xfrm flipV="1">
+            <a:off x="1119139" y="3348888"/>
+            <a:ext cx="615403" cy="1503"/>
+          </a:xfrm>
+          <a:prstGeom prst="straightConnector1">
+            <a:avLst/>
+          </a:prstGeom>
+          <a:ln>
+            <a:tailEnd type="triangle"/>
+          </a:ln>
+        </p:spPr>
+        <p:style>
+          <a:lnRef idx="1">
+            <a:schemeClr val="dk1"/>
+          </a:lnRef>
+          <a:fillRef idx="0">
+            <a:schemeClr val="dk1"/>
+          </a:fillRef>
+          <a:effectRef idx="0">
+            <a:schemeClr val="dk1"/>
+          </a:effectRef>
+          <a:fontRef idx="minor">
+            <a:schemeClr val="tx1"/>
+          </a:fontRef>
+        </p:style>
+      </p:cxnSp>
+      <p:sp>
+        <p:nvSpPr>
+          <p:cNvPr id="14" name="Oval 13">
+            <a:extLst>
+              <a:ext uri="{FF2B5EF4-FFF2-40B4-BE49-F238E27FC236}">
+                <a16:creationId xmlns:a16="http://schemas.microsoft.com/office/drawing/2014/main" id="{7EE34AFE-F977-4283-958E-4F2BAE8A148C}"/>
+              </a:ext>
+            </a:extLst>
+          </p:cNvPr>
+          <p:cNvSpPr/>
+          <p:nvPr/>
+        </p:nvSpPr>
+        <p:spPr>
+          <a:xfrm>
+            <a:off x="2875930" y="3090173"/>
+            <a:ext cx="525984" cy="525984"/>
+          </a:xfrm>
+          <a:prstGeom prst="ellipse">
+            <a:avLst/>
+          </a:prstGeom>
+          <a:noFill/>
+          <a:ln w="28575">
+            <a:solidFill>
+              <a:schemeClr val="tx1"/>
+            </a:solidFill>
+          </a:ln>
+        </p:spPr>
+        <p:style>
+          <a:lnRef idx="2">
+            <a:schemeClr val="accent1">
+              <a:shade val="50000"/>
+            </a:schemeClr>
+          </a:lnRef>
+          <a:fillRef idx="1">
+            <a:schemeClr val="accent1"/>
+          </a:fillRef>
+          <a:effectRef idx="0">
+            <a:schemeClr val="accent1"/>
+          </a:effectRef>
+          <a:fontRef idx="minor">
+            <a:schemeClr val="lt1"/>
+          </a:fontRef>
+        </p:style>
+        <p:txBody>
+          <a:bodyPr rtlCol="0" anchor="ctr"/>
+          <a:lstStyle/>
+          <a:p>
+            <a:pPr algn="ctr"/>
+            <a:r>
+              <a:rPr lang="en-US" sz="1200" dirty="0">
+                <a:solidFill>
+                  <a:schemeClr val="tx1"/>
+                </a:solidFill>
+              </a:rPr>
+              <a:t>Q2</a:t>
+            </a:r>
+          </a:p>
+        </p:txBody>
+      </p:sp>
+      <p:cxnSp>
+        <p:nvCxnSpPr>
+          <p:cNvPr id="15" name="Straight Arrow Connector 14">
+            <a:extLst>
+              <a:ext uri="{FF2B5EF4-FFF2-40B4-BE49-F238E27FC236}">
+                <a16:creationId xmlns:a16="http://schemas.microsoft.com/office/drawing/2014/main" id="{2049008A-0FC6-47E6-B33C-BCA25169D1BE}"/>
+              </a:ext>
+            </a:extLst>
+          </p:cNvPr>
+          <p:cNvCxnSpPr>
+            <a:cxnSpLocks/>
+            <a:stCxn id="11" idx="6"/>
+            <a:endCxn id="14" idx="2"/>
+          </p:cNvCxnSpPr>
+          <p:nvPr/>
+        </p:nvCxnSpPr>
+        <p:spPr>
+          <a:xfrm>
+            <a:off x="2260526" y="3348888"/>
+            <a:ext cx="615404" cy="4277"/>
+          </a:xfrm>
+          <a:prstGeom prst="straightConnector1">
+            <a:avLst/>
+          </a:prstGeom>
+          <a:ln>
+            <a:tailEnd type="triangle"/>
+          </a:ln>
+        </p:spPr>
+        <p:style>
+          <a:lnRef idx="1">
+            <a:schemeClr val="dk1"/>
+          </a:lnRef>
+          <a:fillRef idx="0">
+            <a:schemeClr val="dk1"/>
+          </a:fillRef>
+          <a:effectRef idx="0">
+            <a:schemeClr val="dk1"/>
+          </a:effectRef>
+          <a:fontRef idx="minor">
+            <a:schemeClr val="tx1"/>
+          </a:fontRef>
+        </p:style>
+      </p:cxnSp>
+      <p:sp>
+        <p:nvSpPr>
+          <p:cNvPr id="20" name="Oval 19">
+            <a:extLst>
+              <a:ext uri="{FF2B5EF4-FFF2-40B4-BE49-F238E27FC236}">
+                <a16:creationId xmlns:a16="http://schemas.microsoft.com/office/drawing/2014/main" id="{242620C7-10BE-4B3C-8932-5789A0DAA8DA}"/>
+              </a:ext>
+            </a:extLst>
+          </p:cNvPr>
+          <p:cNvSpPr/>
+          <p:nvPr/>
+        </p:nvSpPr>
+        <p:spPr>
+          <a:xfrm>
+            <a:off x="3892712" y="3085896"/>
+            <a:ext cx="525984" cy="525984"/>
+          </a:xfrm>
+          <a:prstGeom prst="ellipse">
+            <a:avLst/>
+          </a:prstGeom>
+          <a:noFill/>
+          <a:ln w="28575">
+            <a:solidFill>
+              <a:schemeClr val="tx1"/>
+            </a:solidFill>
+          </a:ln>
+        </p:spPr>
+        <p:style>
+          <a:lnRef idx="2">
+            <a:schemeClr val="accent1">
+              <a:shade val="50000"/>
+            </a:schemeClr>
+          </a:lnRef>
+          <a:fillRef idx="1">
+            <a:schemeClr val="accent1"/>
+          </a:fillRef>
+          <a:effectRef idx="0">
+            <a:schemeClr val="accent1"/>
+          </a:effectRef>
+          <a:fontRef idx="minor">
+            <a:schemeClr val="lt1"/>
+          </a:fontRef>
+        </p:style>
+        <p:txBody>
+          <a:bodyPr rtlCol="0" anchor="ctr"/>
+          <a:lstStyle/>
+          <a:p>
+            <a:pPr algn="ctr"/>
+            <a:r>
+              <a:rPr lang="en-US" sz="1200" dirty="0">
+                <a:solidFill>
+                  <a:schemeClr val="tx1"/>
+                </a:solidFill>
+              </a:rPr>
+              <a:t>Q3</a:t>
+            </a:r>
+          </a:p>
+        </p:txBody>
+      </p:sp>
+      <p:cxnSp>
+        <p:nvCxnSpPr>
+          <p:cNvPr id="21" name="Straight Arrow Connector 20">
+            <a:extLst>
+              <a:ext uri="{FF2B5EF4-FFF2-40B4-BE49-F238E27FC236}">
+                <a16:creationId xmlns:a16="http://schemas.microsoft.com/office/drawing/2014/main" id="{C6E6BA10-4A56-4F36-B0C8-88330209EF86}"/>
+              </a:ext>
+            </a:extLst>
+          </p:cNvPr>
+          <p:cNvCxnSpPr>
+            <a:cxnSpLocks/>
+            <a:stCxn id="14" idx="6"/>
+            <a:endCxn id="20" idx="2"/>
+          </p:cNvCxnSpPr>
+          <p:nvPr/>
+        </p:nvCxnSpPr>
+        <p:spPr>
+          <a:xfrm flipV="1">
+            <a:off x="3401914" y="3348888"/>
+            <a:ext cx="490798" cy="4277"/>
+          </a:xfrm>
+          <a:prstGeom prst="straightConnector1">
+            <a:avLst/>
+          </a:prstGeom>
+          <a:ln>
+            <a:tailEnd type="triangle"/>
+          </a:ln>
+        </p:spPr>
+        <p:style>
+          <a:lnRef idx="1">
+            <a:schemeClr val="dk1"/>
+          </a:lnRef>
+          <a:fillRef idx="0">
+            <a:schemeClr val="dk1"/>
+          </a:fillRef>
+          <a:effectRef idx="0">
+            <a:schemeClr val="dk1"/>
+          </a:effectRef>
+          <a:fontRef idx="minor">
+            <a:schemeClr val="tx1"/>
+          </a:fontRef>
+        </p:style>
+      </p:cxnSp>
+      <p:sp>
+        <p:nvSpPr>
+          <p:cNvPr id="25" name="Oval 24">
+            <a:extLst>
+              <a:ext uri="{FF2B5EF4-FFF2-40B4-BE49-F238E27FC236}">
+                <a16:creationId xmlns:a16="http://schemas.microsoft.com/office/drawing/2014/main" id="{BA86FC98-5A8B-47F6-8EBE-1DC32BA72196}"/>
+              </a:ext>
+            </a:extLst>
+          </p:cNvPr>
+          <p:cNvSpPr/>
+          <p:nvPr/>
+        </p:nvSpPr>
+        <p:spPr>
+          <a:xfrm>
+            <a:off x="4989390" y="3085896"/>
+            <a:ext cx="525984" cy="525984"/>
+          </a:xfrm>
+          <a:prstGeom prst="ellipse">
+            <a:avLst/>
+          </a:prstGeom>
+          <a:noFill/>
+          <a:ln w="28575">
+            <a:solidFill>
+              <a:schemeClr val="tx1"/>
+            </a:solidFill>
+          </a:ln>
+        </p:spPr>
+        <p:style>
+          <a:lnRef idx="2">
+            <a:schemeClr val="accent1">
+              <a:shade val="50000"/>
+            </a:schemeClr>
+          </a:lnRef>
+          <a:fillRef idx="1">
+            <a:schemeClr val="accent1"/>
+          </a:fillRef>
+          <a:effectRef idx="0">
+            <a:schemeClr val="accent1"/>
+          </a:effectRef>
+          <a:fontRef idx="minor">
+            <a:schemeClr val="lt1"/>
+          </a:fontRef>
+        </p:style>
+        <p:txBody>
+          <a:bodyPr rtlCol="0" anchor="ctr"/>
+          <a:lstStyle/>
+          <a:p>
+            <a:pPr algn="ctr"/>
+            <a:r>
+              <a:rPr lang="en-US" sz="1200" dirty="0">
+                <a:solidFill>
+                  <a:schemeClr val="tx1"/>
+                </a:solidFill>
+              </a:rPr>
+              <a:t>Q4</a:t>
+            </a:r>
+          </a:p>
+        </p:txBody>
+      </p:sp>
+      <p:cxnSp>
+        <p:nvCxnSpPr>
+          <p:cNvPr id="26" name="Straight Arrow Connector 25">
+            <a:extLst>
+              <a:ext uri="{FF2B5EF4-FFF2-40B4-BE49-F238E27FC236}">
+                <a16:creationId xmlns:a16="http://schemas.microsoft.com/office/drawing/2014/main" id="{DB4CD6A0-953F-4DCE-9F25-0E3681DF5A5B}"/>
+              </a:ext>
+            </a:extLst>
+          </p:cNvPr>
+          <p:cNvCxnSpPr>
+            <a:cxnSpLocks/>
+            <a:stCxn id="20" idx="6"/>
+            <a:endCxn id="25" idx="2"/>
+          </p:cNvCxnSpPr>
+          <p:nvPr/>
+        </p:nvCxnSpPr>
+        <p:spPr>
+          <a:xfrm>
+            <a:off x="4418696" y="3348888"/>
+            <a:ext cx="570694" cy="0"/>
+          </a:xfrm>
+          <a:prstGeom prst="straightConnector1">
+            <a:avLst/>
+          </a:prstGeom>
+          <a:ln>
+            <a:tailEnd type="triangle"/>
+          </a:ln>
+        </p:spPr>
+        <p:style>
+          <a:lnRef idx="1">
+            <a:schemeClr val="dk1"/>
+          </a:lnRef>
+          <a:fillRef idx="0">
+            <a:schemeClr val="dk1"/>
+          </a:fillRef>
+          <a:effectRef idx="0">
+            <a:schemeClr val="dk1"/>
+          </a:effectRef>
+          <a:fontRef idx="minor">
+            <a:schemeClr val="tx1"/>
+          </a:fontRef>
+        </p:style>
+      </p:cxnSp>
+      <p:cxnSp>
+        <p:nvCxnSpPr>
+          <p:cNvPr id="29" name="Straight Arrow Connector 28">
+            <a:extLst>
+              <a:ext uri="{FF2B5EF4-FFF2-40B4-BE49-F238E27FC236}">
+                <a16:creationId xmlns:a16="http://schemas.microsoft.com/office/drawing/2014/main" id="{7B95B760-4EB0-48AB-8015-DC54E8060BDB}"/>
+              </a:ext>
+            </a:extLst>
+          </p:cNvPr>
+          <p:cNvCxnSpPr>
+            <a:cxnSpLocks/>
+            <a:stCxn id="25" idx="6"/>
+            <a:endCxn id="5" idx="2"/>
+          </p:cNvCxnSpPr>
+          <p:nvPr/>
+        </p:nvCxnSpPr>
+        <p:spPr>
+          <a:xfrm>
+            <a:off x="5515374" y="3348888"/>
+            <a:ext cx="495152" cy="1840"/>
+          </a:xfrm>
+          <a:prstGeom prst="straightConnector1">
+            <a:avLst/>
+          </a:prstGeom>
+          <a:ln>
+            <a:tailEnd type="triangle"/>
+          </a:ln>
+        </p:spPr>
+        <p:style>
+          <a:lnRef idx="1">
+            <a:schemeClr val="dk1"/>
+          </a:lnRef>
+          <a:fillRef idx="0">
+            <a:schemeClr val="dk1"/>
+          </a:fillRef>
+          <a:effectRef idx="0">
+            <a:schemeClr val="dk1"/>
+          </a:effectRef>
+          <a:fontRef idx="minor">
+            <a:schemeClr val="tx1"/>
+          </a:fontRef>
+        </p:style>
+      </p:cxnSp>
+      <p:cxnSp>
+        <p:nvCxnSpPr>
+          <p:cNvPr id="41" name="Connector: Curved 40">
+            <a:extLst>
+              <a:ext uri="{FF2B5EF4-FFF2-40B4-BE49-F238E27FC236}">
+                <a16:creationId xmlns:a16="http://schemas.microsoft.com/office/drawing/2014/main" id="{7F64937B-4323-4242-9631-487AA5EB765F}"/>
+              </a:ext>
+            </a:extLst>
+          </p:cNvPr>
+          <p:cNvCxnSpPr>
+            <a:cxnSpLocks/>
+            <a:stCxn id="11" idx="1"/>
+            <a:endCxn id="11" idx="7"/>
+          </p:cNvCxnSpPr>
+          <p:nvPr/>
+        </p:nvCxnSpPr>
+        <p:spPr>
+          <a:xfrm rot="5400000" flipH="1" flipV="1">
+            <a:off x="1997534" y="2976962"/>
+            <a:ext cx="12700" cy="371926"/>
+          </a:xfrm>
+          <a:prstGeom prst="curvedConnector3">
+            <a:avLst>
+              <a:gd name="adj1" fmla="val 4446528"/>
+            </a:avLst>
+          </a:prstGeom>
+          <a:ln>
+            <a:tailEnd type="triangle"/>
+          </a:ln>
+        </p:spPr>
+        <p:style>
+          <a:lnRef idx="1">
+            <a:schemeClr val="dk1"/>
+          </a:lnRef>
+          <a:fillRef idx="0">
+            <a:schemeClr val="dk1"/>
+          </a:fillRef>
+          <a:effectRef idx="0">
+            <a:schemeClr val="dk1"/>
+          </a:effectRef>
+          <a:fontRef idx="minor">
+            <a:schemeClr val="tx1"/>
+          </a:fontRef>
+        </p:style>
+      </p:cxnSp>
+      <p:cxnSp>
+        <p:nvCxnSpPr>
+          <p:cNvPr id="45" name="Connector: Curved 44">
+            <a:extLst>
+              <a:ext uri="{FF2B5EF4-FFF2-40B4-BE49-F238E27FC236}">
+                <a16:creationId xmlns:a16="http://schemas.microsoft.com/office/drawing/2014/main" id="{E7A47F83-6350-402D-89A3-B9E25E940C66}"/>
+              </a:ext>
+            </a:extLst>
+          </p:cNvPr>
+          <p:cNvCxnSpPr>
+            <a:cxnSpLocks/>
+            <a:stCxn id="14" idx="1"/>
+            <a:endCxn id="14" idx="7"/>
+          </p:cNvCxnSpPr>
+          <p:nvPr/>
+        </p:nvCxnSpPr>
+        <p:spPr>
+          <a:xfrm rot="5400000" flipH="1" flipV="1">
+            <a:off x="3138922" y="2981239"/>
+            <a:ext cx="12700" cy="371926"/>
+          </a:xfrm>
+          <a:prstGeom prst="curvedConnector3">
+            <a:avLst>
+              <a:gd name="adj1" fmla="val 4566528"/>
+            </a:avLst>
+          </a:prstGeom>
+          <a:ln>
+            <a:tailEnd type="triangle"/>
+          </a:ln>
+        </p:spPr>
+        <p:style>
+          <a:lnRef idx="1">
+            <a:schemeClr val="dk1"/>
+          </a:lnRef>
+          <a:fillRef idx="0">
+            <a:schemeClr val="dk1"/>
+          </a:fillRef>
+          <a:effectRef idx="0">
+            <a:schemeClr val="dk1"/>
+          </a:effectRef>
+          <a:fontRef idx="minor">
+            <a:schemeClr val="tx1"/>
+          </a:fontRef>
+        </p:style>
+      </p:cxnSp>
+      <p:cxnSp>
+        <p:nvCxnSpPr>
+          <p:cNvPr id="49" name="Connector: Curved 48">
+            <a:extLst>
+              <a:ext uri="{FF2B5EF4-FFF2-40B4-BE49-F238E27FC236}">
+                <a16:creationId xmlns:a16="http://schemas.microsoft.com/office/drawing/2014/main" id="{A604BA25-4778-4ADA-B77F-2258C7488154}"/>
+              </a:ext>
+            </a:extLst>
+          </p:cNvPr>
+          <p:cNvCxnSpPr>
+            <a:cxnSpLocks/>
+            <a:stCxn id="20" idx="1"/>
+            <a:endCxn id="20" idx="7"/>
+          </p:cNvCxnSpPr>
+          <p:nvPr/>
+        </p:nvCxnSpPr>
+        <p:spPr>
+          <a:xfrm rot="5400000" flipH="1" flipV="1">
+            <a:off x="4155704" y="2976962"/>
+            <a:ext cx="12700" cy="371926"/>
+          </a:xfrm>
+          <a:prstGeom prst="curvedConnector3">
+            <a:avLst>
+              <a:gd name="adj1" fmla="val 4866528"/>
+            </a:avLst>
+          </a:prstGeom>
+          <a:ln>
+            <a:tailEnd type="triangle"/>
+          </a:ln>
+        </p:spPr>
+        <p:style>
+          <a:lnRef idx="1">
+            <a:schemeClr val="dk1"/>
+          </a:lnRef>
+          <a:fillRef idx="0">
+            <a:schemeClr val="dk1"/>
+          </a:fillRef>
+          <a:effectRef idx="0">
+            <a:schemeClr val="dk1"/>
+          </a:effectRef>
+          <a:fontRef idx="minor">
+            <a:schemeClr val="tx1"/>
+          </a:fontRef>
+        </p:style>
+      </p:cxnSp>
+      <p:cxnSp>
+        <p:nvCxnSpPr>
+          <p:cNvPr id="53" name="Connector: Curved 52">
+            <a:extLst>
+              <a:ext uri="{FF2B5EF4-FFF2-40B4-BE49-F238E27FC236}">
+                <a16:creationId xmlns:a16="http://schemas.microsoft.com/office/drawing/2014/main" id="{70B2923D-E551-4D58-AF42-A4D2F5710CC3}"/>
+              </a:ext>
+            </a:extLst>
+          </p:cNvPr>
+          <p:cNvCxnSpPr>
+            <a:cxnSpLocks/>
+            <a:stCxn id="25" idx="1"/>
+            <a:endCxn id="25" idx="7"/>
+          </p:cNvCxnSpPr>
+          <p:nvPr/>
+        </p:nvCxnSpPr>
+        <p:spPr>
+          <a:xfrm rot="5400000" flipH="1" flipV="1">
+            <a:off x="5252382" y="2976962"/>
+            <a:ext cx="12700" cy="371926"/>
+          </a:xfrm>
+          <a:prstGeom prst="curvedConnector3">
+            <a:avLst>
+              <a:gd name="adj1" fmla="val 4746528"/>
+            </a:avLst>
+          </a:prstGeom>
+          <a:ln>
+            <a:tailEnd type="triangle"/>
+          </a:ln>
+        </p:spPr>
+        <p:style>
+          <a:lnRef idx="1">
+            <a:schemeClr val="dk1"/>
+          </a:lnRef>
+          <a:fillRef idx="0">
+            <a:schemeClr val="dk1"/>
+          </a:fillRef>
+          <a:effectRef idx="0">
+            <a:schemeClr val="dk1"/>
+          </a:effectRef>
+          <a:fontRef idx="minor">
+            <a:schemeClr val="tx1"/>
+          </a:fontRef>
+        </p:style>
+      </p:cxnSp>
+      <p:sp>
+        <p:nvSpPr>
+          <p:cNvPr id="58" name="Rectangle 57">
+            <a:extLst>
+              <a:ext uri="{FF2B5EF4-FFF2-40B4-BE49-F238E27FC236}">
+                <a16:creationId xmlns:a16="http://schemas.microsoft.com/office/drawing/2014/main" id="{566304C3-B81E-407D-9E27-CC960EE3C907}"/>
+              </a:ext>
+            </a:extLst>
+          </p:cNvPr>
+          <p:cNvSpPr/>
+          <p:nvPr/>
+        </p:nvSpPr>
+        <p:spPr>
+          <a:xfrm>
+            <a:off x="1071594" y="3437295"/>
+            <a:ext cx="679994" cy="276999"/>
+          </a:xfrm>
+          <a:prstGeom prst="rect">
+            <a:avLst/>
+          </a:prstGeom>
+        </p:spPr>
+        <p:txBody>
+          <a:bodyPr wrap="none">
+            <a:spAutoFit/>
+          </a:bodyPr>
+          <a:lstStyle/>
+          <a:p>
+            <a:r>
+              <a:rPr lang="en-US" sz="1200" dirty="0"/>
+              <a:t>a, </a:t>
+            </a:r>
+            <a:r>
+              <a:rPr lang="el-GR" sz="1200" dirty="0"/>
+              <a:t>λ</a:t>
+            </a:r>
+            <a:r>
+              <a:rPr lang="en-US" sz="1200" dirty="0"/>
+              <a:t> -&gt; 1</a:t>
+            </a:r>
+            <a:endParaRPr lang="en-US" sz="700" dirty="0"/>
+          </a:p>
+        </p:txBody>
+      </p:sp>
+      <p:sp>
+        <p:nvSpPr>
+          <p:cNvPr id="59" name="Rectangle 58">
+            <a:extLst>
+              <a:ext uri="{FF2B5EF4-FFF2-40B4-BE49-F238E27FC236}">
+                <a16:creationId xmlns:a16="http://schemas.microsoft.com/office/drawing/2014/main" id="{7DDECF1D-3EE3-4D4F-9ADC-0DA3A6BEC3C5}"/>
+              </a:ext>
+            </a:extLst>
+          </p:cNvPr>
+          <p:cNvSpPr/>
+          <p:nvPr/>
+        </p:nvSpPr>
+        <p:spPr>
+          <a:xfrm>
+            <a:off x="2195935" y="3458815"/>
+            <a:ext cx="681597" cy="276999"/>
+          </a:xfrm>
+          <a:prstGeom prst="rect">
+            <a:avLst/>
+          </a:prstGeom>
+        </p:spPr>
+        <p:txBody>
+          <a:bodyPr wrap="none">
+            <a:spAutoFit/>
+          </a:bodyPr>
+          <a:lstStyle/>
+          <a:p>
+            <a:r>
+              <a:rPr lang="en-US" sz="1200" dirty="0"/>
+              <a:t>b, 1 -&gt; </a:t>
+            </a:r>
+            <a:r>
+              <a:rPr lang="el-GR" sz="1200" dirty="0"/>
+              <a:t>λ</a:t>
+            </a:r>
+            <a:endParaRPr lang="en-US" sz="700" dirty="0"/>
+          </a:p>
+        </p:txBody>
+      </p:sp>
+      <p:sp>
+        <p:nvSpPr>
+          <p:cNvPr id="60" name="Rectangle 59">
+            <a:extLst>
+              <a:ext uri="{FF2B5EF4-FFF2-40B4-BE49-F238E27FC236}">
+                <a16:creationId xmlns:a16="http://schemas.microsoft.com/office/drawing/2014/main" id="{2B1E08EA-564A-4BBE-9921-0CFF8376D9CF}"/>
+              </a:ext>
+            </a:extLst>
+          </p:cNvPr>
+          <p:cNvSpPr/>
+          <p:nvPr/>
+        </p:nvSpPr>
+        <p:spPr>
+          <a:xfrm>
+            <a:off x="3329671" y="3437296"/>
+            <a:ext cx="679994" cy="276999"/>
+          </a:xfrm>
+          <a:prstGeom prst="rect">
+            <a:avLst/>
+          </a:prstGeom>
+        </p:spPr>
+        <p:txBody>
+          <a:bodyPr wrap="none">
+            <a:spAutoFit/>
+          </a:bodyPr>
+          <a:lstStyle/>
+          <a:p>
+            <a:r>
+              <a:rPr lang="en-US" sz="1200" dirty="0"/>
+              <a:t>b, </a:t>
+            </a:r>
+            <a:r>
+              <a:rPr lang="el-GR" sz="1200" dirty="0"/>
+              <a:t>λ</a:t>
+            </a:r>
+            <a:r>
+              <a:rPr lang="en-US" sz="1200" dirty="0"/>
+              <a:t> -&gt; 1</a:t>
+            </a:r>
+            <a:endParaRPr lang="en-US" sz="700" dirty="0"/>
+          </a:p>
+        </p:txBody>
+      </p:sp>
+      <p:sp>
+        <p:nvSpPr>
+          <p:cNvPr id="61" name="Rectangle 60">
+            <a:extLst>
+              <a:ext uri="{FF2B5EF4-FFF2-40B4-BE49-F238E27FC236}">
+                <a16:creationId xmlns:a16="http://schemas.microsoft.com/office/drawing/2014/main" id="{5C3DC3A1-A1B7-4B5A-ADEA-63E263BC6CE8}"/>
+              </a:ext>
+            </a:extLst>
+          </p:cNvPr>
+          <p:cNvSpPr/>
+          <p:nvPr/>
+        </p:nvSpPr>
+        <p:spPr>
+          <a:xfrm>
+            <a:off x="4392775" y="3458814"/>
+            <a:ext cx="679994" cy="276999"/>
+          </a:xfrm>
+          <a:prstGeom prst="rect">
+            <a:avLst/>
+          </a:prstGeom>
+        </p:spPr>
+        <p:txBody>
+          <a:bodyPr wrap="none">
+            <a:spAutoFit/>
+          </a:bodyPr>
+          <a:lstStyle/>
+          <a:p>
+            <a:r>
+              <a:rPr lang="en-US" sz="1200" dirty="0"/>
+              <a:t>a, 1 -&gt; </a:t>
+            </a:r>
+            <a:r>
+              <a:rPr lang="el-GR" sz="1200" dirty="0"/>
+              <a:t>λ</a:t>
+            </a:r>
+            <a:endParaRPr lang="en-US" sz="700" dirty="0"/>
+          </a:p>
+        </p:txBody>
+      </p:sp>
+      <p:sp>
+        <p:nvSpPr>
+          <p:cNvPr id="66" name="Rectangle 65">
+            <a:extLst>
+              <a:ext uri="{FF2B5EF4-FFF2-40B4-BE49-F238E27FC236}">
+                <a16:creationId xmlns:a16="http://schemas.microsoft.com/office/drawing/2014/main" id="{7B1917A0-20E2-47B7-BDE0-5615B0880001}"/>
+              </a:ext>
+            </a:extLst>
+          </p:cNvPr>
+          <p:cNvSpPr/>
+          <p:nvPr/>
+        </p:nvSpPr>
+        <p:spPr>
+          <a:xfrm>
+            <a:off x="5406074" y="3465457"/>
+            <a:ext cx="679994" cy="276999"/>
+          </a:xfrm>
+          <a:prstGeom prst="rect">
+            <a:avLst/>
+          </a:prstGeom>
+        </p:spPr>
+        <p:txBody>
+          <a:bodyPr wrap="none">
+            <a:spAutoFit/>
+          </a:bodyPr>
+          <a:lstStyle/>
+          <a:p>
+            <a:r>
+              <a:rPr lang="el-GR" sz="1200" dirty="0"/>
+              <a:t>λ</a:t>
+            </a:r>
+            <a:r>
+              <a:rPr lang="en-US" sz="1200" dirty="0"/>
+              <a:t>, $ -&gt; $</a:t>
+            </a:r>
+            <a:endParaRPr lang="en-US" sz="700" dirty="0"/>
+          </a:p>
+        </p:txBody>
+      </p:sp>
+      <p:sp>
+        <p:nvSpPr>
+          <p:cNvPr id="67" name="Rectangle 66">
+            <a:extLst>
+              <a:ext uri="{FF2B5EF4-FFF2-40B4-BE49-F238E27FC236}">
+                <a16:creationId xmlns:a16="http://schemas.microsoft.com/office/drawing/2014/main" id="{955A3FC0-AF70-4455-82B5-A4148AA5B497}"/>
+              </a:ext>
+            </a:extLst>
+          </p:cNvPr>
+          <p:cNvSpPr/>
+          <p:nvPr/>
+        </p:nvSpPr>
+        <p:spPr>
+          <a:xfrm>
+            <a:off x="1734542" y="2288882"/>
+            <a:ext cx="679994" cy="276999"/>
+          </a:xfrm>
+          <a:prstGeom prst="rect">
+            <a:avLst/>
+          </a:prstGeom>
+        </p:spPr>
+        <p:txBody>
+          <a:bodyPr wrap="none">
+            <a:spAutoFit/>
+          </a:bodyPr>
+          <a:lstStyle/>
+          <a:p>
+            <a:r>
+              <a:rPr lang="en-US" sz="1200" dirty="0"/>
+              <a:t>a, </a:t>
+            </a:r>
+            <a:r>
+              <a:rPr lang="el-GR" sz="1200" dirty="0"/>
+              <a:t>λ</a:t>
+            </a:r>
+            <a:r>
+              <a:rPr lang="en-US" sz="1200" dirty="0"/>
+              <a:t> -&gt; 1</a:t>
+            </a:r>
+            <a:endParaRPr lang="en-US" sz="700" dirty="0"/>
+          </a:p>
+        </p:txBody>
+      </p:sp>
+      <p:sp>
+        <p:nvSpPr>
+          <p:cNvPr id="69" name="Rectangle 68">
+            <a:extLst>
+              <a:ext uri="{FF2B5EF4-FFF2-40B4-BE49-F238E27FC236}">
+                <a16:creationId xmlns:a16="http://schemas.microsoft.com/office/drawing/2014/main" id="{6F27990F-801A-45FE-A92A-A0156532E904}"/>
+              </a:ext>
+            </a:extLst>
+          </p:cNvPr>
+          <p:cNvSpPr/>
+          <p:nvPr/>
+        </p:nvSpPr>
+        <p:spPr>
+          <a:xfrm>
+            <a:off x="2757699" y="2275701"/>
+            <a:ext cx="681597" cy="276999"/>
+          </a:xfrm>
+          <a:prstGeom prst="rect">
+            <a:avLst/>
+          </a:prstGeom>
+        </p:spPr>
+        <p:txBody>
+          <a:bodyPr wrap="none">
+            <a:spAutoFit/>
+          </a:bodyPr>
+          <a:lstStyle/>
+          <a:p>
+            <a:r>
+              <a:rPr lang="en-US" sz="1200" dirty="0"/>
+              <a:t>b, 1 -&gt; </a:t>
+            </a:r>
+            <a:r>
+              <a:rPr lang="el-GR" sz="1200" dirty="0"/>
+              <a:t>λ</a:t>
+            </a:r>
+            <a:endParaRPr lang="en-US" sz="700" dirty="0"/>
+          </a:p>
+        </p:txBody>
+      </p:sp>
+      <p:sp>
+        <p:nvSpPr>
+          <p:cNvPr id="70" name="Rectangle 69">
+            <a:extLst>
+              <a:ext uri="{FF2B5EF4-FFF2-40B4-BE49-F238E27FC236}">
+                <a16:creationId xmlns:a16="http://schemas.microsoft.com/office/drawing/2014/main" id="{1F7E788B-B038-4C93-953A-D7924C0DBD2E}"/>
+              </a:ext>
+            </a:extLst>
+          </p:cNvPr>
+          <p:cNvSpPr/>
+          <p:nvPr/>
+        </p:nvSpPr>
+        <p:spPr>
+          <a:xfrm>
+            <a:off x="3839223" y="2266997"/>
+            <a:ext cx="679994" cy="276999"/>
+          </a:xfrm>
+          <a:prstGeom prst="rect">
+            <a:avLst/>
+          </a:prstGeom>
+        </p:spPr>
+        <p:txBody>
+          <a:bodyPr wrap="none">
+            <a:spAutoFit/>
+          </a:bodyPr>
+          <a:lstStyle/>
+          <a:p>
+            <a:r>
+              <a:rPr lang="en-US" sz="1200" dirty="0"/>
+              <a:t>b, </a:t>
+            </a:r>
+            <a:r>
+              <a:rPr lang="el-GR" sz="1200" dirty="0"/>
+              <a:t>λ</a:t>
+            </a:r>
+            <a:r>
+              <a:rPr lang="en-US" sz="1200" dirty="0"/>
+              <a:t> -&gt; 1</a:t>
+            </a:r>
+            <a:endParaRPr lang="en-US" sz="700" dirty="0"/>
+          </a:p>
+        </p:txBody>
+      </p:sp>
+      <p:sp>
+        <p:nvSpPr>
+          <p:cNvPr id="71" name="Rectangle 70">
+            <a:extLst>
+              <a:ext uri="{FF2B5EF4-FFF2-40B4-BE49-F238E27FC236}">
+                <a16:creationId xmlns:a16="http://schemas.microsoft.com/office/drawing/2014/main" id="{7FE63A95-BBC8-431F-BCF4-4CEB02A1F700}"/>
+              </a:ext>
+            </a:extLst>
+          </p:cNvPr>
+          <p:cNvSpPr/>
+          <p:nvPr/>
+        </p:nvSpPr>
+        <p:spPr>
+          <a:xfrm>
+            <a:off x="4918735" y="2266998"/>
+            <a:ext cx="675185" cy="276999"/>
+          </a:xfrm>
+          <a:prstGeom prst="rect">
+            <a:avLst/>
+          </a:prstGeom>
+        </p:spPr>
+        <p:txBody>
+          <a:bodyPr wrap="none">
+            <a:spAutoFit/>
+          </a:bodyPr>
+          <a:lstStyle/>
+          <a:p>
+            <a:r>
+              <a:rPr lang="en-US" sz="1200" dirty="0"/>
+              <a:t>a, 1 -&gt; </a:t>
+            </a:r>
+            <a:r>
+              <a:rPr lang="el-GR" sz="1200" dirty="0"/>
+              <a:t>λ</a:t>
+            </a:r>
+            <a:endParaRPr lang="en-US" sz="1200" dirty="0"/>
           </a:p>
         </p:txBody>
       </p:sp>
@@ -4155,7 +8508,7 @@
         </p:nvSpPr>
         <p:spPr>
           <a:xfrm>
-            <a:off x="1001490" y="1550466"/>
+            <a:off x="998552" y="1847646"/>
             <a:ext cx="525984" cy="525984"/>
           </a:xfrm>
           <a:prstGeom prst="ellipse">
@@ -4217,7 +8570,7 @@
         </p:nvCxnSpPr>
         <p:spPr>
           <a:xfrm>
-            <a:off x="585788" y="1813458"/>
+            <a:off x="582850" y="2110638"/>
             <a:ext cx="415702" cy="0"/>
           </a:xfrm>
           <a:prstGeom prst="straightConnector1">
@@ -4256,7 +8609,7 @@
         </p:nvSpPr>
         <p:spPr>
           <a:xfrm>
-            <a:off x="2233390" y="1550466"/>
+            <a:off x="5069529" y="4581618"/>
             <a:ext cx="525984" cy="525984"/>
           </a:xfrm>
           <a:prstGeom prst="ellipse">
@@ -4320,7 +8673,7 @@
         </p:nvSpPr>
         <p:spPr>
           <a:xfrm>
-            <a:off x="2184327" y="1501403"/>
+            <a:off x="5020466" y="4532555"/>
             <a:ext cx="624110" cy="624110"/>
           </a:xfrm>
           <a:prstGeom prst="ellipse">
@@ -4355,6 +8708,3285 @@
           <a:p>
             <a:pPr algn="ctr"/>
             <a:endParaRPr lang="en-US"/>
+          </a:p>
+        </p:txBody>
+      </p:sp>
+      <p:sp>
+        <p:nvSpPr>
+          <p:cNvPr id="7" name="Oval 6">
+            <a:extLst>
+              <a:ext uri="{FF2B5EF4-FFF2-40B4-BE49-F238E27FC236}">
+                <a16:creationId xmlns:a16="http://schemas.microsoft.com/office/drawing/2014/main" id="{FDB76051-6195-45A6-9D90-CA1EB3F2B98F}"/>
+              </a:ext>
+            </a:extLst>
+          </p:cNvPr>
+          <p:cNvSpPr/>
+          <p:nvPr/>
+        </p:nvSpPr>
+        <p:spPr>
+          <a:xfrm>
+            <a:off x="3869621" y="1847544"/>
+            <a:ext cx="525984" cy="525984"/>
+          </a:xfrm>
+          <a:prstGeom prst="ellipse">
+            <a:avLst/>
+          </a:prstGeom>
+          <a:noFill/>
+          <a:ln w="28575">
+            <a:solidFill>
+              <a:schemeClr val="tx1"/>
+            </a:solidFill>
+          </a:ln>
+        </p:spPr>
+        <p:style>
+          <a:lnRef idx="2">
+            <a:schemeClr val="accent1">
+              <a:shade val="50000"/>
+            </a:schemeClr>
+          </a:lnRef>
+          <a:fillRef idx="1">
+            <a:schemeClr val="accent1"/>
+          </a:fillRef>
+          <a:effectRef idx="0">
+            <a:schemeClr val="accent1"/>
+          </a:effectRef>
+          <a:fontRef idx="minor">
+            <a:schemeClr val="lt1"/>
+          </a:fontRef>
+        </p:style>
+        <p:txBody>
+          <a:bodyPr rtlCol="0" anchor="ctr"/>
+          <a:lstStyle/>
+          <a:p>
+            <a:pPr algn="ctr"/>
+            <a:r>
+              <a:rPr lang="en-US" sz="1200" dirty="0">
+                <a:solidFill>
+                  <a:schemeClr val="tx1"/>
+                </a:solidFill>
+              </a:rPr>
+              <a:t>Q2</a:t>
+            </a:r>
+          </a:p>
+        </p:txBody>
+      </p:sp>
+      <p:sp>
+        <p:nvSpPr>
+          <p:cNvPr id="12" name="Oval 11">
+            <a:extLst>
+              <a:ext uri="{FF2B5EF4-FFF2-40B4-BE49-F238E27FC236}">
+                <a16:creationId xmlns:a16="http://schemas.microsoft.com/office/drawing/2014/main" id="{5CAFE41A-BAFE-4EEC-AAC7-ACC8DFED12C4}"/>
+              </a:ext>
+            </a:extLst>
+          </p:cNvPr>
+          <p:cNvSpPr/>
+          <p:nvPr/>
+        </p:nvSpPr>
+        <p:spPr>
+          <a:xfrm>
+            <a:off x="2408086" y="1847544"/>
+            <a:ext cx="525984" cy="525984"/>
+          </a:xfrm>
+          <a:prstGeom prst="ellipse">
+            <a:avLst/>
+          </a:prstGeom>
+          <a:noFill/>
+          <a:ln w="28575">
+            <a:solidFill>
+              <a:schemeClr val="tx1"/>
+            </a:solidFill>
+          </a:ln>
+        </p:spPr>
+        <p:style>
+          <a:lnRef idx="2">
+            <a:schemeClr val="accent1">
+              <a:shade val="50000"/>
+            </a:schemeClr>
+          </a:lnRef>
+          <a:fillRef idx="1">
+            <a:schemeClr val="accent1"/>
+          </a:fillRef>
+          <a:effectRef idx="0">
+            <a:schemeClr val="accent1"/>
+          </a:effectRef>
+          <a:fontRef idx="minor">
+            <a:schemeClr val="lt1"/>
+          </a:fontRef>
+        </p:style>
+        <p:txBody>
+          <a:bodyPr rtlCol="0" anchor="ctr"/>
+          <a:lstStyle/>
+          <a:p>
+            <a:pPr algn="ctr"/>
+            <a:r>
+              <a:rPr lang="en-US" sz="1200" dirty="0">
+                <a:solidFill>
+                  <a:schemeClr val="tx1"/>
+                </a:solidFill>
+              </a:rPr>
+              <a:t>Q1</a:t>
+            </a:r>
+          </a:p>
+        </p:txBody>
+      </p:sp>
+      <p:sp>
+        <p:nvSpPr>
+          <p:cNvPr id="13" name="Oval 12">
+            <a:extLst>
+              <a:ext uri="{FF2B5EF4-FFF2-40B4-BE49-F238E27FC236}">
+                <a16:creationId xmlns:a16="http://schemas.microsoft.com/office/drawing/2014/main" id="{15B2CB2A-1D88-4A57-8C1D-D4790B0177E8}"/>
+              </a:ext>
+            </a:extLst>
+          </p:cNvPr>
+          <p:cNvSpPr/>
+          <p:nvPr/>
+        </p:nvSpPr>
+        <p:spPr>
+          <a:xfrm>
+            <a:off x="5440561" y="1847544"/>
+            <a:ext cx="525984" cy="525984"/>
+          </a:xfrm>
+          <a:prstGeom prst="ellipse">
+            <a:avLst/>
+          </a:prstGeom>
+          <a:noFill/>
+          <a:ln w="28575">
+            <a:solidFill>
+              <a:schemeClr val="tx1"/>
+            </a:solidFill>
+          </a:ln>
+        </p:spPr>
+        <p:style>
+          <a:lnRef idx="2">
+            <a:schemeClr val="accent1">
+              <a:shade val="50000"/>
+            </a:schemeClr>
+          </a:lnRef>
+          <a:fillRef idx="1">
+            <a:schemeClr val="accent1"/>
+          </a:fillRef>
+          <a:effectRef idx="0">
+            <a:schemeClr val="accent1"/>
+          </a:effectRef>
+          <a:fontRef idx="minor">
+            <a:schemeClr val="lt1"/>
+          </a:fontRef>
+        </p:style>
+        <p:txBody>
+          <a:bodyPr rtlCol="0" anchor="ctr"/>
+          <a:lstStyle/>
+          <a:p>
+            <a:pPr algn="ctr"/>
+            <a:r>
+              <a:rPr lang="en-US" sz="1200" dirty="0">
+                <a:solidFill>
+                  <a:schemeClr val="tx1"/>
+                </a:solidFill>
+              </a:rPr>
+              <a:t>Q3</a:t>
+            </a:r>
+          </a:p>
+        </p:txBody>
+      </p:sp>
+      <p:cxnSp>
+        <p:nvCxnSpPr>
+          <p:cNvPr id="14" name="Straight Arrow Connector 13">
+            <a:extLst>
+              <a:ext uri="{FF2B5EF4-FFF2-40B4-BE49-F238E27FC236}">
+                <a16:creationId xmlns:a16="http://schemas.microsoft.com/office/drawing/2014/main" id="{01BE06D7-D3F0-4525-9358-8CB8BF8C3B7B}"/>
+              </a:ext>
+            </a:extLst>
+          </p:cNvPr>
+          <p:cNvCxnSpPr>
+            <a:cxnSpLocks/>
+            <a:stCxn id="8" idx="6"/>
+            <a:endCxn id="12" idx="2"/>
+          </p:cNvCxnSpPr>
+          <p:nvPr/>
+        </p:nvCxnSpPr>
+        <p:spPr>
+          <a:xfrm flipV="1">
+            <a:off x="1524536" y="2110536"/>
+            <a:ext cx="883550" cy="102"/>
+          </a:xfrm>
+          <a:prstGeom prst="straightConnector1">
+            <a:avLst/>
+          </a:prstGeom>
+          <a:ln>
+            <a:tailEnd type="triangle"/>
+          </a:ln>
+        </p:spPr>
+        <p:style>
+          <a:lnRef idx="1">
+            <a:schemeClr val="dk1"/>
+          </a:lnRef>
+          <a:fillRef idx="0">
+            <a:schemeClr val="dk1"/>
+          </a:fillRef>
+          <a:effectRef idx="0">
+            <a:schemeClr val="dk1"/>
+          </a:effectRef>
+          <a:fontRef idx="minor">
+            <a:schemeClr val="tx1"/>
+          </a:fontRef>
+        </p:style>
+      </p:cxnSp>
+      <p:cxnSp>
+        <p:nvCxnSpPr>
+          <p:cNvPr id="15" name="Straight Arrow Connector 14">
+            <a:extLst>
+              <a:ext uri="{FF2B5EF4-FFF2-40B4-BE49-F238E27FC236}">
+                <a16:creationId xmlns:a16="http://schemas.microsoft.com/office/drawing/2014/main" id="{FD4EC030-E705-46C6-BDFB-DBE93089DC59}"/>
+              </a:ext>
+            </a:extLst>
+          </p:cNvPr>
+          <p:cNvCxnSpPr>
+            <a:cxnSpLocks/>
+            <a:stCxn id="12" idx="6"/>
+            <a:endCxn id="7" idx="2"/>
+          </p:cNvCxnSpPr>
+          <p:nvPr/>
+        </p:nvCxnSpPr>
+        <p:spPr>
+          <a:xfrm>
+            <a:off x="2934070" y="2110536"/>
+            <a:ext cx="935551" cy="0"/>
+          </a:xfrm>
+          <a:prstGeom prst="straightConnector1">
+            <a:avLst/>
+          </a:prstGeom>
+          <a:ln>
+            <a:tailEnd type="triangle"/>
+          </a:ln>
+        </p:spPr>
+        <p:style>
+          <a:lnRef idx="1">
+            <a:schemeClr val="dk1"/>
+          </a:lnRef>
+          <a:fillRef idx="0">
+            <a:schemeClr val="dk1"/>
+          </a:fillRef>
+          <a:effectRef idx="0">
+            <a:schemeClr val="dk1"/>
+          </a:effectRef>
+          <a:fontRef idx="minor">
+            <a:schemeClr val="tx1"/>
+          </a:fontRef>
+        </p:style>
+      </p:cxnSp>
+      <p:cxnSp>
+        <p:nvCxnSpPr>
+          <p:cNvPr id="16" name="Straight Arrow Connector 15">
+            <a:extLst>
+              <a:ext uri="{FF2B5EF4-FFF2-40B4-BE49-F238E27FC236}">
+                <a16:creationId xmlns:a16="http://schemas.microsoft.com/office/drawing/2014/main" id="{6016DD87-1528-4BF0-A61C-EDA029A622D9}"/>
+              </a:ext>
+            </a:extLst>
+          </p:cNvPr>
+          <p:cNvCxnSpPr>
+            <a:cxnSpLocks/>
+            <a:stCxn id="7" idx="6"/>
+            <a:endCxn id="13" idx="2"/>
+          </p:cNvCxnSpPr>
+          <p:nvPr/>
+        </p:nvCxnSpPr>
+        <p:spPr>
+          <a:xfrm>
+            <a:off x="4395605" y="2110536"/>
+            <a:ext cx="1044956" cy="0"/>
+          </a:xfrm>
+          <a:prstGeom prst="straightConnector1">
+            <a:avLst/>
+          </a:prstGeom>
+          <a:ln>
+            <a:tailEnd type="triangle"/>
+          </a:ln>
+        </p:spPr>
+        <p:style>
+          <a:lnRef idx="1">
+            <a:schemeClr val="dk1"/>
+          </a:lnRef>
+          <a:fillRef idx="0">
+            <a:schemeClr val="dk1"/>
+          </a:fillRef>
+          <a:effectRef idx="0">
+            <a:schemeClr val="dk1"/>
+          </a:effectRef>
+          <a:fontRef idx="minor">
+            <a:schemeClr val="tx1"/>
+          </a:fontRef>
+        </p:style>
+      </p:cxnSp>
+      <p:sp>
+        <p:nvSpPr>
+          <p:cNvPr id="19" name="Rectangle 18">
+            <a:extLst>
+              <a:ext uri="{FF2B5EF4-FFF2-40B4-BE49-F238E27FC236}">
+                <a16:creationId xmlns:a16="http://schemas.microsoft.com/office/drawing/2014/main" id="{E8BDF025-9038-4547-904D-EACEA697B237}"/>
+              </a:ext>
+            </a:extLst>
+          </p:cNvPr>
+          <p:cNvSpPr/>
+          <p:nvPr/>
+        </p:nvSpPr>
+        <p:spPr>
+          <a:xfrm>
+            <a:off x="1605549" y="1293750"/>
+            <a:ext cx="625492" cy="276999"/>
+          </a:xfrm>
+          <a:prstGeom prst="rect">
+            <a:avLst/>
+          </a:prstGeom>
+        </p:spPr>
+        <p:txBody>
+          <a:bodyPr wrap="none">
+            <a:spAutoFit/>
+          </a:bodyPr>
+          <a:lstStyle/>
+          <a:p>
+            <a:r>
+              <a:rPr lang="en-US" sz="1200" dirty="0"/>
+              <a:t>a, 1 / R</a:t>
+            </a:r>
+            <a:endParaRPr lang="en-US" sz="700" dirty="0"/>
+          </a:p>
+        </p:txBody>
+      </p:sp>
+      <p:sp>
+        <p:nvSpPr>
+          <p:cNvPr id="20" name="Rectangle 19">
+            <a:extLst>
+              <a:ext uri="{FF2B5EF4-FFF2-40B4-BE49-F238E27FC236}">
+                <a16:creationId xmlns:a16="http://schemas.microsoft.com/office/drawing/2014/main" id="{D5D65266-ACEA-4D8A-8E65-7E3660F55AE2}"/>
+              </a:ext>
+            </a:extLst>
+          </p:cNvPr>
+          <p:cNvSpPr/>
+          <p:nvPr/>
+        </p:nvSpPr>
+        <p:spPr>
+          <a:xfrm>
+            <a:off x="1613169" y="1564260"/>
+            <a:ext cx="631904" cy="276999"/>
+          </a:xfrm>
+          <a:prstGeom prst="rect">
+            <a:avLst/>
+          </a:prstGeom>
+        </p:spPr>
+        <p:txBody>
+          <a:bodyPr wrap="none">
+            <a:spAutoFit/>
+          </a:bodyPr>
+          <a:lstStyle/>
+          <a:p>
+            <a:r>
+              <a:rPr lang="en-US" sz="1200" dirty="0"/>
+              <a:t>b, 2 / R</a:t>
+            </a:r>
+            <a:endParaRPr lang="en-US" sz="700" dirty="0"/>
+          </a:p>
+        </p:txBody>
+      </p:sp>
+      <p:sp>
+        <p:nvSpPr>
+          <p:cNvPr id="21" name="Rectangle 20">
+            <a:extLst>
+              <a:ext uri="{FF2B5EF4-FFF2-40B4-BE49-F238E27FC236}">
+                <a16:creationId xmlns:a16="http://schemas.microsoft.com/office/drawing/2014/main" id="{4FEDE8B2-8061-4F6B-A6C6-024C0186D5CC}"/>
+              </a:ext>
+            </a:extLst>
+          </p:cNvPr>
+          <p:cNvSpPr/>
+          <p:nvPr/>
+        </p:nvSpPr>
+        <p:spPr>
+          <a:xfrm>
+            <a:off x="1613169" y="1818297"/>
+            <a:ext cx="617477" cy="276999"/>
+          </a:xfrm>
+          <a:prstGeom prst="rect">
+            <a:avLst/>
+          </a:prstGeom>
+        </p:spPr>
+        <p:txBody>
+          <a:bodyPr wrap="none">
+            <a:spAutoFit/>
+          </a:bodyPr>
+          <a:lstStyle/>
+          <a:p>
+            <a:r>
+              <a:rPr lang="en-US" sz="1200" dirty="0"/>
+              <a:t>c, 3 / R</a:t>
+            </a:r>
+            <a:endParaRPr lang="en-US" sz="700" dirty="0"/>
+          </a:p>
+        </p:txBody>
+      </p:sp>
+      <p:sp>
+        <p:nvSpPr>
+          <p:cNvPr id="32" name="Rectangle 31">
+            <a:extLst>
+              <a:ext uri="{FF2B5EF4-FFF2-40B4-BE49-F238E27FC236}">
+                <a16:creationId xmlns:a16="http://schemas.microsoft.com/office/drawing/2014/main" id="{0E5409CD-D051-428F-A420-183EE93DAEF7}"/>
+              </a:ext>
+            </a:extLst>
+          </p:cNvPr>
+          <p:cNvSpPr/>
+          <p:nvPr/>
+        </p:nvSpPr>
+        <p:spPr>
+          <a:xfrm>
+            <a:off x="3048227" y="1302501"/>
+            <a:ext cx="625492" cy="276999"/>
+          </a:xfrm>
+          <a:prstGeom prst="rect">
+            <a:avLst/>
+          </a:prstGeom>
+        </p:spPr>
+        <p:txBody>
+          <a:bodyPr wrap="none">
+            <a:spAutoFit/>
+          </a:bodyPr>
+          <a:lstStyle/>
+          <a:p>
+            <a:r>
+              <a:rPr lang="en-US" sz="1200" dirty="0"/>
+              <a:t>1, 1 / L</a:t>
+            </a:r>
+            <a:endParaRPr lang="en-US" sz="700" dirty="0"/>
+          </a:p>
+        </p:txBody>
+      </p:sp>
+      <p:sp>
+        <p:nvSpPr>
+          <p:cNvPr id="33" name="Rectangle 32">
+            <a:extLst>
+              <a:ext uri="{FF2B5EF4-FFF2-40B4-BE49-F238E27FC236}">
+                <a16:creationId xmlns:a16="http://schemas.microsoft.com/office/drawing/2014/main" id="{854F8E66-BE4D-4165-9F6C-4A9AD8FA96AA}"/>
+              </a:ext>
+            </a:extLst>
+          </p:cNvPr>
+          <p:cNvSpPr/>
+          <p:nvPr/>
+        </p:nvSpPr>
+        <p:spPr>
+          <a:xfrm>
+            <a:off x="3055847" y="1573011"/>
+            <a:ext cx="631904" cy="276999"/>
+          </a:xfrm>
+          <a:prstGeom prst="rect">
+            <a:avLst/>
+          </a:prstGeom>
+        </p:spPr>
+        <p:txBody>
+          <a:bodyPr wrap="none">
+            <a:spAutoFit/>
+          </a:bodyPr>
+          <a:lstStyle/>
+          <a:p>
+            <a:r>
+              <a:rPr lang="en-US" sz="1200" dirty="0"/>
+              <a:t>2, 2 / L</a:t>
+            </a:r>
+            <a:endParaRPr lang="en-US" sz="700" dirty="0"/>
+          </a:p>
+        </p:txBody>
+      </p:sp>
+      <p:sp>
+        <p:nvSpPr>
+          <p:cNvPr id="34" name="Rectangle 33">
+            <a:extLst>
+              <a:ext uri="{FF2B5EF4-FFF2-40B4-BE49-F238E27FC236}">
+                <a16:creationId xmlns:a16="http://schemas.microsoft.com/office/drawing/2014/main" id="{26534C83-C794-4A65-B681-7ACEAE180646}"/>
+              </a:ext>
+            </a:extLst>
+          </p:cNvPr>
+          <p:cNvSpPr/>
+          <p:nvPr/>
+        </p:nvSpPr>
+        <p:spPr>
+          <a:xfrm>
+            <a:off x="3055847" y="1827048"/>
+            <a:ext cx="628698" cy="276999"/>
+          </a:xfrm>
+          <a:prstGeom prst="rect">
+            <a:avLst/>
+          </a:prstGeom>
+        </p:spPr>
+        <p:txBody>
+          <a:bodyPr wrap="none">
+            <a:spAutoFit/>
+          </a:bodyPr>
+          <a:lstStyle/>
+          <a:p>
+            <a:r>
+              <a:rPr lang="en-US" sz="1200" dirty="0"/>
+              <a:t>3, 3 / L</a:t>
+            </a:r>
+            <a:endParaRPr lang="en-US" sz="700" dirty="0"/>
+          </a:p>
+        </p:txBody>
+      </p:sp>
+      <p:sp>
+        <p:nvSpPr>
+          <p:cNvPr id="35" name="Rectangle 34">
+            <a:extLst>
+              <a:ext uri="{FF2B5EF4-FFF2-40B4-BE49-F238E27FC236}">
+                <a16:creationId xmlns:a16="http://schemas.microsoft.com/office/drawing/2014/main" id="{F55F0A71-00B9-408E-B320-04BBB9BD62D9}"/>
+              </a:ext>
+            </a:extLst>
+          </p:cNvPr>
+          <p:cNvSpPr/>
+          <p:nvPr/>
+        </p:nvSpPr>
+        <p:spPr>
+          <a:xfrm>
+            <a:off x="4577475" y="1293440"/>
+            <a:ext cx="625492" cy="276999"/>
+          </a:xfrm>
+          <a:prstGeom prst="rect">
+            <a:avLst/>
+          </a:prstGeom>
+        </p:spPr>
+        <p:txBody>
+          <a:bodyPr wrap="none">
+            <a:spAutoFit/>
+          </a:bodyPr>
+          <a:lstStyle/>
+          <a:p>
+            <a:r>
+              <a:rPr lang="en-US" sz="1200" dirty="0"/>
+              <a:t>a, 1 / L</a:t>
+            </a:r>
+            <a:endParaRPr lang="en-US" sz="700" dirty="0"/>
+          </a:p>
+        </p:txBody>
+      </p:sp>
+      <p:sp>
+        <p:nvSpPr>
+          <p:cNvPr id="36" name="Rectangle 35">
+            <a:extLst>
+              <a:ext uri="{FF2B5EF4-FFF2-40B4-BE49-F238E27FC236}">
+                <a16:creationId xmlns:a16="http://schemas.microsoft.com/office/drawing/2014/main" id="{ACD325CF-4C0A-4DBC-AFCF-B6A844BDB4AC}"/>
+              </a:ext>
+            </a:extLst>
+          </p:cNvPr>
+          <p:cNvSpPr/>
+          <p:nvPr/>
+        </p:nvSpPr>
+        <p:spPr>
+          <a:xfrm>
+            <a:off x="4585095" y="1579190"/>
+            <a:ext cx="631904" cy="276999"/>
+          </a:xfrm>
+          <a:prstGeom prst="rect">
+            <a:avLst/>
+          </a:prstGeom>
+        </p:spPr>
+        <p:txBody>
+          <a:bodyPr wrap="none">
+            <a:spAutoFit/>
+          </a:bodyPr>
+          <a:lstStyle/>
+          <a:p>
+            <a:r>
+              <a:rPr lang="en-US" sz="1200" dirty="0"/>
+              <a:t>b, 2 / L</a:t>
+            </a:r>
+            <a:endParaRPr lang="en-US" sz="700" dirty="0"/>
+          </a:p>
+        </p:txBody>
+      </p:sp>
+      <p:sp>
+        <p:nvSpPr>
+          <p:cNvPr id="37" name="Rectangle 36">
+            <a:extLst>
+              <a:ext uri="{FF2B5EF4-FFF2-40B4-BE49-F238E27FC236}">
+                <a16:creationId xmlns:a16="http://schemas.microsoft.com/office/drawing/2014/main" id="{2A880B42-DA3E-4201-B2E8-A81D82D0EEB2}"/>
+              </a:ext>
+            </a:extLst>
+          </p:cNvPr>
+          <p:cNvSpPr/>
+          <p:nvPr/>
+        </p:nvSpPr>
+        <p:spPr>
+          <a:xfrm>
+            <a:off x="4585095" y="1833227"/>
+            <a:ext cx="617477" cy="276999"/>
+          </a:xfrm>
+          <a:prstGeom prst="rect">
+            <a:avLst/>
+          </a:prstGeom>
+        </p:spPr>
+        <p:txBody>
+          <a:bodyPr wrap="none">
+            <a:spAutoFit/>
+          </a:bodyPr>
+          <a:lstStyle/>
+          <a:p>
+            <a:r>
+              <a:rPr lang="en-US" sz="1200" dirty="0"/>
+              <a:t>c, 3 / L</a:t>
+            </a:r>
+            <a:endParaRPr lang="en-US" sz="700" dirty="0"/>
+          </a:p>
+        </p:txBody>
+      </p:sp>
+      <p:sp>
+        <p:nvSpPr>
+          <p:cNvPr id="41" name="Rectangle 40">
+            <a:extLst>
+              <a:ext uri="{FF2B5EF4-FFF2-40B4-BE49-F238E27FC236}">
+                <a16:creationId xmlns:a16="http://schemas.microsoft.com/office/drawing/2014/main" id="{BCD854DC-6BE1-40DC-B293-FA1B91A54BBE}"/>
+              </a:ext>
+            </a:extLst>
+          </p:cNvPr>
+          <p:cNvSpPr/>
+          <p:nvPr/>
+        </p:nvSpPr>
+        <p:spPr>
+          <a:xfrm>
+            <a:off x="3055847" y="1034823"/>
+            <a:ext cx="628698" cy="276999"/>
+          </a:xfrm>
+          <a:prstGeom prst="rect">
+            <a:avLst/>
+          </a:prstGeom>
+        </p:spPr>
+        <p:txBody>
+          <a:bodyPr wrap="none">
+            <a:spAutoFit/>
+          </a:bodyPr>
+          <a:lstStyle/>
+          <a:p>
+            <a:r>
+              <a:rPr lang="en-US" sz="1200" dirty="0"/>
+              <a:t>$, $ / L</a:t>
+            </a:r>
+            <a:endParaRPr lang="en-US" sz="700" dirty="0"/>
+          </a:p>
+        </p:txBody>
+      </p:sp>
+      <p:cxnSp>
+        <p:nvCxnSpPr>
+          <p:cNvPr id="42" name="Connector: Curved 41">
+            <a:extLst>
+              <a:ext uri="{FF2B5EF4-FFF2-40B4-BE49-F238E27FC236}">
+                <a16:creationId xmlns:a16="http://schemas.microsoft.com/office/drawing/2014/main" id="{D97AA781-12C1-4CC4-95C8-D795AD84FB8B}"/>
+              </a:ext>
+            </a:extLst>
+          </p:cNvPr>
+          <p:cNvCxnSpPr>
+            <a:cxnSpLocks/>
+            <a:stCxn id="12" idx="3"/>
+            <a:endCxn id="12" idx="5"/>
+          </p:cNvCxnSpPr>
+          <p:nvPr/>
+        </p:nvCxnSpPr>
+        <p:spPr>
+          <a:xfrm rot="16200000" flipH="1">
+            <a:off x="2671078" y="2110536"/>
+            <a:ext cx="12700" cy="371926"/>
+          </a:xfrm>
+          <a:prstGeom prst="curvedConnector3">
+            <a:avLst>
+              <a:gd name="adj1" fmla="val 3906528"/>
+            </a:avLst>
+          </a:prstGeom>
+          <a:ln>
+            <a:tailEnd type="triangle"/>
+          </a:ln>
+        </p:spPr>
+        <p:style>
+          <a:lnRef idx="1">
+            <a:schemeClr val="dk1"/>
+          </a:lnRef>
+          <a:fillRef idx="0">
+            <a:schemeClr val="dk1"/>
+          </a:fillRef>
+          <a:effectRef idx="0">
+            <a:schemeClr val="dk1"/>
+          </a:effectRef>
+          <a:fontRef idx="minor">
+            <a:schemeClr val="tx1"/>
+          </a:fontRef>
+        </p:style>
+      </p:cxnSp>
+      <p:cxnSp>
+        <p:nvCxnSpPr>
+          <p:cNvPr id="50" name="Connector: Curved 49">
+            <a:extLst>
+              <a:ext uri="{FF2B5EF4-FFF2-40B4-BE49-F238E27FC236}">
+                <a16:creationId xmlns:a16="http://schemas.microsoft.com/office/drawing/2014/main" id="{C523B2CD-BC78-4A03-925A-A4BB096C5DD2}"/>
+              </a:ext>
+            </a:extLst>
+          </p:cNvPr>
+          <p:cNvCxnSpPr>
+            <a:cxnSpLocks/>
+            <a:stCxn id="13" idx="0"/>
+            <a:endCxn id="13" idx="6"/>
+          </p:cNvCxnSpPr>
+          <p:nvPr/>
+        </p:nvCxnSpPr>
+        <p:spPr>
+          <a:xfrm rot="16200000" flipH="1">
+            <a:off x="5703553" y="1847544"/>
+            <a:ext cx="262992" cy="262992"/>
+          </a:xfrm>
+          <a:prstGeom prst="curvedConnector4">
+            <a:avLst>
+              <a:gd name="adj1" fmla="val -86923"/>
+              <a:gd name="adj2" fmla="val 186923"/>
+            </a:avLst>
+          </a:prstGeom>
+          <a:ln>
+            <a:tailEnd type="triangle"/>
+          </a:ln>
+        </p:spPr>
+        <p:style>
+          <a:lnRef idx="1">
+            <a:schemeClr val="dk1"/>
+          </a:lnRef>
+          <a:fillRef idx="0">
+            <a:schemeClr val="dk1"/>
+          </a:fillRef>
+          <a:effectRef idx="0">
+            <a:schemeClr val="dk1"/>
+          </a:effectRef>
+          <a:fontRef idx="minor">
+            <a:schemeClr val="tx1"/>
+          </a:fontRef>
+        </p:style>
+      </p:cxnSp>
+      <p:cxnSp>
+        <p:nvCxnSpPr>
+          <p:cNvPr id="53" name="Connector: Curved 52">
+            <a:extLst>
+              <a:ext uri="{FF2B5EF4-FFF2-40B4-BE49-F238E27FC236}">
+                <a16:creationId xmlns:a16="http://schemas.microsoft.com/office/drawing/2014/main" id="{DAABC624-2D0D-4D19-BAA6-2602081659FF}"/>
+              </a:ext>
+            </a:extLst>
+          </p:cNvPr>
+          <p:cNvCxnSpPr>
+            <a:cxnSpLocks/>
+            <a:stCxn id="13" idx="4"/>
+            <a:endCxn id="8" idx="5"/>
+          </p:cNvCxnSpPr>
+          <p:nvPr/>
+        </p:nvCxnSpPr>
+        <p:spPr>
+          <a:xfrm rot="5400000" flipH="1">
+            <a:off x="3537066" y="207042"/>
+            <a:ext cx="76927" cy="4256046"/>
+          </a:xfrm>
+          <a:prstGeom prst="curvedConnector3">
+            <a:avLst>
+              <a:gd name="adj1" fmla="val -1634542"/>
+            </a:avLst>
+          </a:prstGeom>
+          <a:ln>
+            <a:tailEnd type="triangle"/>
+          </a:ln>
+        </p:spPr>
+        <p:style>
+          <a:lnRef idx="1">
+            <a:schemeClr val="dk1"/>
+          </a:lnRef>
+          <a:fillRef idx="0">
+            <a:schemeClr val="dk1"/>
+          </a:fillRef>
+          <a:effectRef idx="0">
+            <a:schemeClr val="dk1"/>
+          </a:effectRef>
+          <a:fontRef idx="minor">
+            <a:schemeClr val="tx1"/>
+          </a:fontRef>
+        </p:style>
+      </p:cxnSp>
+      <p:sp>
+        <p:nvSpPr>
+          <p:cNvPr id="61" name="Rectangle 60">
+            <a:extLst>
+              <a:ext uri="{FF2B5EF4-FFF2-40B4-BE49-F238E27FC236}">
+                <a16:creationId xmlns:a16="http://schemas.microsoft.com/office/drawing/2014/main" id="{0E7B01F3-4281-4298-A1F7-BF52F71B31A9}"/>
+              </a:ext>
+            </a:extLst>
+          </p:cNvPr>
+          <p:cNvSpPr/>
+          <p:nvPr/>
+        </p:nvSpPr>
+        <p:spPr>
+          <a:xfrm>
+            <a:off x="2803508" y="2559491"/>
+            <a:ext cx="619080" cy="276999"/>
+          </a:xfrm>
+          <a:prstGeom prst="rect">
+            <a:avLst/>
+          </a:prstGeom>
+        </p:spPr>
+        <p:txBody>
+          <a:bodyPr wrap="none">
+            <a:spAutoFit/>
+          </a:bodyPr>
+          <a:lstStyle/>
+          <a:p>
+            <a:r>
+              <a:rPr lang="en-US" sz="1200" dirty="0"/>
+              <a:t>a, a / R</a:t>
+            </a:r>
+            <a:endParaRPr lang="en-US" sz="700" dirty="0"/>
+          </a:p>
+        </p:txBody>
+      </p:sp>
+      <p:sp>
+        <p:nvSpPr>
+          <p:cNvPr id="62" name="Rectangle 61">
+            <a:extLst>
+              <a:ext uri="{FF2B5EF4-FFF2-40B4-BE49-F238E27FC236}">
+                <a16:creationId xmlns:a16="http://schemas.microsoft.com/office/drawing/2014/main" id="{016287F3-CCD1-4ED8-ACDB-95A425707566}"/>
+              </a:ext>
+            </a:extLst>
+          </p:cNvPr>
+          <p:cNvSpPr/>
+          <p:nvPr/>
+        </p:nvSpPr>
+        <p:spPr>
+          <a:xfrm>
+            <a:off x="2811128" y="2830001"/>
+            <a:ext cx="631904" cy="276999"/>
+          </a:xfrm>
+          <a:prstGeom prst="rect">
+            <a:avLst/>
+          </a:prstGeom>
+        </p:spPr>
+        <p:txBody>
+          <a:bodyPr wrap="none">
+            <a:spAutoFit/>
+          </a:bodyPr>
+          <a:lstStyle/>
+          <a:p>
+            <a:r>
+              <a:rPr lang="en-US" sz="1200" dirty="0"/>
+              <a:t>b, b / R</a:t>
+            </a:r>
+            <a:endParaRPr lang="en-US" sz="700" dirty="0"/>
+          </a:p>
+        </p:txBody>
+      </p:sp>
+      <p:sp>
+        <p:nvSpPr>
+          <p:cNvPr id="63" name="Rectangle 62">
+            <a:extLst>
+              <a:ext uri="{FF2B5EF4-FFF2-40B4-BE49-F238E27FC236}">
+                <a16:creationId xmlns:a16="http://schemas.microsoft.com/office/drawing/2014/main" id="{90CE878F-72AB-4308-97B0-FC146AFCD32D}"/>
+              </a:ext>
+            </a:extLst>
+          </p:cNvPr>
+          <p:cNvSpPr/>
+          <p:nvPr/>
+        </p:nvSpPr>
+        <p:spPr>
+          <a:xfrm>
+            <a:off x="2811128" y="3084038"/>
+            <a:ext cx="603050" cy="276999"/>
+          </a:xfrm>
+          <a:prstGeom prst="rect">
+            <a:avLst/>
+          </a:prstGeom>
+        </p:spPr>
+        <p:txBody>
+          <a:bodyPr wrap="none">
+            <a:spAutoFit/>
+          </a:bodyPr>
+          <a:lstStyle/>
+          <a:p>
+            <a:r>
+              <a:rPr lang="en-US" sz="1200" dirty="0"/>
+              <a:t>c, c / R</a:t>
+            </a:r>
+            <a:endParaRPr lang="en-US" sz="700" dirty="0"/>
+          </a:p>
+        </p:txBody>
+      </p:sp>
+      <p:sp>
+        <p:nvSpPr>
+          <p:cNvPr id="64" name="Rectangle 63">
+            <a:extLst>
+              <a:ext uri="{FF2B5EF4-FFF2-40B4-BE49-F238E27FC236}">
+                <a16:creationId xmlns:a16="http://schemas.microsoft.com/office/drawing/2014/main" id="{33D85F6A-F3FB-4961-96CC-E6EF349A88B1}"/>
+              </a:ext>
+            </a:extLst>
+          </p:cNvPr>
+          <p:cNvSpPr/>
+          <p:nvPr/>
+        </p:nvSpPr>
+        <p:spPr>
+          <a:xfrm>
+            <a:off x="5966545" y="877535"/>
+            <a:ext cx="599844" cy="276999"/>
+          </a:xfrm>
+          <a:prstGeom prst="rect">
+            <a:avLst/>
+          </a:prstGeom>
+        </p:spPr>
+        <p:txBody>
+          <a:bodyPr wrap="none">
+            <a:spAutoFit/>
+          </a:bodyPr>
+          <a:lstStyle/>
+          <a:p>
+            <a:r>
+              <a:rPr lang="en-US" sz="1200" dirty="0"/>
+              <a:t>a, a / L</a:t>
+            </a:r>
+            <a:endParaRPr lang="en-US" sz="700" dirty="0"/>
+          </a:p>
+        </p:txBody>
+      </p:sp>
+      <p:sp>
+        <p:nvSpPr>
+          <p:cNvPr id="65" name="Rectangle 64">
+            <a:extLst>
+              <a:ext uri="{FF2B5EF4-FFF2-40B4-BE49-F238E27FC236}">
+                <a16:creationId xmlns:a16="http://schemas.microsoft.com/office/drawing/2014/main" id="{9AAE7CA0-3230-4541-A457-5F8FD7D836A9}"/>
+              </a:ext>
+            </a:extLst>
+          </p:cNvPr>
+          <p:cNvSpPr/>
+          <p:nvPr/>
+        </p:nvSpPr>
+        <p:spPr>
+          <a:xfrm>
+            <a:off x="5974165" y="1140425"/>
+            <a:ext cx="612668" cy="276999"/>
+          </a:xfrm>
+          <a:prstGeom prst="rect">
+            <a:avLst/>
+          </a:prstGeom>
+        </p:spPr>
+        <p:txBody>
+          <a:bodyPr wrap="none">
+            <a:spAutoFit/>
+          </a:bodyPr>
+          <a:lstStyle/>
+          <a:p>
+            <a:r>
+              <a:rPr lang="en-US" sz="1200" dirty="0"/>
+              <a:t>b, b / L</a:t>
+            </a:r>
+            <a:endParaRPr lang="en-US" sz="700" dirty="0"/>
+          </a:p>
+        </p:txBody>
+      </p:sp>
+      <p:sp>
+        <p:nvSpPr>
+          <p:cNvPr id="66" name="Rectangle 65">
+            <a:extLst>
+              <a:ext uri="{FF2B5EF4-FFF2-40B4-BE49-F238E27FC236}">
+                <a16:creationId xmlns:a16="http://schemas.microsoft.com/office/drawing/2014/main" id="{4D2D35B4-F63C-4BA0-AA52-DA9DC15A6E40}"/>
+              </a:ext>
+            </a:extLst>
+          </p:cNvPr>
+          <p:cNvSpPr/>
+          <p:nvPr/>
+        </p:nvSpPr>
+        <p:spPr>
+          <a:xfrm>
+            <a:off x="5974165" y="1402082"/>
+            <a:ext cx="548548" cy="276999"/>
+          </a:xfrm>
+          <a:prstGeom prst="rect">
+            <a:avLst/>
+          </a:prstGeom>
+        </p:spPr>
+        <p:txBody>
+          <a:bodyPr wrap="none">
+            <a:spAutoFit/>
+          </a:bodyPr>
+          <a:lstStyle/>
+          <a:p>
+            <a:r>
+              <a:rPr lang="en-US" sz="1200" dirty="0"/>
+              <a:t>c, c/ L</a:t>
+            </a:r>
+            <a:endParaRPr lang="en-US" sz="700" dirty="0"/>
+          </a:p>
+        </p:txBody>
+      </p:sp>
+      <p:sp>
+        <p:nvSpPr>
+          <p:cNvPr id="67" name="Rectangle 66">
+            <a:extLst>
+              <a:ext uri="{FF2B5EF4-FFF2-40B4-BE49-F238E27FC236}">
+                <a16:creationId xmlns:a16="http://schemas.microsoft.com/office/drawing/2014/main" id="{93EC692C-DECA-4ABD-AD10-518B4A0D4116}"/>
+              </a:ext>
+            </a:extLst>
+          </p:cNvPr>
+          <p:cNvSpPr/>
+          <p:nvPr/>
+        </p:nvSpPr>
+        <p:spPr>
+          <a:xfrm>
+            <a:off x="5337847" y="3036561"/>
+            <a:ext cx="625492" cy="276999"/>
+          </a:xfrm>
+          <a:prstGeom prst="rect">
+            <a:avLst/>
+          </a:prstGeom>
+        </p:spPr>
+        <p:txBody>
+          <a:bodyPr wrap="none">
+            <a:spAutoFit/>
+          </a:bodyPr>
+          <a:lstStyle/>
+          <a:p>
+            <a:r>
+              <a:rPr lang="en-US" sz="1200" dirty="0"/>
+              <a:t>1, 1 / R</a:t>
+            </a:r>
+            <a:endParaRPr lang="en-US" sz="700" dirty="0"/>
+          </a:p>
+        </p:txBody>
+      </p:sp>
+      <p:sp>
+        <p:nvSpPr>
+          <p:cNvPr id="68" name="Rectangle 67">
+            <a:extLst>
+              <a:ext uri="{FF2B5EF4-FFF2-40B4-BE49-F238E27FC236}">
+                <a16:creationId xmlns:a16="http://schemas.microsoft.com/office/drawing/2014/main" id="{8246F70F-039A-4B18-81C9-26891B53F461}"/>
+              </a:ext>
+            </a:extLst>
+          </p:cNvPr>
+          <p:cNvSpPr/>
+          <p:nvPr/>
+        </p:nvSpPr>
+        <p:spPr>
+          <a:xfrm>
+            <a:off x="5345467" y="3299451"/>
+            <a:ext cx="631904" cy="276999"/>
+          </a:xfrm>
+          <a:prstGeom prst="rect">
+            <a:avLst/>
+          </a:prstGeom>
+        </p:spPr>
+        <p:txBody>
+          <a:bodyPr wrap="none">
+            <a:spAutoFit/>
+          </a:bodyPr>
+          <a:lstStyle/>
+          <a:p>
+            <a:r>
+              <a:rPr lang="en-US" sz="1200" dirty="0"/>
+              <a:t>2, 2 / R</a:t>
+            </a:r>
+            <a:endParaRPr lang="en-US" sz="700" dirty="0"/>
+          </a:p>
+        </p:txBody>
+      </p:sp>
+      <p:sp>
+        <p:nvSpPr>
+          <p:cNvPr id="69" name="Rectangle 68">
+            <a:extLst>
+              <a:ext uri="{FF2B5EF4-FFF2-40B4-BE49-F238E27FC236}">
+                <a16:creationId xmlns:a16="http://schemas.microsoft.com/office/drawing/2014/main" id="{89802875-442F-42EB-9CE6-F48356D86862}"/>
+              </a:ext>
+            </a:extLst>
+          </p:cNvPr>
+          <p:cNvSpPr/>
+          <p:nvPr/>
+        </p:nvSpPr>
+        <p:spPr>
+          <a:xfrm>
+            <a:off x="5345467" y="3561108"/>
+            <a:ext cx="628698" cy="276999"/>
+          </a:xfrm>
+          <a:prstGeom prst="rect">
+            <a:avLst/>
+          </a:prstGeom>
+        </p:spPr>
+        <p:txBody>
+          <a:bodyPr wrap="none">
+            <a:spAutoFit/>
+          </a:bodyPr>
+          <a:lstStyle/>
+          <a:p>
+            <a:r>
+              <a:rPr lang="en-US" sz="1200" dirty="0"/>
+              <a:t>3, 3 / R</a:t>
+            </a:r>
+            <a:endParaRPr lang="en-US" sz="700" dirty="0"/>
+          </a:p>
+        </p:txBody>
+      </p:sp>
+      <p:sp>
+        <p:nvSpPr>
+          <p:cNvPr id="70" name="Oval 69">
+            <a:extLst>
+              <a:ext uri="{FF2B5EF4-FFF2-40B4-BE49-F238E27FC236}">
+                <a16:creationId xmlns:a16="http://schemas.microsoft.com/office/drawing/2014/main" id="{C56978D0-D347-4B06-BC76-64C456C9F608}"/>
+              </a:ext>
+            </a:extLst>
+          </p:cNvPr>
+          <p:cNvSpPr/>
+          <p:nvPr/>
+        </p:nvSpPr>
+        <p:spPr>
+          <a:xfrm>
+            <a:off x="998552" y="3663567"/>
+            <a:ext cx="525984" cy="525984"/>
+          </a:xfrm>
+          <a:prstGeom prst="ellipse">
+            <a:avLst/>
+          </a:prstGeom>
+          <a:noFill/>
+          <a:ln w="28575">
+            <a:solidFill>
+              <a:schemeClr val="tx1"/>
+            </a:solidFill>
+          </a:ln>
+        </p:spPr>
+        <p:style>
+          <a:lnRef idx="2">
+            <a:schemeClr val="accent1">
+              <a:shade val="50000"/>
+            </a:schemeClr>
+          </a:lnRef>
+          <a:fillRef idx="1">
+            <a:schemeClr val="accent1"/>
+          </a:fillRef>
+          <a:effectRef idx="0">
+            <a:schemeClr val="accent1"/>
+          </a:effectRef>
+          <a:fontRef idx="minor">
+            <a:schemeClr val="lt1"/>
+          </a:fontRef>
+        </p:style>
+        <p:txBody>
+          <a:bodyPr rtlCol="0" anchor="ctr"/>
+          <a:lstStyle/>
+          <a:p>
+            <a:pPr algn="ctr"/>
+            <a:r>
+              <a:rPr lang="en-US" sz="1200" dirty="0">
+                <a:solidFill>
+                  <a:schemeClr val="tx1"/>
+                </a:solidFill>
+              </a:rPr>
+              <a:t>Q4</a:t>
+            </a:r>
+          </a:p>
+        </p:txBody>
+      </p:sp>
+      <p:cxnSp>
+        <p:nvCxnSpPr>
+          <p:cNvPr id="71" name="Straight Arrow Connector 70">
+            <a:extLst>
+              <a:ext uri="{FF2B5EF4-FFF2-40B4-BE49-F238E27FC236}">
+                <a16:creationId xmlns:a16="http://schemas.microsoft.com/office/drawing/2014/main" id="{7445D6BE-1671-48B3-9367-4648B41CE0FF}"/>
+              </a:ext>
+            </a:extLst>
+          </p:cNvPr>
+          <p:cNvCxnSpPr>
+            <a:cxnSpLocks/>
+            <a:stCxn id="8" idx="4"/>
+            <a:endCxn id="70" idx="0"/>
+          </p:cNvCxnSpPr>
+          <p:nvPr/>
+        </p:nvCxnSpPr>
+        <p:spPr>
+          <a:xfrm>
+            <a:off x="1261544" y="2373630"/>
+            <a:ext cx="0" cy="1289937"/>
+          </a:xfrm>
+          <a:prstGeom prst="straightConnector1">
+            <a:avLst/>
+          </a:prstGeom>
+          <a:ln>
+            <a:tailEnd type="triangle"/>
+          </a:ln>
+        </p:spPr>
+        <p:style>
+          <a:lnRef idx="1">
+            <a:schemeClr val="dk1"/>
+          </a:lnRef>
+          <a:fillRef idx="0">
+            <a:schemeClr val="dk1"/>
+          </a:fillRef>
+          <a:effectRef idx="0">
+            <a:schemeClr val="dk1"/>
+          </a:effectRef>
+          <a:fontRef idx="minor">
+            <a:schemeClr val="tx1"/>
+          </a:fontRef>
+        </p:style>
+      </p:cxnSp>
+      <p:sp>
+        <p:nvSpPr>
+          <p:cNvPr id="75" name="Oval 74">
+            <a:extLst>
+              <a:ext uri="{FF2B5EF4-FFF2-40B4-BE49-F238E27FC236}">
+                <a16:creationId xmlns:a16="http://schemas.microsoft.com/office/drawing/2014/main" id="{50389ECA-64B2-4DA9-A4AB-C416A4B86270}"/>
+              </a:ext>
+            </a:extLst>
+          </p:cNvPr>
+          <p:cNvSpPr/>
+          <p:nvPr/>
+        </p:nvSpPr>
+        <p:spPr>
+          <a:xfrm>
+            <a:off x="998552" y="5740760"/>
+            <a:ext cx="525984" cy="525984"/>
+          </a:xfrm>
+          <a:prstGeom prst="ellipse">
+            <a:avLst/>
+          </a:prstGeom>
+          <a:noFill/>
+          <a:ln w="28575">
+            <a:solidFill>
+              <a:schemeClr val="tx1"/>
+            </a:solidFill>
+          </a:ln>
+        </p:spPr>
+        <p:style>
+          <a:lnRef idx="2">
+            <a:schemeClr val="accent1">
+              <a:shade val="50000"/>
+            </a:schemeClr>
+          </a:lnRef>
+          <a:fillRef idx="1">
+            <a:schemeClr val="accent1"/>
+          </a:fillRef>
+          <a:effectRef idx="0">
+            <a:schemeClr val="accent1"/>
+          </a:effectRef>
+          <a:fontRef idx="minor">
+            <a:schemeClr val="lt1"/>
+          </a:fontRef>
+        </p:style>
+        <p:txBody>
+          <a:bodyPr rtlCol="0" anchor="ctr"/>
+          <a:lstStyle/>
+          <a:p>
+            <a:pPr algn="ctr"/>
+            <a:r>
+              <a:rPr lang="en-US" sz="1200" dirty="0">
+                <a:solidFill>
+                  <a:schemeClr val="tx1"/>
+                </a:solidFill>
+              </a:rPr>
+              <a:t>Q5</a:t>
+            </a:r>
+          </a:p>
+        </p:txBody>
+      </p:sp>
+      <p:cxnSp>
+        <p:nvCxnSpPr>
+          <p:cNvPr id="76" name="Straight Arrow Connector 75">
+            <a:extLst>
+              <a:ext uri="{FF2B5EF4-FFF2-40B4-BE49-F238E27FC236}">
+                <a16:creationId xmlns:a16="http://schemas.microsoft.com/office/drawing/2014/main" id="{1145586B-35E8-40DF-A152-6FEC0FBDC9CD}"/>
+              </a:ext>
+            </a:extLst>
+          </p:cNvPr>
+          <p:cNvCxnSpPr>
+            <a:cxnSpLocks/>
+            <a:stCxn id="70" idx="4"/>
+            <a:endCxn id="75" idx="0"/>
+          </p:cNvCxnSpPr>
+          <p:nvPr/>
+        </p:nvCxnSpPr>
+        <p:spPr>
+          <a:xfrm>
+            <a:off x="1261544" y="4189551"/>
+            <a:ext cx="0" cy="1551209"/>
+          </a:xfrm>
+          <a:prstGeom prst="straightConnector1">
+            <a:avLst/>
+          </a:prstGeom>
+          <a:ln>
+            <a:tailEnd type="triangle"/>
+          </a:ln>
+        </p:spPr>
+        <p:style>
+          <a:lnRef idx="1">
+            <a:schemeClr val="dk1"/>
+          </a:lnRef>
+          <a:fillRef idx="0">
+            <a:schemeClr val="dk1"/>
+          </a:fillRef>
+          <a:effectRef idx="0">
+            <a:schemeClr val="dk1"/>
+          </a:effectRef>
+          <a:fontRef idx="minor">
+            <a:schemeClr val="tx1"/>
+          </a:fontRef>
+        </p:style>
+      </p:cxnSp>
+      <p:cxnSp>
+        <p:nvCxnSpPr>
+          <p:cNvPr id="80" name="Connector: Curved 79">
+            <a:extLst>
+              <a:ext uri="{FF2B5EF4-FFF2-40B4-BE49-F238E27FC236}">
+                <a16:creationId xmlns:a16="http://schemas.microsoft.com/office/drawing/2014/main" id="{51D7F7E3-5221-4B04-83AF-88E29B5E4C9B}"/>
+              </a:ext>
+            </a:extLst>
+          </p:cNvPr>
+          <p:cNvCxnSpPr>
+            <a:cxnSpLocks/>
+            <a:stCxn id="75" idx="7"/>
+            <a:endCxn id="11" idx="2"/>
+          </p:cNvCxnSpPr>
+          <p:nvPr/>
+        </p:nvCxnSpPr>
+        <p:spPr>
+          <a:xfrm rot="5400000" flipH="1" flipV="1">
+            <a:off x="2747397" y="3544721"/>
+            <a:ext cx="973179" cy="3572959"/>
+          </a:xfrm>
+          <a:prstGeom prst="curvedConnector2">
+            <a:avLst/>
+          </a:prstGeom>
+          <a:ln>
+            <a:tailEnd type="triangle"/>
+          </a:ln>
+        </p:spPr>
+        <p:style>
+          <a:lnRef idx="1">
+            <a:schemeClr val="dk1"/>
+          </a:lnRef>
+          <a:fillRef idx="0">
+            <a:schemeClr val="dk1"/>
+          </a:fillRef>
+          <a:effectRef idx="0">
+            <a:schemeClr val="dk1"/>
+          </a:effectRef>
+          <a:fontRef idx="minor">
+            <a:schemeClr val="tx1"/>
+          </a:fontRef>
+        </p:style>
+      </p:cxnSp>
+      <p:sp>
+        <p:nvSpPr>
+          <p:cNvPr id="84" name="Rectangle 83">
+            <a:extLst>
+              <a:ext uri="{FF2B5EF4-FFF2-40B4-BE49-F238E27FC236}">
+                <a16:creationId xmlns:a16="http://schemas.microsoft.com/office/drawing/2014/main" id="{A25B8DAF-39C8-432F-BACE-E7EC64A3964A}"/>
+              </a:ext>
+            </a:extLst>
+          </p:cNvPr>
+          <p:cNvSpPr/>
+          <p:nvPr/>
+        </p:nvSpPr>
+        <p:spPr>
+          <a:xfrm>
+            <a:off x="625226" y="2539158"/>
+            <a:ext cx="625492" cy="276999"/>
+          </a:xfrm>
+          <a:prstGeom prst="rect">
+            <a:avLst/>
+          </a:prstGeom>
+        </p:spPr>
+        <p:txBody>
+          <a:bodyPr wrap="none">
+            <a:spAutoFit/>
+          </a:bodyPr>
+          <a:lstStyle/>
+          <a:p>
+            <a:r>
+              <a:rPr lang="en-US" sz="1200" dirty="0"/>
+              <a:t>1, 1 / L</a:t>
+            </a:r>
+            <a:endParaRPr lang="en-US" sz="700" dirty="0"/>
+          </a:p>
+        </p:txBody>
+      </p:sp>
+      <p:sp>
+        <p:nvSpPr>
+          <p:cNvPr id="85" name="Rectangle 84">
+            <a:extLst>
+              <a:ext uri="{FF2B5EF4-FFF2-40B4-BE49-F238E27FC236}">
+                <a16:creationId xmlns:a16="http://schemas.microsoft.com/office/drawing/2014/main" id="{6F654F1C-87DF-4CFF-9BC2-61E26691D529}"/>
+              </a:ext>
+            </a:extLst>
+          </p:cNvPr>
+          <p:cNvSpPr/>
+          <p:nvPr/>
+        </p:nvSpPr>
+        <p:spPr>
+          <a:xfrm>
+            <a:off x="632846" y="2809668"/>
+            <a:ext cx="631904" cy="276999"/>
+          </a:xfrm>
+          <a:prstGeom prst="rect">
+            <a:avLst/>
+          </a:prstGeom>
+        </p:spPr>
+        <p:txBody>
+          <a:bodyPr wrap="none">
+            <a:spAutoFit/>
+          </a:bodyPr>
+          <a:lstStyle/>
+          <a:p>
+            <a:r>
+              <a:rPr lang="en-US" sz="1200" dirty="0"/>
+              <a:t>2, 2 / L</a:t>
+            </a:r>
+            <a:endParaRPr lang="en-US" sz="700" dirty="0"/>
+          </a:p>
+        </p:txBody>
+      </p:sp>
+      <p:sp>
+        <p:nvSpPr>
+          <p:cNvPr id="86" name="Rectangle 85">
+            <a:extLst>
+              <a:ext uri="{FF2B5EF4-FFF2-40B4-BE49-F238E27FC236}">
+                <a16:creationId xmlns:a16="http://schemas.microsoft.com/office/drawing/2014/main" id="{2C13C011-4A43-4D3B-AF6E-99085E50D5BF}"/>
+              </a:ext>
+            </a:extLst>
+          </p:cNvPr>
+          <p:cNvSpPr/>
+          <p:nvPr/>
+        </p:nvSpPr>
+        <p:spPr>
+          <a:xfrm>
+            <a:off x="632846" y="3063705"/>
+            <a:ext cx="628698" cy="276999"/>
+          </a:xfrm>
+          <a:prstGeom prst="rect">
+            <a:avLst/>
+          </a:prstGeom>
+        </p:spPr>
+        <p:txBody>
+          <a:bodyPr wrap="none">
+            <a:spAutoFit/>
+          </a:bodyPr>
+          <a:lstStyle/>
+          <a:p>
+            <a:r>
+              <a:rPr lang="en-US" sz="1200" dirty="0"/>
+              <a:t>3, 3 / L</a:t>
+            </a:r>
+            <a:endParaRPr lang="en-US" sz="700" dirty="0"/>
+          </a:p>
+        </p:txBody>
+      </p:sp>
+      <p:cxnSp>
+        <p:nvCxnSpPr>
+          <p:cNvPr id="87" name="Connector: Curved 86">
+            <a:extLst>
+              <a:ext uri="{FF2B5EF4-FFF2-40B4-BE49-F238E27FC236}">
+                <a16:creationId xmlns:a16="http://schemas.microsoft.com/office/drawing/2014/main" id="{311EB255-94DB-42D9-BB3F-33141C79544E}"/>
+              </a:ext>
+            </a:extLst>
+          </p:cNvPr>
+          <p:cNvCxnSpPr>
+            <a:cxnSpLocks/>
+            <a:stCxn id="70" idx="1"/>
+            <a:endCxn id="70" idx="3"/>
+          </p:cNvCxnSpPr>
+          <p:nvPr/>
+        </p:nvCxnSpPr>
+        <p:spPr>
+          <a:xfrm rot="16200000" flipH="1">
+            <a:off x="889618" y="3926559"/>
+            <a:ext cx="371926" cy="12700"/>
+          </a:xfrm>
+          <a:prstGeom prst="curvedConnector5">
+            <a:avLst>
+              <a:gd name="adj1" fmla="val -61464"/>
+              <a:gd name="adj2" fmla="val -2253472"/>
+              <a:gd name="adj3" fmla="val 161464"/>
+            </a:avLst>
+          </a:prstGeom>
+          <a:ln>
+            <a:tailEnd type="triangle"/>
+          </a:ln>
+        </p:spPr>
+        <p:style>
+          <a:lnRef idx="1">
+            <a:schemeClr val="dk1"/>
+          </a:lnRef>
+          <a:fillRef idx="0">
+            <a:schemeClr val="dk1"/>
+          </a:fillRef>
+          <a:effectRef idx="0">
+            <a:schemeClr val="dk1"/>
+          </a:effectRef>
+          <a:fontRef idx="minor">
+            <a:schemeClr val="tx1"/>
+          </a:fontRef>
+        </p:style>
+      </p:cxnSp>
+      <p:sp>
+        <p:nvSpPr>
+          <p:cNvPr id="93" name="Rectangle 92">
+            <a:extLst>
+              <a:ext uri="{FF2B5EF4-FFF2-40B4-BE49-F238E27FC236}">
+                <a16:creationId xmlns:a16="http://schemas.microsoft.com/office/drawing/2014/main" id="{92FA45A4-DC5E-4C73-9B41-A913AB7978D8}"/>
+              </a:ext>
+            </a:extLst>
+          </p:cNvPr>
+          <p:cNvSpPr/>
+          <p:nvPr/>
+        </p:nvSpPr>
+        <p:spPr>
+          <a:xfrm>
+            <a:off x="166716" y="3579085"/>
+            <a:ext cx="625492" cy="276999"/>
+          </a:xfrm>
+          <a:prstGeom prst="rect">
+            <a:avLst/>
+          </a:prstGeom>
+        </p:spPr>
+        <p:txBody>
+          <a:bodyPr wrap="none">
+            <a:spAutoFit/>
+          </a:bodyPr>
+          <a:lstStyle/>
+          <a:p>
+            <a:r>
+              <a:rPr lang="en-US" sz="1200" dirty="0"/>
+              <a:t>1, a / L</a:t>
+            </a:r>
+            <a:endParaRPr lang="en-US" sz="700" dirty="0"/>
+          </a:p>
+        </p:txBody>
+      </p:sp>
+      <p:sp>
+        <p:nvSpPr>
+          <p:cNvPr id="94" name="Rectangle 93">
+            <a:extLst>
+              <a:ext uri="{FF2B5EF4-FFF2-40B4-BE49-F238E27FC236}">
+                <a16:creationId xmlns:a16="http://schemas.microsoft.com/office/drawing/2014/main" id="{6A9A44F4-82E7-427A-876B-F2FFAECCCA3F}"/>
+              </a:ext>
+            </a:extLst>
+          </p:cNvPr>
+          <p:cNvSpPr/>
+          <p:nvPr/>
+        </p:nvSpPr>
+        <p:spPr>
+          <a:xfrm>
+            <a:off x="174336" y="3864835"/>
+            <a:ext cx="611065" cy="276999"/>
+          </a:xfrm>
+          <a:prstGeom prst="rect">
+            <a:avLst/>
+          </a:prstGeom>
+        </p:spPr>
+        <p:txBody>
+          <a:bodyPr wrap="none">
+            <a:spAutoFit/>
+          </a:bodyPr>
+          <a:lstStyle/>
+          <a:p>
+            <a:r>
+              <a:rPr lang="en-US" sz="1200" dirty="0"/>
+              <a:t>2, b / L</a:t>
+            </a:r>
+            <a:endParaRPr lang="en-US" sz="700" dirty="0"/>
+          </a:p>
+        </p:txBody>
+      </p:sp>
+      <p:sp>
+        <p:nvSpPr>
+          <p:cNvPr id="95" name="Rectangle 94">
+            <a:extLst>
+              <a:ext uri="{FF2B5EF4-FFF2-40B4-BE49-F238E27FC236}">
+                <a16:creationId xmlns:a16="http://schemas.microsoft.com/office/drawing/2014/main" id="{443852BB-FB53-44B7-804C-80C0FEC429C7}"/>
+              </a:ext>
+            </a:extLst>
+          </p:cNvPr>
+          <p:cNvSpPr/>
+          <p:nvPr/>
+        </p:nvSpPr>
+        <p:spPr>
+          <a:xfrm>
+            <a:off x="174336" y="4118872"/>
+            <a:ext cx="596638" cy="276999"/>
+          </a:xfrm>
+          <a:prstGeom prst="rect">
+            <a:avLst/>
+          </a:prstGeom>
+        </p:spPr>
+        <p:txBody>
+          <a:bodyPr wrap="none">
+            <a:spAutoFit/>
+          </a:bodyPr>
+          <a:lstStyle/>
+          <a:p>
+            <a:r>
+              <a:rPr lang="en-US" sz="1200" dirty="0"/>
+              <a:t>3, c / L</a:t>
+            </a:r>
+            <a:endParaRPr lang="en-US" sz="700" dirty="0"/>
+          </a:p>
+        </p:txBody>
+      </p:sp>
+      <p:sp>
+        <p:nvSpPr>
+          <p:cNvPr id="96" name="Rectangle 95">
+            <a:extLst>
+              <a:ext uri="{FF2B5EF4-FFF2-40B4-BE49-F238E27FC236}">
+                <a16:creationId xmlns:a16="http://schemas.microsoft.com/office/drawing/2014/main" id="{6D0F11D5-1214-41D0-B89E-6BAF2D5EB130}"/>
+              </a:ext>
+            </a:extLst>
+          </p:cNvPr>
+          <p:cNvSpPr/>
+          <p:nvPr/>
+        </p:nvSpPr>
+        <p:spPr>
+          <a:xfrm>
+            <a:off x="582850" y="4814500"/>
+            <a:ext cx="628698" cy="276999"/>
+          </a:xfrm>
+          <a:prstGeom prst="rect">
+            <a:avLst/>
+          </a:prstGeom>
+        </p:spPr>
+        <p:txBody>
+          <a:bodyPr wrap="none">
+            <a:spAutoFit/>
+          </a:bodyPr>
+          <a:lstStyle/>
+          <a:p>
+            <a:r>
+              <a:rPr lang="en-US" sz="1200" dirty="0"/>
+              <a:t>$, $ / R</a:t>
+            </a:r>
+            <a:endParaRPr lang="en-US" sz="700" dirty="0"/>
+          </a:p>
+        </p:txBody>
+      </p:sp>
+      <p:sp>
+        <p:nvSpPr>
+          <p:cNvPr id="97" name="Oval 96">
+            <a:extLst>
+              <a:ext uri="{FF2B5EF4-FFF2-40B4-BE49-F238E27FC236}">
+                <a16:creationId xmlns:a16="http://schemas.microsoft.com/office/drawing/2014/main" id="{ABA4FB07-D6AA-4C15-934E-AD14FE2BBBFA}"/>
+              </a:ext>
+            </a:extLst>
+          </p:cNvPr>
+          <p:cNvSpPr/>
+          <p:nvPr/>
+        </p:nvSpPr>
+        <p:spPr>
+          <a:xfrm>
+            <a:off x="796799" y="8946688"/>
+            <a:ext cx="525984" cy="525984"/>
+          </a:xfrm>
+          <a:prstGeom prst="ellipse">
+            <a:avLst/>
+          </a:prstGeom>
+          <a:noFill/>
+          <a:ln w="28575">
+            <a:solidFill>
+              <a:schemeClr val="tx1"/>
+            </a:solidFill>
+          </a:ln>
+        </p:spPr>
+        <p:style>
+          <a:lnRef idx="2">
+            <a:schemeClr val="accent1">
+              <a:shade val="50000"/>
+            </a:schemeClr>
+          </a:lnRef>
+          <a:fillRef idx="1">
+            <a:schemeClr val="accent1"/>
+          </a:fillRef>
+          <a:effectRef idx="0">
+            <a:schemeClr val="accent1"/>
+          </a:effectRef>
+          <a:fontRef idx="minor">
+            <a:schemeClr val="lt1"/>
+          </a:fontRef>
+        </p:style>
+        <p:txBody>
+          <a:bodyPr rtlCol="0" anchor="ctr"/>
+          <a:lstStyle/>
+          <a:p>
+            <a:pPr algn="ctr"/>
+            <a:r>
+              <a:rPr lang="en-US" sz="1200" dirty="0">
+                <a:solidFill>
+                  <a:schemeClr val="tx1"/>
+                </a:solidFill>
+              </a:rPr>
+              <a:t>Q5</a:t>
+            </a:r>
+          </a:p>
+        </p:txBody>
+      </p:sp>
+      <p:sp>
+        <p:nvSpPr>
+          <p:cNvPr id="98" name="Oval 97">
+            <a:extLst>
+              <a:ext uri="{FF2B5EF4-FFF2-40B4-BE49-F238E27FC236}">
+                <a16:creationId xmlns:a16="http://schemas.microsoft.com/office/drawing/2014/main" id="{9959AE87-3214-4F6C-9D04-FB3C9008CEA6}"/>
+              </a:ext>
+            </a:extLst>
+          </p:cNvPr>
+          <p:cNvSpPr/>
+          <p:nvPr/>
+        </p:nvSpPr>
+        <p:spPr>
+          <a:xfrm>
+            <a:off x="3497183" y="7532472"/>
+            <a:ext cx="525984" cy="525984"/>
+          </a:xfrm>
+          <a:prstGeom prst="ellipse">
+            <a:avLst/>
+          </a:prstGeom>
+          <a:noFill/>
+          <a:ln w="28575">
+            <a:solidFill>
+              <a:schemeClr val="tx1"/>
+            </a:solidFill>
+          </a:ln>
+        </p:spPr>
+        <p:style>
+          <a:lnRef idx="2">
+            <a:schemeClr val="accent1">
+              <a:shade val="50000"/>
+            </a:schemeClr>
+          </a:lnRef>
+          <a:fillRef idx="1">
+            <a:schemeClr val="accent1"/>
+          </a:fillRef>
+          <a:effectRef idx="0">
+            <a:schemeClr val="accent1"/>
+          </a:effectRef>
+          <a:fontRef idx="minor">
+            <a:schemeClr val="lt1"/>
+          </a:fontRef>
+        </p:style>
+        <p:txBody>
+          <a:bodyPr rtlCol="0" anchor="ctr"/>
+          <a:lstStyle/>
+          <a:p>
+            <a:pPr algn="ctr"/>
+            <a:r>
+              <a:rPr lang="en-US" sz="1200" dirty="0">
+                <a:solidFill>
+                  <a:schemeClr val="tx1"/>
+                </a:solidFill>
+              </a:rPr>
+              <a:t>Q5</a:t>
+            </a:r>
+          </a:p>
+        </p:txBody>
+      </p:sp>
+      <p:sp>
+        <p:nvSpPr>
+          <p:cNvPr id="99" name="Oval 98">
+            <a:extLst>
+              <a:ext uri="{FF2B5EF4-FFF2-40B4-BE49-F238E27FC236}">
+                <a16:creationId xmlns:a16="http://schemas.microsoft.com/office/drawing/2014/main" id="{F753ADEE-49B9-41DB-9A5C-C4287430199C}"/>
+              </a:ext>
+            </a:extLst>
+          </p:cNvPr>
+          <p:cNvSpPr/>
+          <p:nvPr/>
+        </p:nvSpPr>
+        <p:spPr>
+          <a:xfrm>
+            <a:off x="4585095" y="6129846"/>
+            <a:ext cx="525984" cy="525984"/>
+          </a:xfrm>
+          <a:prstGeom prst="ellipse">
+            <a:avLst/>
+          </a:prstGeom>
+          <a:noFill/>
+          <a:ln w="28575">
+            <a:solidFill>
+              <a:schemeClr val="tx1"/>
+            </a:solidFill>
+          </a:ln>
+        </p:spPr>
+        <p:style>
+          <a:lnRef idx="2">
+            <a:schemeClr val="accent1">
+              <a:shade val="50000"/>
+            </a:schemeClr>
+          </a:lnRef>
+          <a:fillRef idx="1">
+            <a:schemeClr val="accent1"/>
+          </a:fillRef>
+          <a:effectRef idx="0">
+            <a:schemeClr val="accent1"/>
+          </a:effectRef>
+          <a:fontRef idx="minor">
+            <a:schemeClr val="lt1"/>
+          </a:fontRef>
+        </p:style>
+        <p:txBody>
+          <a:bodyPr rtlCol="0" anchor="ctr"/>
+          <a:lstStyle/>
+          <a:p>
+            <a:pPr algn="ctr"/>
+            <a:r>
+              <a:rPr lang="en-US" sz="1200" dirty="0">
+                <a:solidFill>
+                  <a:schemeClr val="tx1"/>
+                </a:solidFill>
+              </a:rPr>
+              <a:t>Q5</a:t>
+            </a:r>
+          </a:p>
+        </p:txBody>
+      </p:sp>
+      <p:sp>
+        <p:nvSpPr>
+          <p:cNvPr id="100" name="Oval 99">
+            <a:extLst>
+              <a:ext uri="{FF2B5EF4-FFF2-40B4-BE49-F238E27FC236}">
+                <a16:creationId xmlns:a16="http://schemas.microsoft.com/office/drawing/2014/main" id="{4A8D2986-FDB6-443F-A3FD-EA475D57A18E}"/>
+              </a:ext>
+            </a:extLst>
+          </p:cNvPr>
+          <p:cNvSpPr/>
+          <p:nvPr/>
+        </p:nvSpPr>
+        <p:spPr>
+          <a:xfrm>
+            <a:off x="5009233" y="8718165"/>
+            <a:ext cx="525984" cy="525984"/>
+          </a:xfrm>
+          <a:prstGeom prst="ellipse">
+            <a:avLst/>
+          </a:prstGeom>
+          <a:noFill/>
+          <a:ln w="28575">
+            <a:solidFill>
+              <a:schemeClr val="tx1"/>
+            </a:solidFill>
+          </a:ln>
+        </p:spPr>
+        <p:style>
+          <a:lnRef idx="2">
+            <a:schemeClr val="accent1">
+              <a:shade val="50000"/>
+            </a:schemeClr>
+          </a:lnRef>
+          <a:fillRef idx="1">
+            <a:schemeClr val="accent1"/>
+          </a:fillRef>
+          <a:effectRef idx="0">
+            <a:schemeClr val="accent1"/>
+          </a:effectRef>
+          <a:fontRef idx="minor">
+            <a:schemeClr val="lt1"/>
+          </a:fontRef>
+        </p:style>
+        <p:txBody>
+          <a:bodyPr rtlCol="0" anchor="ctr"/>
+          <a:lstStyle/>
+          <a:p>
+            <a:pPr algn="ctr"/>
+            <a:r>
+              <a:rPr lang="en-US" sz="1200" dirty="0">
+                <a:solidFill>
+                  <a:schemeClr val="tx1"/>
+                </a:solidFill>
+              </a:rPr>
+              <a:t>Q5</a:t>
+            </a:r>
+          </a:p>
+        </p:txBody>
+      </p:sp>
+      <p:cxnSp>
+        <p:nvCxnSpPr>
+          <p:cNvPr id="102" name="Connector: Curved 101">
+            <a:extLst>
+              <a:ext uri="{FF2B5EF4-FFF2-40B4-BE49-F238E27FC236}">
+                <a16:creationId xmlns:a16="http://schemas.microsoft.com/office/drawing/2014/main" id="{1D04FCB9-4694-466C-A006-353AB8759297}"/>
+              </a:ext>
+            </a:extLst>
+          </p:cNvPr>
+          <p:cNvCxnSpPr>
+            <a:cxnSpLocks/>
+            <a:stCxn id="99" idx="4"/>
+            <a:endCxn id="98" idx="6"/>
+          </p:cNvCxnSpPr>
+          <p:nvPr/>
+        </p:nvCxnSpPr>
+        <p:spPr>
+          <a:xfrm rot="5400000">
+            <a:off x="3865810" y="6813187"/>
+            <a:ext cx="1139634" cy="824920"/>
+          </a:xfrm>
+          <a:prstGeom prst="curvedConnector2">
+            <a:avLst/>
+          </a:prstGeom>
+          <a:ln>
+            <a:tailEnd type="triangle"/>
+          </a:ln>
+        </p:spPr>
+        <p:style>
+          <a:lnRef idx="1">
+            <a:schemeClr val="dk1"/>
+          </a:lnRef>
+          <a:fillRef idx="0">
+            <a:schemeClr val="dk1"/>
+          </a:fillRef>
+          <a:effectRef idx="0">
+            <a:schemeClr val="dk1"/>
+          </a:effectRef>
+          <a:fontRef idx="minor">
+            <a:schemeClr val="tx1"/>
+          </a:fontRef>
+        </p:style>
+      </p:cxnSp>
+      <p:cxnSp>
+        <p:nvCxnSpPr>
+          <p:cNvPr id="109" name="Connector: Curved 108">
+            <a:extLst>
+              <a:ext uri="{FF2B5EF4-FFF2-40B4-BE49-F238E27FC236}">
+                <a16:creationId xmlns:a16="http://schemas.microsoft.com/office/drawing/2014/main" id="{8256FCA2-847D-4F48-BA59-71126D097A64}"/>
+              </a:ext>
+            </a:extLst>
+          </p:cNvPr>
+          <p:cNvCxnSpPr>
+            <a:cxnSpLocks/>
+            <a:stCxn id="97" idx="6"/>
+            <a:endCxn id="98" idx="3"/>
+          </p:cNvCxnSpPr>
+          <p:nvPr/>
+        </p:nvCxnSpPr>
+        <p:spPr>
+          <a:xfrm flipV="1">
+            <a:off x="1322783" y="7981427"/>
+            <a:ext cx="2251429" cy="1228253"/>
+          </a:xfrm>
+          <a:prstGeom prst="curvedConnector2">
+            <a:avLst/>
+          </a:prstGeom>
+          <a:ln>
+            <a:tailEnd type="triangle"/>
+          </a:ln>
+        </p:spPr>
+        <p:style>
+          <a:lnRef idx="1">
+            <a:schemeClr val="dk1"/>
+          </a:lnRef>
+          <a:fillRef idx="0">
+            <a:schemeClr val="dk1"/>
+          </a:fillRef>
+          <a:effectRef idx="0">
+            <a:schemeClr val="dk1"/>
+          </a:effectRef>
+          <a:fontRef idx="minor">
+            <a:schemeClr val="tx1"/>
+          </a:fontRef>
+        </p:style>
+      </p:cxnSp>
+      <p:cxnSp>
+        <p:nvCxnSpPr>
+          <p:cNvPr id="112" name="Connector: Curved 111">
+            <a:extLst>
+              <a:ext uri="{FF2B5EF4-FFF2-40B4-BE49-F238E27FC236}">
+                <a16:creationId xmlns:a16="http://schemas.microsoft.com/office/drawing/2014/main" id="{FCFA60EF-062B-43A6-9150-C8638E772DE9}"/>
+              </a:ext>
+            </a:extLst>
+          </p:cNvPr>
+          <p:cNvCxnSpPr>
+            <a:cxnSpLocks/>
+            <a:stCxn id="98" idx="1"/>
+            <a:endCxn id="98" idx="7"/>
+          </p:cNvCxnSpPr>
+          <p:nvPr/>
+        </p:nvCxnSpPr>
+        <p:spPr>
+          <a:xfrm rot="5400000" flipH="1" flipV="1">
+            <a:off x="3760175" y="7423538"/>
+            <a:ext cx="12700" cy="371926"/>
+          </a:xfrm>
+          <a:prstGeom prst="curvedConnector3">
+            <a:avLst>
+              <a:gd name="adj1" fmla="val 3381528"/>
+            </a:avLst>
+          </a:prstGeom>
+          <a:ln>
+            <a:tailEnd type="triangle"/>
+          </a:ln>
+        </p:spPr>
+        <p:style>
+          <a:lnRef idx="1">
+            <a:schemeClr val="dk1"/>
+          </a:lnRef>
+          <a:fillRef idx="0">
+            <a:schemeClr val="dk1"/>
+          </a:fillRef>
+          <a:effectRef idx="0">
+            <a:schemeClr val="dk1"/>
+          </a:effectRef>
+          <a:fontRef idx="minor">
+            <a:schemeClr val="tx1"/>
+          </a:fontRef>
+        </p:style>
+      </p:cxnSp>
+      <p:cxnSp>
+        <p:nvCxnSpPr>
+          <p:cNvPr id="116" name="Connector: Curved 115">
+            <a:extLst>
+              <a:ext uri="{FF2B5EF4-FFF2-40B4-BE49-F238E27FC236}">
+                <a16:creationId xmlns:a16="http://schemas.microsoft.com/office/drawing/2014/main" id="{D5B41BBE-3A9F-4D3B-9DA9-06329AE78616}"/>
+              </a:ext>
+            </a:extLst>
+          </p:cNvPr>
+          <p:cNvCxnSpPr>
+            <a:cxnSpLocks/>
+            <a:stCxn id="98" idx="2"/>
+            <a:endCxn id="75" idx="5"/>
+          </p:cNvCxnSpPr>
+          <p:nvPr/>
+        </p:nvCxnSpPr>
+        <p:spPr>
+          <a:xfrm rot="10800000">
+            <a:off x="1447507" y="6189716"/>
+            <a:ext cx="2049676" cy="1605749"/>
+          </a:xfrm>
+          <a:prstGeom prst="curvedConnector2">
+            <a:avLst/>
+          </a:prstGeom>
+          <a:ln>
+            <a:tailEnd type="triangle"/>
+          </a:ln>
+        </p:spPr>
+        <p:style>
+          <a:lnRef idx="1">
+            <a:schemeClr val="dk1"/>
+          </a:lnRef>
+          <a:fillRef idx="0">
+            <a:schemeClr val="dk1"/>
+          </a:fillRef>
+          <a:effectRef idx="0">
+            <a:schemeClr val="dk1"/>
+          </a:effectRef>
+          <a:fontRef idx="minor">
+            <a:schemeClr val="tx1"/>
+          </a:fontRef>
+        </p:style>
+      </p:cxnSp>
+      <p:cxnSp>
+        <p:nvCxnSpPr>
+          <p:cNvPr id="128" name="Connector: Curved 127">
+            <a:extLst>
+              <a:ext uri="{FF2B5EF4-FFF2-40B4-BE49-F238E27FC236}">
+                <a16:creationId xmlns:a16="http://schemas.microsoft.com/office/drawing/2014/main" id="{C2186F4C-81CD-45C4-8747-C0DDFC15C2D8}"/>
+              </a:ext>
+            </a:extLst>
+          </p:cNvPr>
+          <p:cNvCxnSpPr>
+            <a:cxnSpLocks/>
+          </p:cNvCxnSpPr>
+          <p:nvPr/>
+        </p:nvCxnSpPr>
+        <p:spPr>
+          <a:xfrm>
+            <a:off x="1487053" y="6003751"/>
+            <a:ext cx="3137588" cy="203123"/>
+          </a:xfrm>
+          <a:prstGeom prst="curvedConnector2">
+            <a:avLst/>
+          </a:prstGeom>
+          <a:ln>
+            <a:tailEnd type="triangle"/>
+          </a:ln>
+        </p:spPr>
+        <p:style>
+          <a:lnRef idx="1">
+            <a:schemeClr val="dk1"/>
+          </a:lnRef>
+          <a:fillRef idx="0">
+            <a:schemeClr val="dk1"/>
+          </a:fillRef>
+          <a:effectRef idx="0">
+            <a:schemeClr val="dk1"/>
+          </a:effectRef>
+          <a:fontRef idx="minor">
+            <a:schemeClr val="tx1"/>
+          </a:fontRef>
+        </p:style>
+      </p:cxnSp>
+      <p:cxnSp>
+        <p:nvCxnSpPr>
+          <p:cNvPr id="133" name="Connector: Curved 132">
+            <a:extLst>
+              <a:ext uri="{FF2B5EF4-FFF2-40B4-BE49-F238E27FC236}">
+                <a16:creationId xmlns:a16="http://schemas.microsoft.com/office/drawing/2014/main" id="{D5167FE5-8321-472C-9DB8-5E4E337281D4}"/>
+              </a:ext>
+            </a:extLst>
+          </p:cNvPr>
+          <p:cNvCxnSpPr>
+            <a:cxnSpLocks/>
+            <a:stCxn id="99" idx="7"/>
+            <a:endCxn id="99" idx="5"/>
+          </p:cNvCxnSpPr>
+          <p:nvPr/>
+        </p:nvCxnSpPr>
+        <p:spPr>
+          <a:xfrm rot="16200000" flipH="1">
+            <a:off x="4848087" y="6392838"/>
+            <a:ext cx="371926" cy="12700"/>
+          </a:xfrm>
+          <a:prstGeom prst="curvedConnector5">
+            <a:avLst>
+              <a:gd name="adj1" fmla="val -61464"/>
+              <a:gd name="adj2" fmla="val 5335079"/>
+              <a:gd name="adj3" fmla="val 161464"/>
+            </a:avLst>
+          </a:prstGeom>
+          <a:ln>
+            <a:tailEnd type="triangle"/>
+          </a:ln>
+        </p:spPr>
+        <p:style>
+          <a:lnRef idx="1">
+            <a:schemeClr val="dk1"/>
+          </a:lnRef>
+          <a:fillRef idx="0">
+            <a:schemeClr val="dk1"/>
+          </a:fillRef>
+          <a:effectRef idx="0">
+            <a:schemeClr val="dk1"/>
+          </a:effectRef>
+          <a:fontRef idx="minor">
+            <a:schemeClr val="tx1"/>
+          </a:fontRef>
+        </p:style>
+      </p:cxnSp>
+      <p:cxnSp>
+        <p:nvCxnSpPr>
+          <p:cNvPr id="136" name="Connector: Curved 135">
+            <a:extLst>
+              <a:ext uri="{FF2B5EF4-FFF2-40B4-BE49-F238E27FC236}">
+                <a16:creationId xmlns:a16="http://schemas.microsoft.com/office/drawing/2014/main" id="{B6D47CA5-4B13-4CEC-BD73-5EAA1FBBAEE6}"/>
+              </a:ext>
+            </a:extLst>
+          </p:cNvPr>
+          <p:cNvCxnSpPr>
+            <a:cxnSpLocks/>
+            <a:stCxn id="100" idx="6"/>
+            <a:endCxn id="100" idx="4"/>
+          </p:cNvCxnSpPr>
+          <p:nvPr/>
+        </p:nvCxnSpPr>
+        <p:spPr>
+          <a:xfrm flipH="1">
+            <a:off x="5272225" y="8981157"/>
+            <a:ext cx="262992" cy="262992"/>
+          </a:xfrm>
+          <a:prstGeom prst="curvedConnector4">
+            <a:avLst>
+              <a:gd name="adj1" fmla="val -86923"/>
+              <a:gd name="adj2" fmla="val 186923"/>
+            </a:avLst>
+          </a:prstGeom>
+          <a:ln>
+            <a:tailEnd type="triangle"/>
+          </a:ln>
+        </p:spPr>
+        <p:style>
+          <a:lnRef idx="1">
+            <a:schemeClr val="dk1"/>
+          </a:lnRef>
+          <a:fillRef idx="0">
+            <a:schemeClr val="dk1"/>
+          </a:fillRef>
+          <a:effectRef idx="0">
+            <a:schemeClr val="dk1"/>
+          </a:effectRef>
+          <a:fontRef idx="minor">
+            <a:schemeClr val="tx1"/>
+          </a:fontRef>
+        </p:style>
+      </p:cxnSp>
+      <p:cxnSp>
+        <p:nvCxnSpPr>
+          <p:cNvPr id="142" name="Connector: Curved 141">
+            <a:extLst>
+              <a:ext uri="{FF2B5EF4-FFF2-40B4-BE49-F238E27FC236}">
+                <a16:creationId xmlns:a16="http://schemas.microsoft.com/office/drawing/2014/main" id="{F3893BBB-1E37-425A-B60E-93EB0BA87DEA}"/>
+              </a:ext>
+            </a:extLst>
+          </p:cNvPr>
+          <p:cNvCxnSpPr>
+            <a:cxnSpLocks/>
+            <a:stCxn id="97" idx="4"/>
+            <a:endCxn id="97" idx="2"/>
+          </p:cNvCxnSpPr>
+          <p:nvPr/>
+        </p:nvCxnSpPr>
+        <p:spPr>
+          <a:xfrm rot="5400000" flipH="1">
+            <a:off x="796799" y="9209680"/>
+            <a:ext cx="262992" cy="262992"/>
+          </a:xfrm>
+          <a:prstGeom prst="curvedConnector4">
+            <a:avLst>
+              <a:gd name="adj1" fmla="val -86923"/>
+              <a:gd name="adj2" fmla="val 186923"/>
+            </a:avLst>
+          </a:prstGeom>
+          <a:ln>
+            <a:tailEnd type="triangle"/>
+          </a:ln>
+        </p:spPr>
+        <p:style>
+          <a:lnRef idx="1">
+            <a:schemeClr val="dk1"/>
+          </a:lnRef>
+          <a:fillRef idx="0">
+            <a:schemeClr val="dk1"/>
+          </a:fillRef>
+          <a:effectRef idx="0">
+            <a:schemeClr val="dk1"/>
+          </a:effectRef>
+          <a:fontRef idx="minor">
+            <a:schemeClr val="tx1"/>
+          </a:fontRef>
+        </p:style>
+      </p:cxnSp>
+      <p:cxnSp>
+        <p:nvCxnSpPr>
+          <p:cNvPr id="178" name="Connector: Curved 177">
+            <a:extLst>
+              <a:ext uri="{FF2B5EF4-FFF2-40B4-BE49-F238E27FC236}">
+                <a16:creationId xmlns:a16="http://schemas.microsoft.com/office/drawing/2014/main" id="{A96EE0F0-EC00-4255-98C0-6791A82F7496}"/>
+              </a:ext>
+            </a:extLst>
+          </p:cNvPr>
+          <p:cNvCxnSpPr>
+            <a:cxnSpLocks/>
+            <a:stCxn id="75" idx="3"/>
+            <a:endCxn id="97" idx="0"/>
+          </p:cNvCxnSpPr>
+          <p:nvPr/>
+        </p:nvCxnSpPr>
+        <p:spPr>
+          <a:xfrm rot="5400000">
+            <a:off x="-310800" y="7560306"/>
+            <a:ext cx="2756973" cy="15790"/>
+          </a:xfrm>
+          <a:prstGeom prst="curvedConnector3">
+            <a:avLst>
+              <a:gd name="adj1" fmla="val 50000"/>
+            </a:avLst>
+          </a:prstGeom>
+          <a:ln>
+            <a:tailEnd type="triangle"/>
+          </a:ln>
+        </p:spPr>
+        <p:style>
+          <a:lnRef idx="1">
+            <a:schemeClr val="dk1"/>
+          </a:lnRef>
+          <a:fillRef idx="0">
+            <a:schemeClr val="dk1"/>
+          </a:fillRef>
+          <a:effectRef idx="0">
+            <a:schemeClr val="dk1"/>
+          </a:effectRef>
+          <a:fontRef idx="minor">
+            <a:schemeClr val="tx1"/>
+          </a:fontRef>
+        </p:style>
+      </p:cxnSp>
+      <p:cxnSp>
+        <p:nvCxnSpPr>
+          <p:cNvPr id="184" name="Connector: Curved 183">
+            <a:extLst>
+              <a:ext uri="{FF2B5EF4-FFF2-40B4-BE49-F238E27FC236}">
+                <a16:creationId xmlns:a16="http://schemas.microsoft.com/office/drawing/2014/main" id="{AA578F0E-924E-4391-A06C-72B29B95BEE3}"/>
+              </a:ext>
+            </a:extLst>
+          </p:cNvPr>
+          <p:cNvCxnSpPr>
+            <a:cxnSpLocks/>
+            <a:stCxn id="75" idx="4"/>
+            <a:endCxn id="100" idx="2"/>
+          </p:cNvCxnSpPr>
+          <p:nvPr/>
+        </p:nvCxnSpPr>
+        <p:spPr>
+          <a:xfrm rot="16200000" flipH="1">
+            <a:off x="1778182" y="5750105"/>
+            <a:ext cx="2714413" cy="3747689"/>
+          </a:xfrm>
+          <a:prstGeom prst="curvedConnector2">
+            <a:avLst/>
+          </a:prstGeom>
+          <a:ln>
+            <a:tailEnd type="triangle"/>
+          </a:ln>
+        </p:spPr>
+        <p:style>
+          <a:lnRef idx="1">
+            <a:schemeClr val="dk1"/>
+          </a:lnRef>
+          <a:fillRef idx="0">
+            <a:schemeClr val="dk1"/>
+          </a:fillRef>
+          <a:effectRef idx="0">
+            <a:schemeClr val="dk1"/>
+          </a:effectRef>
+          <a:fontRef idx="minor">
+            <a:schemeClr val="tx1"/>
+          </a:fontRef>
+        </p:style>
+      </p:cxnSp>
+      <p:cxnSp>
+        <p:nvCxnSpPr>
+          <p:cNvPr id="198" name="Connector: Curved 197">
+            <a:extLst>
+              <a:ext uri="{FF2B5EF4-FFF2-40B4-BE49-F238E27FC236}">
+                <a16:creationId xmlns:a16="http://schemas.microsoft.com/office/drawing/2014/main" id="{4F75EDFD-466E-4E32-A60B-9106766CED5B}"/>
+              </a:ext>
+            </a:extLst>
+          </p:cNvPr>
+          <p:cNvCxnSpPr>
+            <a:cxnSpLocks/>
+            <a:stCxn id="100" idx="0"/>
+            <a:endCxn id="98" idx="5"/>
+          </p:cNvCxnSpPr>
+          <p:nvPr/>
+        </p:nvCxnSpPr>
+        <p:spPr>
+          <a:xfrm rot="16200000" flipV="1">
+            <a:off x="4240813" y="7686752"/>
+            <a:ext cx="736738" cy="1326087"/>
+          </a:xfrm>
+          <a:prstGeom prst="curvedConnector3">
+            <a:avLst>
+              <a:gd name="adj1" fmla="val 50000"/>
+            </a:avLst>
+          </a:prstGeom>
+          <a:ln>
+            <a:tailEnd type="triangle"/>
+          </a:ln>
+        </p:spPr>
+        <p:style>
+          <a:lnRef idx="1">
+            <a:schemeClr val="dk1"/>
+          </a:lnRef>
+          <a:fillRef idx="0">
+            <a:schemeClr val="dk1"/>
+          </a:fillRef>
+          <a:effectRef idx="0">
+            <a:schemeClr val="dk1"/>
+          </a:effectRef>
+          <a:fontRef idx="minor">
+            <a:schemeClr val="tx1"/>
+          </a:fontRef>
+        </p:style>
+      </p:cxnSp>
+      <p:sp>
+        <p:nvSpPr>
+          <p:cNvPr id="208" name="Rectangle 207">
+            <a:extLst>
+              <a:ext uri="{FF2B5EF4-FFF2-40B4-BE49-F238E27FC236}">
+                <a16:creationId xmlns:a16="http://schemas.microsoft.com/office/drawing/2014/main" id="{CEA25CF7-E89B-4472-B451-261940C5A41B}"/>
+              </a:ext>
+            </a:extLst>
+          </p:cNvPr>
+          <p:cNvSpPr/>
+          <p:nvPr/>
+        </p:nvSpPr>
+        <p:spPr>
+          <a:xfrm>
+            <a:off x="5851828" y="5922104"/>
+            <a:ext cx="625492" cy="276999"/>
+          </a:xfrm>
+          <a:prstGeom prst="rect">
+            <a:avLst/>
+          </a:prstGeom>
+        </p:spPr>
+        <p:txBody>
+          <a:bodyPr wrap="none">
+            <a:spAutoFit/>
+          </a:bodyPr>
+          <a:lstStyle/>
+          <a:p>
+            <a:r>
+              <a:rPr lang="en-US" sz="1200" dirty="0"/>
+              <a:t>a, a / R</a:t>
+            </a:r>
+            <a:endParaRPr lang="en-US" sz="700" dirty="0"/>
+          </a:p>
+        </p:txBody>
+      </p:sp>
+      <p:sp>
+        <p:nvSpPr>
+          <p:cNvPr id="209" name="Rectangle 208">
+            <a:extLst>
+              <a:ext uri="{FF2B5EF4-FFF2-40B4-BE49-F238E27FC236}">
+                <a16:creationId xmlns:a16="http://schemas.microsoft.com/office/drawing/2014/main" id="{ECD36AE6-06CF-489B-81D3-4EBFE5EC321C}"/>
+              </a:ext>
+            </a:extLst>
+          </p:cNvPr>
+          <p:cNvSpPr/>
+          <p:nvPr/>
+        </p:nvSpPr>
+        <p:spPr>
+          <a:xfrm>
+            <a:off x="5859448" y="6192614"/>
+            <a:ext cx="631904" cy="276999"/>
+          </a:xfrm>
+          <a:prstGeom prst="rect">
+            <a:avLst/>
+          </a:prstGeom>
+        </p:spPr>
+        <p:txBody>
+          <a:bodyPr wrap="none">
+            <a:spAutoFit/>
+          </a:bodyPr>
+          <a:lstStyle/>
+          <a:p>
+            <a:r>
+              <a:rPr lang="en-US" sz="1200" dirty="0"/>
+              <a:t>b, b / R</a:t>
+            </a:r>
+            <a:endParaRPr lang="en-US" sz="700" dirty="0"/>
+          </a:p>
+        </p:txBody>
+      </p:sp>
+      <p:sp>
+        <p:nvSpPr>
+          <p:cNvPr id="210" name="Rectangle 209">
+            <a:extLst>
+              <a:ext uri="{FF2B5EF4-FFF2-40B4-BE49-F238E27FC236}">
+                <a16:creationId xmlns:a16="http://schemas.microsoft.com/office/drawing/2014/main" id="{D529B9F7-47F9-4FDB-A60D-16A3DFA58B10}"/>
+              </a:ext>
+            </a:extLst>
+          </p:cNvPr>
+          <p:cNvSpPr/>
+          <p:nvPr/>
+        </p:nvSpPr>
+        <p:spPr>
+          <a:xfrm>
+            <a:off x="5859448" y="6446651"/>
+            <a:ext cx="617477" cy="276999"/>
+          </a:xfrm>
+          <a:prstGeom prst="rect">
+            <a:avLst/>
+          </a:prstGeom>
+        </p:spPr>
+        <p:txBody>
+          <a:bodyPr wrap="none">
+            <a:spAutoFit/>
+          </a:bodyPr>
+          <a:lstStyle/>
+          <a:p>
+            <a:r>
+              <a:rPr lang="en-US" sz="1200" dirty="0"/>
+              <a:t>c, c / R</a:t>
+            </a:r>
+            <a:endParaRPr lang="en-US" sz="700" dirty="0"/>
+          </a:p>
+        </p:txBody>
+      </p:sp>
+      <p:sp>
+        <p:nvSpPr>
+          <p:cNvPr id="211" name="Rectangle 210">
+            <a:extLst>
+              <a:ext uri="{FF2B5EF4-FFF2-40B4-BE49-F238E27FC236}">
+                <a16:creationId xmlns:a16="http://schemas.microsoft.com/office/drawing/2014/main" id="{9B0572F0-F9F8-46A0-B7ED-F1D1005C572C}"/>
+              </a:ext>
+            </a:extLst>
+          </p:cNvPr>
+          <p:cNvSpPr/>
+          <p:nvPr/>
+        </p:nvSpPr>
+        <p:spPr>
+          <a:xfrm>
+            <a:off x="5825581" y="8477029"/>
+            <a:ext cx="625492" cy="276999"/>
+          </a:xfrm>
+          <a:prstGeom prst="rect">
+            <a:avLst/>
+          </a:prstGeom>
+        </p:spPr>
+        <p:txBody>
+          <a:bodyPr wrap="none">
+            <a:spAutoFit/>
+          </a:bodyPr>
+          <a:lstStyle/>
+          <a:p>
+            <a:r>
+              <a:rPr lang="en-US" sz="1200" dirty="0"/>
+              <a:t>a, a / R</a:t>
+            </a:r>
+            <a:endParaRPr lang="en-US" sz="700" dirty="0"/>
+          </a:p>
+        </p:txBody>
+      </p:sp>
+      <p:sp>
+        <p:nvSpPr>
+          <p:cNvPr id="212" name="Rectangle 211">
+            <a:extLst>
+              <a:ext uri="{FF2B5EF4-FFF2-40B4-BE49-F238E27FC236}">
+                <a16:creationId xmlns:a16="http://schemas.microsoft.com/office/drawing/2014/main" id="{23C7BF18-03CF-40EE-AD5B-40F5FF4AE552}"/>
+              </a:ext>
+            </a:extLst>
+          </p:cNvPr>
+          <p:cNvSpPr/>
+          <p:nvPr/>
+        </p:nvSpPr>
+        <p:spPr>
+          <a:xfrm>
+            <a:off x="5833201" y="8747539"/>
+            <a:ext cx="631904" cy="276999"/>
+          </a:xfrm>
+          <a:prstGeom prst="rect">
+            <a:avLst/>
+          </a:prstGeom>
+        </p:spPr>
+        <p:txBody>
+          <a:bodyPr wrap="none">
+            <a:spAutoFit/>
+          </a:bodyPr>
+          <a:lstStyle/>
+          <a:p>
+            <a:r>
+              <a:rPr lang="en-US" sz="1200" dirty="0"/>
+              <a:t>b, b / R</a:t>
+            </a:r>
+            <a:endParaRPr lang="en-US" sz="700" dirty="0"/>
+          </a:p>
+        </p:txBody>
+      </p:sp>
+      <p:sp>
+        <p:nvSpPr>
+          <p:cNvPr id="213" name="Rectangle 212">
+            <a:extLst>
+              <a:ext uri="{FF2B5EF4-FFF2-40B4-BE49-F238E27FC236}">
+                <a16:creationId xmlns:a16="http://schemas.microsoft.com/office/drawing/2014/main" id="{92897E8B-198F-4329-821F-1E1F2FA6F828}"/>
+              </a:ext>
+            </a:extLst>
+          </p:cNvPr>
+          <p:cNvSpPr/>
+          <p:nvPr/>
+        </p:nvSpPr>
+        <p:spPr>
+          <a:xfrm>
+            <a:off x="5833201" y="9001576"/>
+            <a:ext cx="603050" cy="276999"/>
+          </a:xfrm>
+          <a:prstGeom prst="rect">
+            <a:avLst/>
+          </a:prstGeom>
+        </p:spPr>
+        <p:txBody>
+          <a:bodyPr wrap="none">
+            <a:spAutoFit/>
+          </a:bodyPr>
+          <a:lstStyle/>
+          <a:p>
+            <a:r>
+              <a:rPr lang="en-US" sz="1200" dirty="0"/>
+              <a:t>c, c / R</a:t>
+            </a:r>
+            <a:endParaRPr lang="en-US" sz="700" dirty="0"/>
+          </a:p>
+        </p:txBody>
+      </p:sp>
+      <p:sp>
+        <p:nvSpPr>
+          <p:cNvPr id="214" name="Rectangle 213">
+            <a:extLst>
+              <a:ext uri="{FF2B5EF4-FFF2-40B4-BE49-F238E27FC236}">
+                <a16:creationId xmlns:a16="http://schemas.microsoft.com/office/drawing/2014/main" id="{4B204930-0553-4B27-BAF0-D413BF495006}"/>
+              </a:ext>
+            </a:extLst>
+          </p:cNvPr>
+          <p:cNvSpPr/>
+          <p:nvPr/>
+        </p:nvSpPr>
+        <p:spPr>
+          <a:xfrm>
+            <a:off x="182682" y="8408134"/>
+            <a:ext cx="625492" cy="276999"/>
+          </a:xfrm>
+          <a:prstGeom prst="rect">
+            <a:avLst/>
+          </a:prstGeom>
+        </p:spPr>
+        <p:txBody>
+          <a:bodyPr wrap="none">
+            <a:spAutoFit/>
+          </a:bodyPr>
+          <a:lstStyle/>
+          <a:p>
+            <a:r>
+              <a:rPr lang="en-US" sz="1200" dirty="0"/>
+              <a:t>a, a / R</a:t>
+            </a:r>
+            <a:endParaRPr lang="en-US" sz="700" dirty="0"/>
+          </a:p>
+        </p:txBody>
+      </p:sp>
+      <p:sp>
+        <p:nvSpPr>
+          <p:cNvPr id="215" name="Rectangle 214">
+            <a:extLst>
+              <a:ext uri="{FF2B5EF4-FFF2-40B4-BE49-F238E27FC236}">
+                <a16:creationId xmlns:a16="http://schemas.microsoft.com/office/drawing/2014/main" id="{69EFF7D8-2E9B-4C9A-8DBB-B779FCCCC438}"/>
+              </a:ext>
+            </a:extLst>
+          </p:cNvPr>
+          <p:cNvSpPr/>
+          <p:nvPr/>
+        </p:nvSpPr>
+        <p:spPr>
+          <a:xfrm>
+            <a:off x="190302" y="8678644"/>
+            <a:ext cx="631904" cy="276999"/>
+          </a:xfrm>
+          <a:prstGeom prst="rect">
+            <a:avLst/>
+          </a:prstGeom>
+        </p:spPr>
+        <p:txBody>
+          <a:bodyPr wrap="none">
+            <a:spAutoFit/>
+          </a:bodyPr>
+          <a:lstStyle/>
+          <a:p>
+            <a:r>
+              <a:rPr lang="en-US" sz="1200" dirty="0"/>
+              <a:t>b, b / R</a:t>
+            </a:r>
+            <a:endParaRPr lang="en-US" sz="700" dirty="0"/>
+          </a:p>
+        </p:txBody>
+      </p:sp>
+      <p:sp>
+        <p:nvSpPr>
+          <p:cNvPr id="216" name="Rectangle 215">
+            <a:extLst>
+              <a:ext uri="{FF2B5EF4-FFF2-40B4-BE49-F238E27FC236}">
+                <a16:creationId xmlns:a16="http://schemas.microsoft.com/office/drawing/2014/main" id="{6B5BE78C-C00F-48E7-BDEC-ACE5846E8884}"/>
+              </a:ext>
+            </a:extLst>
+          </p:cNvPr>
+          <p:cNvSpPr/>
+          <p:nvPr/>
+        </p:nvSpPr>
+        <p:spPr>
+          <a:xfrm>
+            <a:off x="190302" y="8932681"/>
+            <a:ext cx="617477" cy="276999"/>
+          </a:xfrm>
+          <a:prstGeom prst="rect">
+            <a:avLst/>
+          </a:prstGeom>
+        </p:spPr>
+        <p:txBody>
+          <a:bodyPr wrap="none">
+            <a:spAutoFit/>
+          </a:bodyPr>
+          <a:lstStyle/>
+          <a:p>
+            <a:r>
+              <a:rPr lang="en-US" sz="1200" dirty="0"/>
+              <a:t>c, c / R</a:t>
+            </a:r>
+            <a:endParaRPr lang="en-US" sz="700" dirty="0"/>
+          </a:p>
+        </p:txBody>
+      </p:sp>
+      <p:sp>
+        <p:nvSpPr>
+          <p:cNvPr id="217" name="Rectangle 216">
+            <a:extLst>
+              <a:ext uri="{FF2B5EF4-FFF2-40B4-BE49-F238E27FC236}">
+                <a16:creationId xmlns:a16="http://schemas.microsoft.com/office/drawing/2014/main" id="{4E9B9A5C-EAAE-4422-91C4-C7871545117F}"/>
+              </a:ext>
+            </a:extLst>
+          </p:cNvPr>
+          <p:cNvSpPr/>
+          <p:nvPr/>
+        </p:nvSpPr>
+        <p:spPr>
+          <a:xfrm>
+            <a:off x="5856119" y="6703724"/>
+            <a:ext cx="628698" cy="276999"/>
+          </a:xfrm>
+          <a:prstGeom prst="rect">
+            <a:avLst/>
+          </a:prstGeom>
+        </p:spPr>
+        <p:txBody>
+          <a:bodyPr wrap="none">
+            <a:spAutoFit/>
+          </a:bodyPr>
+          <a:lstStyle/>
+          <a:p>
+            <a:r>
+              <a:rPr lang="en-US" sz="1200" dirty="0"/>
+              <a:t>0, 0 / R</a:t>
+            </a:r>
+            <a:endParaRPr lang="en-US" sz="700" dirty="0"/>
+          </a:p>
+        </p:txBody>
+      </p:sp>
+      <p:sp>
+        <p:nvSpPr>
+          <p:cNvPr id="218" name="Rectangle 217">
+            <a:extLst>
+              <a:ext uri="{FF2B5EF4-FFF2-40B4-BE49-F238E27FC236}">
+                <a16:creationId xmlns:a16="http://schemas.microsoft.com/office/drawing/2014/main" id="{39681EB1-49CB-417C-8C95-219150D6513A}"/>
+              </a:ext>
+            </a:extLst>
+          </p:cNvPr>
+          <p:cNvSpPr/>
+          <p:nvPr/>
+        </p:nvSpPr>
+        <p:spPr>
+          <a:xfrm>
+            <a:off x="5820377" y="9270164"/>
+            <a:ext cx="628698" cy="276999"/>
+          </a:xfrm>
+          <a:prstGeom prst="rect">
+            <a:avLst/>
+          </a:prstGeom>
+        </p:spPr>
+        <p:txBody>
+          <a:bodyPr wrap="none">
+            <a:spAutoFit/>
+          </a:bodyPr>
+          <a:lstStyle/>
+          <a:p>
+            <a:r>
+              <a:rPr lang="en-US" sz="1200" dirty="0"/>
+              <a:t>0, 0 / R</a:t>
+            </a:r>
+            <a:endParaRPr lang="en-US" sz="700" dirty="0"/>
+          </a:p>
+        </p:txBody>
+      </p:sp>
+      <p:sp>
+        <p:nvSpPr>
+          <p:cNvPr id="219" name="Rectangle 218">
+            <a:extLst>
+              <a:ext uri="{FF2B5EF4-FFF2-40B4-BE49-F238E27FC236}">
+                <a16:creationId xmlns:a16="http://schemas.microsoft.com/office/drawing/2014/main" id="{9A4252A9-43EE-4A3D-8B73-3F0716F13D72}"/>
+              </a:ext>
+            </a:extLst>
+          </p:cNvPr>
+          <p:cNvSpPr/>
+          <p:nvPr/>
+        </p:nvSpPr>
+        <p:spPr>
+          <a:xfrm>
+            <a:off x="168127" y="8154097"/>
+            <a:ext cx="628698" cy="276999"/>
+          </a:xfrm>
+          <a:prstGeom prst="rect">
+            <a:avLst/>
+          </a:prstGeom>
+        </p:spPr>
+        <p:txBody>
+          <a:bodyPr wrap="none">
+            <a:spAutoFit/>
+          </a:bodyPr>
+          <a:lstStyle/>
+          <a:p>
+            <a:r>
+              <a:rPr lang="en-US" sz="1200" dirty="0"/>
+              <a:t>0, 0 / R</a:t>
+            </a:r>
+            <a:endParaRPr lang="en-US" sz="700" dirty="0"/>
+          </a:p>
+        </p:txBody>
+      </p:sp>
+      <p:sp>
+        <p:nvSpPr>
+          <p:cNvPr id="226" name="Rectangle 225">
+            <a:extLst>
+              <a:ext uri="{FF2B5EF4-FFF2-40B4-BE49-F238E27FC236}">
+                <a16:creationId xmlns:a16="http://schemas.microsoft.com/office/drawing/2014/main" id="{8EC8994D-F46C-4DC6-8CBA-61A01F0535C6}"/>
+              </a:ext>
+            </a:extLst>
+          </p:cNvPr>
+          <p:cNvSpPr/>
+          <p:nvPr/>
+        </p:nvSpPr>
+        <p:spPr>
+          <a:xfrm>
+            <a:off x="3005668" y="6348216"/>
+            <a:ext cx="599844" cy="276999"/>
+          </a:xfrm>
+          <a:prstGeom prst="rect">
+            <a:avLst/>
+          </a:prstGeom>
+        </p:spPr>
+        <p:txBody>
+          <a:bodyPr wrap="none">
+            <a:spAutoFit/>
+          </a:bodyPr>
+          <a:lstStyle/>
+          <a:p>
+            <a:r>
+              <a:rPr lang="en-US" sz="1200" dirty="0"/>
+              <a:t>a, a / L</a:t>
+            </a:r>
+            <a:endParaRPr lang="en-US" sz="700" dirty="0"/>
+          </a:p>
+        </p:txBody>
+      </p:sp>
+      <p:sp>
+        <p:nvSpPr>
+          <p:cNvPr id="227" name="Rectangle 226">
+            <a:extLst>
+              <a:ext uri="{FF2B5EF4-FFF2-40B4-BE49-F238E27FC236}">
+                <a16:creationId xmlns:a16="http://schemas.microsoft.com/office/drawing/2014/main" id="{A181F71F-8325-44CE-91EF-054B66AA0B7A}"/>
+              </a:ext>
+            </a:extLst>
+          </p:cNvPr>
+          <p:cNvSpPr/>
+          <p:nvPr/>
+        </p:nvSpPr>
+        <p:spPr>
+          <a:xfrm>
+            <a:off x="3013288" y="6618726"/>
+            <a:ext cx="631904" cy="276999"/>
+          </a:xfrm>
+          <a:prstGeom prst="rect">
+            <a:avLst/>
+          </a:prstGeom>
+        </p:spPr>
+        <p:txBody>
+          <a:bodyPr wrap="none">
+            <a:spAutoFit/>
+          </a:bodyPr>
+          <a:lstStyle/>
+          <a:p>
+            <a:r>
+              <a:rPr lang="en-US" sz="1200" dirty="0"/>
+              <a:t>b, b / L</a:t>
+            </a:r>
+            <a:endParaRPr lang="en-US" sz="700" dirty="0"/>
+          </a:p>
+        </p:txBody>
+      </p:sp>
+      <p:sp>
+        <p:nvSpPr>
+          <p:cNvPr id="228" name="Rectangle 227">
+            <a:extLst>
+              <a:ext uri="{FF2B5EF4-FFF2-40B4-BE49-F238E27FC236}">
+                <a16:creationId xmlns:a16="http://schemas.microsoft.com/office/drawing/2014/main" id="{E37084BA-8B87-4031-BEC8-0F4FF823AD3C}"/>
+              </a:ext>
+            </a:extLst>
+          </p:cNvPr>
+          <p:cNvSpPr/>
+          <p:nvPr/>
+        </p:nvSpPr>
+        <p:spPr>
+          <a:xfrm>
+            <a:off x="3013288" y="6872763"/>
+            <a:ext cx="583814" cy="276999"/>
+          </a:xfrm>
+          <a:prstGeom prst="rect">
+            <a:avLst/>
+          </a:prstGeom>
+        </p:spPr>
+        <p:txBody>
+          <a:bodyPr wrap="none">
+            <a:spAutoFit/>
+          </a:bodyPr>
+          <a:lstStyle/>
+          <a:p>
+            <a:r>
+              <a:rPr lang="en-US" sz="1200" dirty="0"/>
+              <a:t>c, c / L</a:t>
+            </a:r>
+            <a:endParaRPr lang="en-US" sz="700" dirty="0"/>
+          </a:p>
+        </p:txBody>
+      </p:sp>
+      <p:sp>
+        <p:nvSpPr>
+          <p:cNvPr id="229" name="Rectangle 228">
+            <a:extLst>
+              <a:ext uri="{FF2B5EF4-FFF2-40B4-BE49-F238E27FC236}">
+                <a16:creationId xmlns:a16="http://schemas.microsoft.com/office/drawing/2014/main" id="{434A7AA3-1BD0-4310-984D-C6CFE61073BA}"/>
+              </a:ext>
+            </a:extLst>
+          </p:cNvPr>
+          <p:cNvSpPr/>
+          <p:nvPr/>
+        </p:nvSpPr>
+        <p:spPr>
+          <a:xfrm>
+            <a:off x="3009959" y="7129836"/>
+            <a:ext cx="609462" cy="276999"/>
+          </a:xfrm>
+          <a:prstGeom prst="rect">
+            <a:avLst/>
+          </a:prstGeom>
+        </p:spPr>
+        <p:txBody>
+          <a:bodyPr wrap="none">
+            <a:spAutoFit/>
+          </a:bodyPr>
+          <a:lstStyle/>
+          <a:p>
+            <a:r>
+              <a:rPr lang="en-US" sz="1200" dirty="0"/>
+              <a:t>0, 0 / L</a:t>
+            </a:r>
+            <a:endParaRPr lang="en-US" sz="700" dirty="0"/>
+          </a:p>
+        </p:txBody>
+      </p:sp>
+      <p:sp>
+        <p:nvSpPr>
+          <p:cNvPr id="230" name="Rectangle 229">
+            <a:extLst>
+              <a:ext uri="{FF2B5EF4-FFF2-40B4-BE49-F238E27FC236}">
+                <a16:creationId xmlns:a16="http://schemas.microsoft.com/office/drawing/2014/main" id="{DE3B212F-91ED-4C4B-8719-68936D53288A}"/>
+              </a:ext>
+            </a:extLst>
+          </p:cNvPr>
+          <p:cNvSpPr/>
+          <p:nvPr/>
+        </p:nvSpPr>
+        <p:spPr>
+          <a:xfrm>
+            <a:off x="332924" y="6899495"/>
+            <a:ext cx="630301" cy="276999"/>
+          </a:xfrm>
+          <a:prstGeom prst="rect">
+            <a:avLst/>
+          </a:prstGeom>
+        </p:spPr>
+        <p:txBody>
+          <a:bodyPr wrap="none">
+            <a:spAutoFit/>
+          </a:bodyPr>
+          <a:lstStyle/>
+          <a:p>
+            <a:r>
+              <a:rPr lang="en-US" sz="1200" dirty="0"/>
+              <a:t>b, 2 / R</a:t>
+            </a:r>
+            <a:endParaRPr lang="en-US" sz="700" dirty="0"/>
+          </a:p>
+        </p:txBody>
+      </p:sp>
+      <p:sp>
+        <p:nvSpPr>
+          <p:cNvPr id="231" name="Rectangle 230">
+            <a:extLst>
+              <a:ext uri="{FF2B5EF4-FFF2-40B4-BE49-F238E27FC236}">
+                <a16:creationId xmlns:a16="http://schemas.microsoft.com/office/drawing/2014/main" id="{4C9C4947-77D1-48E3-A203-5F26168C1700}"/>
+              </a:ext>
+            </a:extLst>
+          </p:cNvPr>
+          <p:cNvSpPr/>
+          <p:nvPr/>
+        </p:nvSpPr>
+        <p:spPr>
+          <a:xfrm>
+            <a:off x="3185238" y="5662586"/>
+            <a:ext cx="623889" cy="276999"/>
+          </a:xfrm>
+          <a:prstGeom prst="rect">
+            <a:avLst/>
+          </a:prstGeom>
+        </p:spPr>
+        <p:txBody>
+          <a:bodyPr wrap="none">
+            <a:spAutoFit/>
+          </a:bodyPr>
+          <a:lstStyle/>
+          <a:p>
+            <a:r>
+              <a:rPr lang="en-US" sz="1200" dirty="0"/>
+              <a:t>a, 1 / R</a:t>
+            </a:r>
+            <a:endParaRPr lang="en-US" sz="700" dirty="0"/>
+          </a:p>
+        </p:txBody>
+      </p:sp>
+      <p:sp>
+        <p:nvSpPr>
+          <p:cNvPr id="232" name="Rectangle 231">
+            <a:extLst>
+              <a:ext uri="{FF2B5EF4-FFF2-40B4-BE49-F238E27FC236}">
+                <a16:creationId xmlns:a16="http://schemas.microsoft.com/office/drawing/2014/main" id="{78EE5827-B8B9-40F1-9F59-1CCC4669AFC8}"/>
+              </a:ext>
+            </a:extLst>
+          </p:cNvPr>
+          <p:cNvSpPr/>
+          <p:nvPr/>
+        </p:nvSpPr>
+        <p:spPr>
+          <a:xfrm>
+            <a:off x="3525259" y="8932680"/>
+            <a:ext cx="623889" cy="276999"/>
+          </a:xfrm>
+          <a:prstGeom prst="rect">
+            <a:avLst/>
+          </a:prstGeom>
+        </p:spPr>
+        <p:txBody>
+          <a:bodyPr wrap="none">
+            <a:spAutoFit/>
+          </a:bodyPr>
+          <a:lstStyle/>
+          <a:p>
+            <a:r>
+              <a:rPr lang="en-US" sz="1200" dirty="0"/>
+              <a:t>c, 3 / R</a:t>
+            </a:r>
+            <a:endParaRPr lang="en-US" sz="700" dirty="0"/>
+          </a:p>
+        </p:txBody>
+      </p:sp>
+      <p:sp>
+        <p:nvSpPr>
+          <p:cNvPr id="233" name="Rectangle 232">
+            <a:extLst>
+              <a:ext uri="{FF2B5EF4-FFF2-40B4-BE49-F238E27FC236}">
+                <a16:creationId xmlns:a16="http://schemas.microsoft.com/office/drawing/2014/main" id="{944CEC82-9156-46A5-AF1E-C20A290A5208}"/>
+              </a:ext>
+            </a:extLst>
+          </p:cNvPr>
+          <p:cNvSpPr/>
+          <p:nvPr/>
+        </p:nvSpPr>
+        <p:spPr>
+          <a:xfrm>
+            <a:off x="4697288" y="8046052"/>
+            <a:ext cx="623889" cy="276999"/>
+          </a:xfrm>
+          <a:prstGeom prst="rect">
+            <a:avLst/>
+          </a:prstGeom>
+        </p:spPr>
+        <p:txBody>
+          <a:bodyPr wrap="none">
+            <a:spAutoFit/>
+          </a:bodyPr>
+          <a:lstStyle/>
+          <a:p>
+            <a:r>
+              <a:rPr lang="en-US" sz="1200" dirty="0"/>
+              <a:t>3, 0 / L</a:t>
+            </a:r>
+            <a:endParaRPr lang="en-US" sz="700" dirty="0"/>
+          </a:p>
+        </p:txBody>
+      </p:sp>
+      <p:sp>
+        <p:nvSpPr>
+          <p:cNvPr id="234" name="Rectangle 233">
+            <a:extLst>
+              <a:ext uri="{FF2B5EF4-FFF2-40B4-BE49-F238E27FC236}">
+                <a16:creationId xmlns:a16="http://schemas.microsoft.com/office/drawing/2014/main" id="{B7FA2061-2C72-47A4-8638-BCE6B72EB7C7}"/>
+              </a:ext>
+            </a:extLst>
+          </p:cNvPr>
+          <p:cNvSpPr/>
+          <p:nvPr/>
+        </p:nvSpPr>
+        <p:spPr>
+          <a:xfrm>
+            <a:off x="4778697" y="7211040"/>
+            <a:ext cx="623889" cy="276999"/>
+          </a:xfrm>
+          <a:prstGeom prst="rect">
+            <a:avLst/>
+          </a:prstGeom>
+        </p:spPr>
+        <p:txBody>
+          <a:bodyPr wrap="none">
+            <a:spAutoFit/>
+          </a:bodyPr>
+          <a:lstStyle/>
+          <a:p>
+            <a:r>
+              <a:rPr lang="en-US" sz="1200" dirty="0"/>
+              <a:t>1, 0 / L</a:t>
+            </a:r>
+            <a:endParaRPr lang="en-US" sz="700" dirty="0"/>
+          </a:p>
+        </p:txBody>
+      </p:sp>
+      <p:sp>
+        <p:nvSpPr>
+          <p:cNvPr id="235" name="Rectangle 234">
+            <a:extLst>
+              <a:ext uri="{FF2B5EF4-FFF2-40B4-BE49-F238E27FC236}">
+                <a16:creationId xmlns:a16="http://schemas.microsoft.com/office/drawing/2014/main" id="{056D735A-14E0-49F1-BA15-1FC170E84BCC}"/>
+              </a:ext>
+            </a:extLst>
+          </p:cNvPr>
+          <p:cNvSpPr/>
+          <p:nvPr/>
+        </p:nvSpPr>
+        <p:spPr>
+          <a:xfrm>
+            <a:off x="1643379" y="8764026"/>
+            <a:ext cx="623889" cy="276999"/>
+          </a:xfrm>
+          <a:prstGeom prst="rect">
+            <a:avLst/>
+          </a:prstGeom>
+        </p:spPr>
+        <p:txBody>
+          <a:bodyPr wrap="none">
+            <a:spAutoFit/>
+          </a:bodyPr>
+          <a:lstStyle/>
+          <a:p>
+            <a:r>
+              <a:rPr lang="en-US" sz="1200" dirty="0"/>
+              <a:t>2, 0 / L</a:t>
+            </a:r>
+            <a:endParaRPr lang="en-US" sz="700" dirty="0"/>
+          </a:p>
+        </p:txBody>
+      </p:sp>
+      <p:sp>
+        <p:nvSpPr>
+          <p:cNvPr id="236" name="Rectangle 235">
+            <a:extLst>
+              <a:ext uri="{FF2B5EF4-FFF2-40B4-BE49-F238E27FC236}">
+                <a16:creationId xmlns:a16="http://schemas.microsoft.com/office/drawing/2014/main" id="{1035A9A1-225E-4647-9E29-FD594DCAE659}"/>
+              </a:ext>
+            </a:extLst>
+          </p:cNvPr>
+          <p:cNvSpPr/>
+          <p:nvPr/>
+        </p:nvSpPr>
+        <p:spPr>
+          <a:xfrm>
+            <a:off x="1832663" y="6317676"/>
+            <a:ext cx="625492" cy="276999"/>
+          </a:xfrm>
+          <a:prstGeom prst="rect">
+            <a:avLst/>
+          </a:prstGeom>
+        </p:spPr>
+        <p:txBody>
+          <a:bodyPr wrap="none">
+            <a:spAutoFit/>
+          </a:bodyPr>
+          <a:lstStyle/>
+          <a:p>
+            <a:r>
+              <a:rPr lang="en-US" sz="1200" dirty="0"/>
+              <a:t>1, 1 / R</a:t>
+            </a:r>
+            <a:endParaRPr lang="en-US" sz="700" dirty="0"/>
+          </a:p>
+        </p:txBody>
+      </p:sp>
+      <p:sp>
+        <p:nvSpPr>
+          <p:cNvPr id="237" name="Rectangle 236">
+            <a:extLst>
+              <a:ext uri="{FF2B5EF4-FFF2-40B4-BE49-F238E27FC236}">
+                <a16:creationId xmlns:a16="http://schemas.microsoft.com/office/drawing/2014/main" id="{E914F953-04B5-4C00-8565-9DED2BD6202E}"/>
+              </a:ext>
+            </a:extLst>
+          </p:cNvPr>
+          <p:cNvSpPr/>
+          <p:nvPr/>
+        </p:nvSpPr>
+        <p:spPr>
+          <a:xfrm>
+            <a:off x="1840283" y="6580566"/>
+            <a:ext cx="631904" cy="276999"/>
+          </a:xfrm>
+          <a:prstGeom prst="rect">
+            <a:avLst/>
+          </a:prstGeom>
+        </p:spPr>
+        <p:txBody>
+          <a:bodyPr wrap="none">
+            <a:spAutoFit/>
+          </a:bodyPr>
+          <a:lstStyle/>
+          <a:p>
+            <a:r>
+              <a:rPr lang="en-US" sz="1200" dirty="0"/>
+              <a:t>2, 2 / R</a:t>
+            </a:r>
+            <a:endParaRPr lang="en-US" sz="700" dirty="0"/>
+          </a:p>
+        </p:txBody>
+      </p:sp>
+      <p:sp>
+        <p:nvSpPr>
+          <p:cNvPr id="238" name="Rectangle 237">
+            <a:extLst>
+              <a:ext uri="{FF2B5EF4-FFF2-40B4-BE49-F238E27FC236}">
+                <a16:creationId xmlns:a16="http://schemas.microsoft.com/office/drawing/2014/main" id="{ECDE3EAB-58DC-4FF6-8970-979A6305373B}"/>
+              </a:ext>
+            </a:extLst>
+          </p:cNvPr>
+          <p:cNvSpPr/>
+          <p:nvPr/>
+        </p:nvSpPr>
+        <p:spPr>
+          <a:xfrm>
+            <a:off x="1840283" y="6842223"/>
+            <a:ext cx="628698" cy="276999"/>
+          </a:xfrm>
+          <a:prstGeom prst="rect">
+            <a:avLst/>
+          </a:prstGeom>
+        </p:spPr>
+        <p:txBody>
+          <a:bodyPr wrap="none">
+            <a:spAutoFit/>
+          </a:bodyPr>
+          <a:lstStyle/>
+          <a:p>
+            <a:r>
+              <a:rPr lang="en-US" sz="1200" dirty="0"/>
+              <a:t>3, 3 / R</a:t>
+            </a:r>
+            <a:endParaRPr lang="en-US" sz="700" dirty="0"/>
+          </a:p>
+        </p:txBody>
+      </p:sp>
+      <p:sp>
+        <p:nvSpPr>
+          <p:cNvPr id="239" name="Rectangle 238">
+            <a:extLst>
+              <a:ext uri="{FF2B5EF4-FFF2-40B4-BE49-F238E27FC236}">
+                <a16:creationId xmlns:a16="http://schemas.microsoft.com/office/drawing/2014/main" id="{CCE8A778-F08F-4719-B726-B8B65D917C60}"/>
+              </a:ext>
+            </a:extLst>
+          </p:cNvPr>
+          <p:cNvSpPr/>
+          <p:nvPr/>
+        </p:nvSpPr>
+        <p:spPr>
+          <a:xfrm>
+            <a:off x="3089900" y="4587538"/>
+            <a:ext cx="623889" cy="276999"/>
+          </a:xfrm>
+          <a:prstGeom prst="rect">
+            <a:avLst/>
+          </a:prstGeom>
+        </p:spPr>
+        <p:txBody>
+          <a:bodyPr wrap="none">
+            <a:spAutoFit/>
+          </a:bodyPr>
+          <a:lstStyle/>
+          <a:p>
+            <a:r>
+              <a:rPr lang="en-US" sz="1200" dirty="0"/>
+              <a:t>0, 0 / L</a:t>
+            </a:r>
+            <a:endParaRPr lang="en-US" sz="700" dirty="0"/>
           </a:p>
         </p:txBody>
       </p:sp>

--- a/Diagrams/Diagrams.pptx
+++ b/Diagrams/Diagrams.pptx
@@ -10411,7 +10411,7 @@
                   <a:schemeClr val="tx1"/>
                 </a:solidFill>
               </a:rPr>
-              <a:t>Q5</a:t>
+              <a:t>Q7</a:t>
             </a:r>
           </a:p>
         </p:txBody>
@@ -10470,7 +10470,7 @@
                   <a:schemeClr val="tx1"/>
                 </a:solidFill>
               </a:rPr>
-              <a:t>Q5</a:t>
+              <a:t>Q9</a:t>
             </a:r>
           </a:p>
         </p:txBody>
@@ -10529,7 +10529,7 @@
                   <a:schemeClr val="tx1"/>
                 </a:solidFill>
               </a:rPr>
-              <a:t>Q5</a:t>
+              <a:t>Q6</a:t>
             </a:r>
           </a:p>
         </p:txBody>
@@ -10588,7 +10588,7 @@
                   <a:schemeClr val="tx1"/>
                 </a:solidFill>
               </a:rPr>
-              <a:t>Q5</a:t>
+              <a:t>Q8</a:t>
             </a:r>
           </a:p>
         </p:txBody>
